--- a/week 3/week_3.pptx
+++ b/week 3/week_3.pptx
@@ -5,7 +5,7 @@
     <p:sldMasterId id="2147483972" r:id="rId1"/>
   </p:sldMasterIdLst>
   <p:notesMasterIdLst>
-    <p:notesMasterId r:id="rId40"/>
+    <p:notesMasterId r:id="rId26"/>
   </p:notesMasterIdLst>
   <p:sldIdLst>
     <p:sldId id="256" r:id="rId2"/>
@@ -19,33 +19,19 @@
     <p:sldId id="291" r:id="rId10"/>
     <p:sldId id="292" r:id="rId11"/>
     <p:sldId id="293" r:id="rId12"/>
-    <p:sldId id="264" r:id="rId13"/>
-    <p:sldId id="265" r:id="rId14"/>
-    <p:sldId id="266" r:id="rId15"/>
-    <p:sldId id="267" r:id="rId16"/>
-    <p:sldId id="268" r:id="rId17"/>
-    <p:sldId id="269" r:id="rId18"/>
-    <p:sldId id="270" r:id="rId19"/>
-    <p:sldId id="271" r:id="rId20"/>
-    <p:sldId id="272" r:id="rId21"/>
-    <p:sldId id="273" r:id="rId22"/>
-    <p:sldId id="274" r:id="rId23"/>
-    <p:sldId id="275" r:id="rId24"/>
-    <p:sldId id="276" r:id="rId25"/>
-    <p:sldId id="277" r:id="rId26"/>
-    <p:sldId id="279" r:id="rId27"/>
-    <p:sldId id="278" r:id="rId28"/>
-    <p:sldId id="280" r:id="rId29"/>
-    <p:sldId id="281" r:id="rId30"/>
-    <p:sldId id="282" r:id="rId31"/>
-    <p:sldId id="283" r:id="rId32"/>
-    <p:sldId id="284" r:id="rId33"/>
-    <p:sldId id="285" r:id="rId34"/>
-    <p:sldId id="286" r:id="rId35"/>
-    <p:sldId id="287" r:id="rId36"/>
-    <p:sldId id="288" r:id="rId37"/>
-    <p:sldId id="289" r:id="rId38"/>
-    <p:sldId id="290" r:id="rId39"/>
+    <p:sldId id="294" r:id="rId13"/>
+    <p:sldId id="295" r:id="rId14"/>
+    <p:sldId id="296" r:id="rId15"/>
+    <p:sldId id="297" r:id="rId16"/>
+    <p:sldId id="298" r:id="rId17"/>
+    <p:sldId id="299" r:id="rId18"/>
+    <p:sldId id="300" r:id="rId19"/>
+    <p:sldId id="301" r:id="rId20"/>
+    <p:sldId id="302" r:id="rId21"/>
+    <p:sldId id="303" r:id="rId22"/>
+    <p:sldId id="304" r:id="rId23"/>
+    <p:sldId id="305" r:id="rId24"/>
+    <p:sldId id="306" r:id="rId25"/>
   </p:sldIdLst>
   <p:sldSz cx="12192000" cy="6858000"/>
   <p:notesSz cx="6858000" cy="9144000"/>
@@ -234,7 +220,7 @@
           <a:p>
             <a:fld id="{19356E6C-AC99-594F-A973-00A5B63B4978}" type="datetimeFigureOut">
               <a:rPr lang="en-CR" smtClean="0"/>
-              <a:t>7/5/22</a:t>
+              <a:t>26/5/22</a:t>
             </a:fld>
             <a:endParaRPr lang="en-CR"/>
           </a:p>
@@ -657,7 +643,7 @@
           <a:p>
             <a:fld id="{6F6A969C-B561-A54A-B39E-B070FA434C7A}" type="datetime1">
               <a:rPr lang="en-US" smtClean="0"/>
-              <a:t>5/7/22</a:t>
+              <a:t>5/26/22</a:t>
             </a:fld>
             <a:endParaRPr lang="en-US" dirty="0"/>
           </a:p>
@@ -828,7 +814,7 @@
           <a:p>
             <a:fld id="{D2C1C5B1-AB71-F04F-9BC1-728AEE9F606F}" type="datetime1">
               <a:rPr lang="en-US" smtClean="0"/>
-              <a:t>5/7/22</a:t>
+              <a:t>5/26/22</a:t>
             </a:fld>
             <a:endParaRPr lang="en-US" dirty="0"/>
           </a:p>
@@ -1009,7 +995,7 @@
           <a:p>
             <a:fld id="{B9B5003B-8902-DE40-85EC-DBE1D6B0404C}" type="datetime1">
               <a:rPr lang="en-US" smtClean="0"/>
-              <a:t>5/7/22</a:t>
+              <a:t>5/26/22</a:t>
             </a:fld>
             <a:endParaRPr lang="en-US" dirty="0"/>
           </a:p>
@@ -1180,7 +1166,7 @@
           <a:p>
             <a:fld id="{90CB073F-4785-D24B-9AD2-2E89AA9D1EED}" type="datetime1">
               <a:rPr lang="en-US" smtClean="0"/>
-              <a:t>5/7/22</a:t>
+              <a:t>5/26/22</a:t>
             </a:fld>
             <a:endParaRPr lang="en-US" dirty="0"/>
           </a:p>
@@ -1441,7 +1427,7 @@
           <a:p>
             <a:fld id="{6EB6C2CC-0699-DE41-B0D6-9685E88AE972}" type="datetime1">
               <a:rPr lang="en-US" smtClean="0"/>
-              <a:t>5/7/22</a:t>
+              <a:t>5/26/22</a:t>
             </a:fld>
             <a:endParaRPr lang="en-US" dirty="0"/>
           </a:p>
@@ -1674,7 +1660,7 @@
           <a:p>
             <a:fld id="{0D920FF4-B9C0-4644-B7FB-6986FDBA3661}" type="datetime1">
               <a:rPr lang="en-US" smtClean="0"/>
-              <a:t>5/7/22</a:t>
+              <a:t>5/26/22</a:t>
             </a:fld>
             <a:endParaRPr lang="en-US" dirty="0"/>
           </a:p>
@@ -2030,7 +2016,7 @@
           <a:p>
             <a:fld id="{13B90772-6900-4F46-B6C8-76039AF4EE22}" type="datetime1">
               <a:rPr lang="en-US" smtClean="0"/>
-              <a:t>5/7/22</a:t>
+              <a:t>5/26/22</a:t>
             </a:fld>
             <a:endParaRPr lang="en-US" dirty="0"/>
           </a:p>
@@ -2172,7 +2158,7 @@
           <a:p>
             <a:fld id="{F529848E-D503-CE47-B4AC-9541F3456290}" type="datetime1">
               <a:rPr lang="en-US" smtClean="0"/>
-              <a:t>5/7/22</a:t>
+              <a:t>5/26/22</a:t>
             </a:fld>
             <a:endParaRPr lang="en-US" dirty="0"/>
           </a:p>
@@ -2268,7 +2254,7 @@
           <a:p>
             <a:fld id="{8EF84499-F2EE-A546-8CB3-3ED28A972CAC}" type="datetime1">
               <a:rPr lang="en-US" smtClean="0"/>
-              <a:t>5/7/22</a:t>
+              <a:t>5/26/22</a:t>
             </a:fld>
             <a:endParaRPr lang="en-US" dirty="0"/>
           </a:p>
@@ -2626,7 +2612,7 @@
           <a:p>
             <a:fld id="{DDB9FDC3-AA29-8B45-B6EB-B0EA0C1764D3}" type="datetime1">
               <a:rPr lang="en-US" smtClean="0"/>
-              <a:t>5/7/22</a:t>
+              <a:t>5/26/22</a:t>
             </a:fld>
             <a:endParaRPr lang="en-US" dirty="0"/>
           </a:p>
@@ -2945,7 +2931,7 @@
           <a:p>
             <a:fld id="{56A88B0D-7FF5-1D45-A036-030328FD5E77}" type="datetime1">
               <a:rPr lang="en-US" smtClean="0"/>
-              <a:t>5/7/22</a:t>
+              <a:t>5/26/22</a:t>
             </a:fld>
             <a:endParaRPr lang="en-US" dirty="0"/>
           </a:p>
@@ -3191,7 +3177,7 @@
           <a:p>
             <a:fld id="{0915A0A8-4AAD-954C-B1B9-0F2CC92D59AC}" type="datetime1">
               <a:rPr lang="en-US" smtClean="0"/>
-              <a:t>5/7/22</a:t>
+              <a:t>5/26/22</a:t>
             </a:fld>
             <a:endParaRPr lang="en-US" dirty="0"/>
           </a:p>
@@ -4600,7 +4586,7 @@
           <a:p>
             <a:r>
               <a:rPr lang="en-CR" dirty="0"/>
-              <a:t>¿Contenedores vs máquinas virtuales?</a:t>
+              <a:t>Kubernetes: sERVICES</a:t>
             </a:r>
           </a:p>
         </p:txBody>
@@ -4650,7 +4636,7 @@
         <p:spPr>
           <a:xfrm>
             <a:off x="234176" y="6445405"/>
-            <a:ext cx="3882601" cy="276999"/>
+            <a:ext cx="4604017" cy="276999"/>
           </a:xfrm>
           <a:prstGeom prst="rect">
             <a:avLst/>
@@ -4677,7 +4663,7 @@
                   <a:schemeClr val="tx2"/>
                 </a:solidFill>
               </a:rPr>
-              <a:t>www.filepicker.io</a:t>
+              <a:t>miro.medium.com</a:t>
             </a:r>
             <a:r>
               <a:rPr lang="en-US" sz="1200" dirty="0">
@@ -4685,23 +4671,7 @@
                   <a:schemeClr val="tx2"/>
                 </a:solidFill>
               </a:rPr>
-              <a:t>/</a:t>
-            </a:r>
-            <a:r>
-              <a:rPr lang="en-US" sz="1200" dirty="0" err="1">
-                <a:solidFill>
-                  <a:schemeClr val="tx2"/>
-                </a:solidFill>
-              </a:rPr>
-              <a:t>api</a:t>
-            </a:r>
-            <a:r>
-              <a:rPr lang="en-US" sz="1200" dirty="0">
-                <a:solidFill>
-                  <a:schemeClr val="tx2"/>
-                </a:solidFill>
-              </a:rPr>
-              <a:t>/file/ylQ1HSGURZauDnxatQVF</a:t>
+              <a:t>/max/1400/1*tnK94zrEwyNe1hL-PhJXOA.png</a:t>
             </a:r>
             <a:endParaRPr lang="en-CR" sz="1200" dirty="0">
               <a:solidFill>
@@ -4711,12 +4681,145 @@
           </a:p>
         </p:txBody>
       </p:sp>
+      <p:sp>
+        <p:nvSpPr>
+          <p:cNvPr id="5" name="AutoShape 2" descr="Components of Kubernetes">
+            <a:extLst>
+              <a:ext uri="{FF2B5EF4-FFF2-40B4-BE49-F238E27FC236}">
+                <a16:creationId xmlns:a16="http://schemas.microsoft.com/office/drawing/2014/main" id="{148D9193-E497-08F5-450B-50F0915B88F6}"/>
+              </a:ext>
+            </a:extLst>
+          </p:cNvPr>
+          <p:cNvSpPr>
+            <a:spLocks noChangeAspect="1" noChangeArrowheads="1"/>
+          </p:cNvSpPr>
+          <p:nvPr/>
+        </p:nvSpPr>
+        <p:spPr bwMode="auto">
+          <a:xfrm>
+            <a:off x="5943600" y="3276600"/>
+            <a:ext cx="304800" cy="304800"/>
+          </a:xfrm>
+          <a:prstGeom prst="rect">
+            <a:avLst/>
+          </a:prstGeom>
+          <a:noFill/>
+          <a:extLst>
+            <a:ext uri="{909E8E84-426E-40DD-AFC4-6F175D3DCCD1}">
+              <a14:hiddenFill xmlns:a14="http://schemas.microsoft.com/office/drawing/2010/main">
+                <a:solidFill>
+                  <a:srgbClr val="FFFFFF"/>
+                </a:solidFill>
+              </a14:hiddenFill>
+            </a:ext>
+          </a:extLst>
+        </p:spPr>
+        <p:txBody>
+          <a:bodyPr vert="horz" wrap="square" lIns="91440" tIns="45720" rIns="91440" bIns="45720" numCol="1" anchor="t" anchorCtr="0" compatLnSpc="1">
+            <a:prstTxWarp prst="textNoShape">
+              <a:avLst/>
+            </a:prstTxWarp>
+          </a:bodyPr>
+          <a:lstStyle/>
+          <a:p>
+            <a:endParaRPr lang="en-CR"/>
+          </a:p>
+        </p:txBody>
+      </p:sp>
+      <p:sp>
+        <p:nvSpPr>
+          <p:cNvPr id="8" name="AutoShape 4" descr="Components of Kubernetes">
+            <a:extLst>
+              <a:ext uri="{FF2B5EF4-FFF2-40B4-BE49-F238E27FC236}">
+                <a16:creationId xmlns:a16="http://schemas.microsoft.com/office/drawing/2014/main" id="{C0F94324-8426-84FE-8A23-B9FE1BF3D35C}"/>
+              </a:ext>
+            </a:extLst>
+          </p:cNvPr>
+          <p:cNvSpPr>
+            <a:spLocks noChangeAspect="1" noChangeArrowheads="1"/>
+          </p:cNvSpPr>
+          <p:nvPr/>
+        </p:nvSpPr>
+        <p:spPr bwMode="auto">
+          <a:xfrm>
+            <a:off x="6095999" y="3428999"/>
+            <a:ext cx="3001701" cy="3001701"/>
+          </a:xfrm>
+          <a:prstGeom prst="rect">
+            <a:avLst/>
+          </a:prstGeom>
+          <a:noFill/>
+          <a:extLst>
+            <a:ext uri="{909E8E84-426E-40DD-AFC4-6F175D3DCCD1}">
+              <a14:hiddenFill xmlns:a14="http://schemas.microsoft.com/office/drawing/2010/main">
+                <a:solidFill>
+                  <a:srgbClr val="FFFFFF"/>
+                </a:solidFill>
+              </a14:hiddenFill>
+            </a:ext>
+          </a:extLst>
+        </p:spPr>
+        <p:txBody>
+          <a:bodyPr vert="horz" wrap="square" lIns="91440" tIns="45720" rIns="91440" bIns="45720" numCol="1" anchor="t" anchorCtr="0" compatLnSpc="1">
+            <a:prstTxWarp prst="textNoShape">
+              <a:avLst/>
+            </a:prstTxWarp>
+          </a:bodyPr>
+          <a:lstStyle/>
+          <a:p>
+            <a:endParaRPr lang="en-CR"/>
+          </a:p>
+        </p:txBody>
+      </p:sp>
+      <p:sp>
+        <p:nvSpPr>
+          <p:cNvPr id="10" name="TextBox 9">
+            <a:extLst>
+              <a:ext uri="{FF2B5EF4-FFF2-40B4-BE49-F238E27FC236}">
+                <a16:creationId xmlns:a16="http://schemas.microsoft.com/office/drawing/2014/main" id="{E4D85C41-4AD7-A288-30B2-C8F3FC15C796}"/>
+              </a:ext>
+            </a:extLst>
+          </p:cNvPr>
+          <p:cNvSpPr txBox="1"/>
+          <p:nvPr/>
+        </p:nvSpPr>
+        <p:spPr>
+          <a:xfrm>
+            <a:off x="1050391" y="2864005"/>
+            <a:ext cx="4340506" cy="369332"/>
+          </a:xfrm>
+          <a:prstGeom prst="rect">
+            <a:avLst/>
+          </a:prstGeom>
+          <a:noFill/>
+        </p:spPr>
+        <p:txBody>
+          <a:bodyPr wrap="square" rtlCol="0">
+            <a:spAutoFit/>
+          </a:bodyPr>
+          <a:lstStyle/>
+          <a:p>
+            <a:pPr marL="285750" indent="-285750">
+              <a:buFont typeface="Arial" panose="020B0604020202020204" pitchFamily="34" charset="0"/>
+              <a:buChar char="•"/>
+            </a:pPr>
+            <a:r>
+              <a:rPr lang="en-CR" b="1" dirty="0"/>
+              <a:t>LoadBalancer:</a:t>
+            </a:r>
+            <a:r>
+              <a:rPr lang="en-CR" dirty="0"/>
+              <a:t> IP público</a:t>
+            </a:r>
+          </a:p>
+        </p:txBody>
+      </p:sp>
       <p:pic>
         <p:nvPicPr>
-          <p:cNvPr id="6" name="Picture 5">
-            <a:extLst>
-              <a:ext uri="{FF2B5EF4-FFF2-40B4-BE49-F238E27FC236}">
-                <a16:creationId xmlns:a16="http://schemas.microsoft.com/office/drawing/2014/main" id="{AE33301B-F109-F640-99EF-9D4B8B5D44D4}"/>
+          <p:cNvPr id="11" name="Picture 10">
+            <a:extLst>
+              <a:ext uri="{FF2B5EF4-FFF2-40B4-BE49-F238E27FC236}">
+                <a16:creationId xmlns:a16="http://schemas.microsoft.com/office/drawing/2014/main" id="{E17DCF8A-DCEA-4FE1-7FEF-DECB5DF8F400}"/>
               </a:ext>
             </a:extLst>
           </p:cNvPr>
@@ -4733,8 +4836,8 @@
         </p:blipFill>
         <p:spPr>
           <a:xfrm>
-            <a:off x="2791586" y="2300258"/>
-            <a:ext cx="6248242" cy="3917662"/>
+            <a:off x="6733640" y="2558005"/>
+            <a:ext cx="3194671" cy="3659915"/>
           </a:xfrm>
           <a:prstGeom prst="rect">
             <a:avLst/>
@@ -4744,7 +4847,7 @@
     </p:spTree>
     <p:extLst>
       <p:ext uri="{BB962C8B-B14F-4D97-AF65-F5344CB8AC3E}">
-        <p14:creationId xmlns:p14="http://schemas.microsoft.com/office/powerpoint/2010/main" val="300098220"/>
+        <p14:creationId xmlns:p14="http://schemas.microsoft.com/office/powerpoint/2010/main" val="729122547"/>
       </p:ext>
     </p:extLst>
   </p:cSld>
@@ -4794,7 +4897,7 @@
           <a:p>
             <a:r>
               <a:rPr lang="en-CR" dirty="0"/>
-              <a:t>¿Cómo desplegamos un contenedor?</a:t>
+              <a:t>Kubernetes: sERVICES</a:t>
             </a:r>
           </a:p>
         </p:txBody>
@@ -4831,10 +4934,10 @@
       </p:sp>
       <p:sp>
         <p:nvSpPr>
-          <p:cNvPr id="5" name="TextBox 4">
-            <a:extLst>
-              <a:ext uri="{FF2B5EF4-FFF2-40B4-BE49-F238E27FC236}">
-                <a16:creationId xmlns:a16="http://schemas.microsoft.com/office/drawing/2014/main" id="{D85C2AC2-0793-6448-88C0-4D45F9C5A834}"/>
+          <p:cNvPr id="4" name="TextBox 3">
+            <a:extLst>
+              <a:ext uri="{FF2B5EF4-FFF2-40B4-BE49-F238E27FC236}">
+                <a16:creationId xmlns:a16="http://schemas.microsoft.com/office/drawing/2014/main" id="{136C7BC2-FDE2-4942-B5B1-CCF71FA447F0}"/>
               </a:ext>
             </a:extLst>
           </p:cNvPr>
@@ -4843,84 +4946,8 @@
         </p:nvSpPr>
         <p:spPr>
           <a:xfrm>
-            <a:off x="2231136" y="2673751"/>
-            <a:ext cx="1446836" cy="584775"/>
-          </a:xfrm>
-          <a:prstGeom prst="rect">
-            <a:avLst/>
-          </a:prstGeom>
-          <a:solidFill>
-            <a:schemeClr val="accent1"/>
-          </a:solidFill>
-        </p:spPr>
-        <p:txBody>
-          <a:bodyPr wrap="square" rtlCol="0">
-            <a:spAutoFit/>
-          </a:bodyPr>
-          <a:lstStyle/>
-          <a:p>
-            <a:pPr algn="ctr"/>
-            <a:r>
-              <a:rPr lang="en-CR" sz="3200" dirty="0"/>
-              <a:t>Imágen</a:t>
-            </a:r>
-          </a:p>
-        </p:txBody>
-      </p:sp>
-      <p:sp>
-        <p:nvSpPr>
-          <p:cNvPr id="7" name="TextBox 6">
-            <a:extLst>
-              <a:ext uri="{FF2B5EF4-FFF2-40B4-BE49-F238E27FC236}">
-                <a16:creationId xmlns:a16="http://schemas.microsoft.com/office/drawing/2014/main" id="{97289269-C92E-AC4D-899D-ACE1EAF485DE}"/>
-              </a:ext>
-            </a:extLst>
-          </p:cNvPr>
-          <p:cNvSpPr txBox="1"/>
-          <p:nvPr/>
-        </p:nvSpPr>
-        <p:spPr>
-          <a:xfrm>
-            <a:off x="7647856" y="2673752"/>
-            <a:ext cx="2313008" cy="584775"/>
-          </a:xfrm>
-          <a:prstGeom prst="rect">
-            <a:avLst/>
-          </a:prstGeom>
-          <a:solidFill>
-            <a:schemeClr val="accent2"/>
-          </a:solidFill>
-        </p:spPr>
-        <p:txBody>
-          <a:bodyPr wrap="square" rtlCol="0">
-            <a:spAutoFit/>
-          </a:bodyPr>
-          <a:lstStyle/>
-          <a:p>
-            <a:pPr algn="ctr"/>
-            <a:r>
-              <a:rPr lang="en-CR" sz="3200" dirty="0"/>
-              <a:t>Contenedor</a:t>
-            </a:r>
-          </a:p>
-        </p:txBody>
-      </p:sp>
-      <p:sp>
-        <p:nvSpPr>
-          <p:cNvPr id="8" name="TextBox 7">
-            <a:extLst>
-              <a:ext uri="{FF2B5EF4-FFF2-40B4-BE49-F238E27FC236}">
-                <a16:creationId xmlns:a16="http://schemas.microsoft.com/office/drawing/2014/main" id="{0F06C2D9-1180-9D46-92E0-437D20F3E94F}"/>
-              </a:ext>
-            </a:extLst>
-          </p:cNvPr>
-          <p:cNvSpPr txBox="1"/>
-          <p:nvPr/>
-        </p:nvSpPr>
-        <p:spPr>
-          <a:xfrm>
-            <a:off x="902827" y="3583083"/>
-            <a:ext cx="3773346" cy="1754326"/>
+            <a:off x="234176" y="6445405"/>
+            <a:ext cx="4604017" cy="276999"/>
           </a:xfrm>
           <a:prstGeom prst="rect">
             <a:avLst/>
@@ -4928,6 +4955,156 @@
           <a:noFill/>
         </p:spPr>
         <p:txBody>
+          <a:bodyPr wrap="none" rtlCol="0">
+            <a:spAutoFit/>
+          </a:bodyPr>
+          <a:lstStyle/>
+          <a:p>
+            <a:r>
+              <a:rPr lang="en-US" sz="1200" dirty="0">
+                <a:solidFill>
+                  <a:schemeClr val="tx2"/>
+                </a:solidFill>
+              </a:rPr>
+              <a:t>https://</a:t>
+            </a:r>
+            <a:r>
+              <a:rPr lang="en-US" sz="1200" dirty="0" err="1">
+                <a:solidFill>
+                  <a:schemeClr val="tx2"/>
+                </a:solidFill>
+              </a:rPr>
+              <a:t>miro.medium.com</a:t>
+            </a:r>
+            <a:r>
+              <a:rPr lang="en-US" sz="1200" dirty="0">
+                <a:solidFill>
+                  <a:schemeClr val="tx2"/>
+                </a:solidFill>
+              </a:rPr>
+              <a:t>/max/1400/1*tnK94zrEwyNe1hL-PhJXOA.png</a:t>
+            </a:r>
+            <a:endParaRPr lang="en-CR" sz="1200" dirty="0">
+              <a:solidFill>
+                <a:schemeClr val="tx2"/>
+              </a:solidFill>
+            </a:endParaRPr>
+          </a:p>
+        </p:txBody>
+      </p:sp>
+      <p:sp>
+        <p:nvSpPr>
+          <p:cNvPr id="5" name="AutoShape 2" descr="Components of Kubernetes">
+            <a:extLst>
+              <a:ext uri="{FF2B5EF4-FFF2-40B4-BE49-F238E27FC236}">
+                <a16:creationId xmlns:a16="http://schemas.microsoft.com/office/drawing/2014/main" id="{148D9193-E497-08F5-450B-50F0915B88F6}"/>
+              </a:ext>
+            </a:extLst>
+          </p:cNvPr>
+          <p:cNvSpPr>
+            <a:spLocks noChangeAspect="1" noChangeArrowheads="1"/>
+          </p:cNvSpPr>
+          <p:nvPr/>
+        </p:nvSpPr>
+        <p:spPr bwMode="auto">
+          <a:xfrm>
+            <a:off x="5943600" y="3276600"/>
+            <a:ext cx="304800" cy="304800"/>
+          </a:xfrm>
+          <a:prstGeom prst="rect">
+            <a:avLst/>
+          </a:prstGeom>
+          <a:noFill/>
+          <a:extLst>
+            <a:ext uri="{909E8E84-426E-40DD-AFC4-6F175D3DCCD1}">
+              <a14:hiddenFill xmlns:a14="http://schemas.microsoft.com/office/drawing/2010/main">
+                <a:solidFill>
+                  <a:srgbClr val="FFFFFF"/>
+                </a:solidFill>
+              </a14:hiddenFill>
+            </a:ext>
+          </a:extLst>
+        </p:spPr>
+        <p:txBody>
+          <a:bodyPr vert="horz" wrap="square" lIns="91440" tIns="45720" rIns="91440" bIns="45720" numCol="1" anchor="t" anchorCtr="0" compatLnSpc="1">
+            <a:prstTxWarp prst="textNoShape">
+              <a:avLst/>
+            </a:prstTxWarp>
+          </a:bodyPr>
+          <a:lstStyle/>
+          <a:p>
+            <a:endParaRPr lang="en-CR"/>
+          </a:p>
+        </p:txBody>
+      </p:sp>
+      <p:sp>
+        <p:nvSpPr>
+          <p:cNvPr id="8" name="AutoShape 4" descr="Components of Kubernetes">
+            <a:extLst>
+              <a:ext uri="{FF2B5EF4-FFF2-40B4-BE49-F238E27FC236}">
+                <a16:creationId xmlns:a16="http://schemas.microsoft.com/office/drawing/2014/main" id="{C0F94324-8426-84FE-8A23-B9FE1BF3D35C}"/>
+              </a:ext>
+            </a:extLst>
+          </p:cNvPr>
+          <p:cNvSpPr>
+            <a:spLocks noChangeAspect="1" noChangeArrowheads="1"/>
+          </p:cNvSpPr>
+          <p:nvPr/>
+        </p:nvSpPr>
+        <p:spPr bwMode="auto">
+          <a:xfrm>
+            <a:off x="6095999" y="3428999"/>
+            <a:ext cx="3001701" cy="3001701"/>
+          </a:xfrm>
+          <a:prstGeom prst="rect">
+            <a:avLst/>
+          </a:prstGeom>
+          <a:noFill/>
+          <a:extLst>
+            <a:ext uri="{909E8E84-426E-40DD-AFC4-6F175D3DCCD1}">
+              <a14:hiddenFill xmlns:a14="http://schemas.microsoft.com/office/drawing/2010/main">
+                <a:solidFill>
+                  <a:srgbClr val="FFFFFF"/>
+                </a:solidFill>
+              </a14:hiddenFill>
+            </a:ext>
+          </a:extLst>
+        </p:spPr>
+        <p:txBody>
+          <a:bodyPr vert="horz" wrap="square" lIns="91440" tIns="45720" rIns="91440" bIns="45720" numCol="1" anchor="t" anchorCtr="0" compatLnSpc="1">
+            <a:prstTxWarp prst="textNoShape">
+              <a:avLst/>
+            </a:prstTxWarp>
+          </a:bodyPr>
+          <a:lstStyle/>
+          <a:p>
+            <a:endParaRPr lang="en-CR"/>
+          </a:p>
+        </p:txBody>
+      </p:sp>
+      <p:sp>
+        <p:nvSpPr>
+          <p:cNvPr id="10" name="TextBox 9">
+            <a:extLst>
+              <a:ext uri="{FF2B5EF4-FFF2-40B4-BE49-F238E27FC236}">
+                <a16:creationId xmlns:a16="http://schemas.microsoft.com/office/drawing/2014/main" id="{E4D85C41-4AD7-A288-30B2-C8F3FC15C796}"/>
+              </a:ext>
+            </a:extLst>
+          </p:cNvPr>
+          <p:cNvSpPr txBox="1"/>
+          <p:nvPr/>
+        </p:nvSpPr>
+        <p:spPr>
+          <a:xfrm>
+            <a:off x="1050391" y="2864005"/>
+            <a:ext cx="4340506" cy="923330"/>
+          </a:xfrm>
+          <a:prstGeom prst="rect">
+            <a:avLst/>
+          </a:prstGeom>
+          <a:noFill/>
+        </p:spPr>
+        <p:txBody>
           <a:bodyPr wrap="square" rtlCol="0">
             <a:spAutoFit/>
           </a:bodyPr>
@@ -4938,86 +5115,50 @@
               <a:buChar char="•"/>
             </a:pPr>
             <a:r>
+              <a:rPr lang="en-CR" b="1" dirty="0"/>
+              <a:t>ExternalService:</a:t>
+            </a:r>
+            <a:r>
               <a:rPr lang="en-CR" dirty="0"/>
-              <a:t>Inmutable</a:t>
-            </a:r>
-            <a:endParaRPr lang="en-CR" b="1" dirty="0"/>
-          </a:p>
-          <a:p>
-            <a:pPr marL="285750" indent="-285750">
-              <a:buFont typeface="Arial" panose="020B0604020202020204" pitchFamily="34" charset="0"/>
-              <a:buChar char="•"/>
-            </a:pPr>
-            <a:r>
-              <a:rPr lang="en-CR" dirty="0"/>
-              <a:t>Código fuente, bibliotecas, dependencias, archivos para levantar una aplicación.</a:t>
-            </a:r>
-          </a:p>
-          <a:p>
-            <a:pPr marL="285750" indent="-285750">
-              <a:buFont typeface="Arial" panose="020B0604020202020204" pitchFamily="34" charset="0"/>
-              <a:buChar char="•"/>
-            </a:pPr>
-            <a:r>
-              <a:rPr lang="en-CR" dirty="0"/>
-              <a:t>Nuevas capas para reutilizar/nuevos archivos</a:t>
-            </a:r>
-          </a:p>
-        </p:txBody>
-      </p:sp>
-      <p:sp>
-        <p:nvSpPr>
-          <p:cNvPr id="9" name="TextBox 8">
-            <a:extLst>
-              <a:ext uri="{FF2B5EF4-FFF2-40B4-BE49-F238E27FC236}">
-                <a16:creationId xmlns:a16="http://schemas.microsoft.com/office/drawing/2014/main" id="{87CF628D-CE36-4247-BF29-153A417379B3}"/>
-              </a:ext>
-            </a:extLst>
-          </p:cNvPr>
-          <p:cNvSpPr txBox="1"/>
+              <a:t> Un svc que mapea comunicación hacia un servidor externo al clúster como un servicio interno</a:t>
+            </a:r>
+          </a:p>
+        </p:txBody>
+      </p:sp>
+      <p:pic>
+        <p:nvPicPr>
+          <p:cNvPr id="7" name="Picture 6">
+            <a:extLst>
+              <a:ext uri="{FF2B5EF4-FFF2-40B4-BE49-F238E27FC236}">
+                <a16:creationId xmlns:a16="http://schemas.microsoft.com/office/drawing/2014/main" id="{37E1B943-071D-8905-6705-AA5D39BF092A}"/>
+              </a:ext>
+            </a:extLst>
+          </p:cNvPr>
+          <p:cNvPicPr>
+            <a:picLocks noChangeAspect="1"/>
+          </p:cNvPicPr>
           <p:nvPr/>
-        </p:nvSpPr>
+        </p:nvPicPr>
+        <p:blipFill>
+          <a:blip r:embed="rId2"/>
+          <a:stretch>
+            <a:fillRect/>
+          </a:stretch>
+        </p:blipFill>
         <p:spPr>
           <a:xfrm>
-            <a:off x="6657374" y="3614667"/>
-            <a:ext cx="3773346" cy="923330"/>
+            <a:off x="6400799" y="2477162"/>
+            <a:ext cx="3275636" cy="3752670"/>
           </a:xfrm>
           <a:prstGeom prst="rect">
             <a:avLst/>
           </a:prstGeom>
-          <a:noFill/>
-        </p:spPr>
-        <p:txBody>
-          <a:bodyPr wrap="square" rtlCol="0">
-            <a:spAutoFit/>
-          </a:bodyPr>
-          <a:lstStyle/>
-          <a:p>
-            <a:pPr marL="285750" indent="-285750">
-              <a:buFont typeface="Arial" panose="020B0604020202020204" pitchFamily="34" charset="0"/>
-              <a:buChar char="•"/>
-            </a:pPr>
-            <a:r>
-              <a:rPr lang="en-CR" dirty="0"/>
-              <a:t>Arquitectura ligera de Kernel compartido</a:t>
-            </a:r>
-          </a:p>
-          <a:p>
-            <a:pPr marL="285750" indent="-285750">
-              <a:buFont typeface="Arial" panose="020B0604020202020204" pitchFamily="34" charset="0"/>
-              <a:buChar char="•"/>
-            </a:pPr>
-            <a:r>
-              <a:rPr lang="en-CR" dirty="0"/>
-              <a:t>Depligue y levanta las imágenes</a:t>
-            </a:r>
-          </a:p>
-        </p:txBody>
-      </p:sp>
+        </p:spPr>
+      </p:pic>
     </p:spTree>
     <p:extLst>
       <p:ext uri="{BB962C8B-B14F-4D97-AF65-F5344CB8AC3E}">
-        <p14:creationId xmlns:p14="http://schemas.microsoft.com/office/powerpoint/2010/main" val="3567749476"/>
+        <p14:creationId xmlns:p14="http://schemas.microsoft.com/office/powerpoint/2010/main" val="517675185"/>
       </p:ext>
     </p:extLst>
   </p:cSld>
@@ -5067,7 +5208,7 @@
           <a:p>
             <a:r>
               <a:rPr lang="en-CR" dirty="0"/>
-              <a:t>¿Que son los DOCKER CONTAINERS?</a:t>
+              <a:t>Kubernetes: DEPLOYMENTS</a:t>
             </a:r>
           </a:p>
         </p:txBody>
@@ -5117,7 +5258,7 @@
         <p:spPr>
           <a:xfrm>
             <a:off x="234176" y="6445405"/>
-            <a:ext cx="3052502" cy="276999"/>
+            <a:ext cx="4607800" cy="276999"/>
           </a:xfrm>
           <a:prstGeom prst="rect">
             <a:avLst/>
@@ -5144,7 +5285,7 @@
                   <a:schemeClr val="tx2"/>
                 </a:solidFill>
               </a:rPr>
-              <a:t>docs.docker.com</a:t>
+              <a:t>congdonglinux.com</a:t>
             </a:r>
             <a:r>
               <a:rPr lang="en-US" sz="1200" dirty="0">
@@ -5152,7 +5293,23 @@
                   <a:schemeClr val="tx2"/>
                 </a:solidFill>
               </a:rPr>
-              <a:t>/get-started/overview/</a:t>
+              <a:t>/rolling-updates-and-rollbacks-in-</a:t>
+            </a:r>
+            <a:r>
+              <a:rPr lang="en-US" sz="1200" dirty="0" err="1">
+                <a:solidFill>
+                  <a:schemeClr val="tx2"/>
+                </a:solidFill>
+              </a:rPr>
+              <a:t>kubernetes</a:t>
+            </a:r>
+            <a:r>
+              <a:rPr lang="en-US" sz="1200" dirty="0">
+                <a:solidFill>
+                  <a:schemeClr val="tx2"/>
+                </a:solidFill>
+              </a:rPr>
+              <a:t>/</a:t>
             </a:r>
             <a:endParaRPr lang="en-CR" sz="1200" dirty="0">
               <a:solidFill>
@@ -5164,94 +5321,22 @@
       </p:sp>
       <p:sp>
         <p:nvSpPr>
-          <p:cNvPr id="8" name="TextBox 7">
-            <a:extLst>
-              <a:ext uri="{FF2B5EF4-FFF2-40B4-BE49-F238E27FC236}">
-                <a16:creationId xmlns:a16="http://schemas.microsoft.com/office/drawing/2014/main" id="{0F06C2D9-1180-9D46-92E0-437D20F3E94F}"/>
-              </a:ext>
-            </a:extLst>
-          </p:cNvPr>
-          <p:cNvSpPr txBox="1"/>
+          <p:cNvPr id="5" name="AutoShape 2" descr="Components of Kubernetes">
+            <a:extLst>
+              <a:ext uri="{FF2B5EF4-FFF2-40B4-BE49-F238E27FC236}">
+                <a16:creationId xmlns:a16="http://schemas.microsoft.com/office/drawing/2014/main" id="{148D9193-E497-08F5-450B-50F0915B88F6}"/>
+              </a:ext>
+            </a:extLst>
+          </p:cNvPr>
+          <p:cNvSpPr>
+            <a:spLocks noChangeAspect="1" noChangeArrowheads="1"/>
+          </p:cNvSpPr>
           <p:nvPr/>
         </p:nvSpPr>
-        <p:spPr>
-          <a:xfrm>
-            <a:off x="567159" y="2529786"/>
-            <a:ext cx="10961225" cy="1107996"/>
-          </a:xfrm>
-          <a:prstGeom prst="rect">
-            <a:avLst/>
-          </a:prstGeom>
-          <a:noFill/>
-        </p:spPr>
-        <p:txBody>
-          <a:bodyPr wrap="square" rtlCol="0">
-            <a:spAutoFit/>
-          </a:bodyPr>
-          <a:lstStyle/>
-          <a:p>
-            <a:pPr marL="285750" indent="-285750">
-              <a:buFont typeface="Arial" panose="020B0604020202020204" pitchFamily="34" charset="0"/>
-              <a:buChar char="•"/>
-            </a:pPr>
-            <a:r>
-              <a:rPr lang="en-CR" sz="2200" dirty="0"/>
-              <a:t>Plataforma para desarrollo, entrega y levantamiento de aplicaciones utilizando contenedores</a:t>
-            </a:r>
-          </a:p>
-          <a:p>
-            <a:pPr marL="285750" indent="-285750">
-              <a:buFont typeface="Arial" panose="020B0604020202020204" pitchFamily="34" charset="0"/>
-              <a:buChar char="•"/>
-            </a:pPr>
-            <a:r>
-              <a:rPr lang="en-CR" sz="2200" dirty="0"/>
-              <a:t>Una de las más conocidas en el mercado.</a:t>
-            </a:r>
-          </a:p>
-          <a:p>
-            <a:pPr marL="285750" indent="-285750">
-              <a:buFont typeface="Arial" panose="020B0604020202020204" pitchFamily="34" charset="0"/>
-              <a:buChar char="•"/>
-            </a:pPr>
-            <a:r>
-              <a:rPr lang="en-CR" sz="2200" dirty="0"/>
-              <a:t>Versiones Community y Enterprise</a:t>
-            </a:r>
-          </a:p>
-        </p:txBody>
-      </p:sp>
-      <p:pic>
-        <p:nvPicPr>
-          <p:cNvPr id="11266" name="Picture 2" descr="Docker 18.09 extiende el ciclo de soporte, reenvío SSH y mas | Linux Adictos">
-            <a:extLst>
-              <a:ext uri="{FF2B5EF4-FFF2-40B4-BE49-F238E27FC236}">
-                <a16:creationId xmlns:a16="http://schemas.microsoft.com/office/drawing/2014/main" id="{10BA7FD4-821A-4E48-B84C-D9D734E5FD95}"/>
-              </a:ext>
-            </a:extLst>
-          </p:cNvPr>
-          <p:cNvPicPr>
-            <a:picLocks noChangeAspect="1" noChangeArrowheads="1"/>
-          </p:cNvPicPr>
-          <p:nvPr/>
-        </p:nvPicPr>
-        <p:blipFill>
-          <a:blip r:embed="rId2">
-            <a:extLst>
-              <a:ext uri="{28A0092B-C50C-407E-A947-70E740481C1C}">
-                <a14:useLocalDpi xmlns:a14="http://schemas.microsoft.com/office/drawing/2010/main" val="0"/>
-              </a:ext>
-            </a:extLst>
-          </a:blip>
-          <a:srcRect/>
-          <a:stretch>
-            <a:fillRect/>
-          </a:stretch>
-        </p:blipFill>
         <p:spPr bwMode="auto">
           <a:xfrm>
-            <a:off x="5746189" y="3557464"/>
-            <a:ext cx="4214675" cy="2335844"/>
+            <a:off x="5943600" y="3276600"/>
+            <a:ext cx="304800" cy="304800"/>
           </a:xfrm>
           <a:prstGeom prst="rect">
             <a:avLst/>
@@ -5267,11 +5352,203 @@
             </a:ext>
           </a:extLst>
         </p:spPr>
+        <p:txBody>
+          <a:bodyPr vert="horz" wrap="square" lIns="91440" tIns="45720" rIns="91440" bIns="45720" numCol="1" anchor="t" anchorCtr="0" compatLnSpc="1">
+            <a:prstTxWarp prst="textNoShape">
+              <a:avLst/>
+            </a:prstTxWarp>
+          </a:bodyPr>
+          <a:lstStyle/>
+          <a:p>
+            <a:endParaRPr lang="en-CR"/>
+          </a:p>
+        </p:txBody>
+      </p:sp>
+      <p:sp>
+        <p:nvSpPr>
+          <p:cNvPr id="8" name="AutoShape 4" descr="Components of Kubernetes">
+            <a:extLst>
+              <a:ext uri="{FF2B5EF4-FFF2-40B4-BE49-F238E27FC236}">
+                <a16:creationId xmlns:a16="http://schemas.microsoft.com/office/drawing/2014/main" id="{C0F94324-8426-84FE-8A23-B9FE1BF3D35C}"/>
+              </a:ext>
+            </a:extLst>
+          </p:cNvPr>
+          <p:cNvSpPr>
+            <a:spLocks noChangeAspect="1" noChangeArrowheads="1"/>
+          </p:cNvSpPr>
+          <p:nvPr/>
+        </p:nvSpPr>
+        <p:spPr bwMode="auto">
+          <a:xfrm>
+            <a:off x="6095999" y="3428999"/>
+            <a:ext cx="3001701" cy="3001701"/>
+          </a:xfrm>
+          <a:prstGeom prst="rect">
+            <a:avLst/>
+          </a:prstGeom>
+          <a:noFill/>
+          <a:extLst>
+            <a:ext uri="{909E8E84-426E-40DD-AFC4-6F175D3DCCD1}">
+              <a14:hiddenFill xmlns:a14="http://schemas.microsoft.com/office/drawing/2010/main">
+                <a:solidFill>
+                  <a:srgbClr val="FFFFFF"/>
+                </a:solidFill>
+              </a14:hiddenFill>
+            </a:ext>
+          </a:extLst>
+        </p:spPr>
+        <p:txBody>
+          <a:bodyPr vert="horz" wrap="square" lIns="91440" tIns="45720" rIns="91440" bIns="45720" numCol="1" anchor="t" anchorCtr="0" compatLnSpc="1">
+            <a:prstTxWarp prst="textNoShape">
+              <a:avLst/>
+            </a:prstTxWarp>
+          </a:bodyPr>
+          <a:lstStyle/>
+          <a:p>
+            <a:endParaRPr lang="en-CR"/>
+          </a:p>
+        </p:txBody>
+      </p:sp>
+      <p:sp>
+        <p:nvSpPr>
+          <p:cNvPr id="10" name="TextBox 9">
+            <a:extLst>
+              <a:ext uri="{FF2B5EF4-FFF2-40B4-BE49-F238E27FC236}">
+                <a16:creationId xmlns:a16="http://schemas.microsoft.com/office/drawing/2014/main" id="{E4D85C41-4AD7-A288-30B2-C8F3FC15C796}"/>
+              </a:ext>
+            </a:extLst>
+          </p:cNvPr>
+          <p:cNvSpPr txBox="1"/>
+          <p:nvPr/>
+        </p:nvSpPr>
+        <p:spPr>
+          <a:xfrm>
+            <a:off x="1050391" y="2864005"/>
+            <a:ext cx="4340506" cy="2585323"/>
+          </a:xfrm>
+          <a:prstGeom prst="rect">
+            <a:avLst/>
+          </a:prstGeom>
+          <a:noFill/>
+        </p:spPr>
+        <p:txBody>
+          <a:bodyPr wrap="square" rtlCol="0">
+            <a:spAutoFit/>
+          </a:bodyPr>
+          <a:lstStyle/>
+          <a:p>
+            <a:pPr marL="285750" indent="-285750">
+              <a:buFont typeface="Arial" panose="020B0604020202020204" pitchFamily="34" charset="0"/>
+              <a:buChar char="•"/>
+            </a:pPr>
+            <a:r>
+              <a:rPr lang="en-CR" dirty="0"/>
+              <a:t>Un </a:t>
+            </a:r>
+            <a:r>
+              <a:rPr lang="en-CR" b="1" dirty="0"/>
+              <a:t>deployment</a:t>
+            </a:r>
+            <a:r>
+              <a:rPr lang="en-CR" dirty="0"/>
+              <a:t> es una instrucción declarativa del </a:t>
+            </a:r>
+            <a:r>
+              <a:rPr lang="en-CR" b="1" dirty="0"/>
+              <a:t>estado</a:t>
+            </a:r>
+            <a:r>
+              <a:rPr lang="en-CR" dirty="0"/>
+              <a:t> de una serie pods y sus réplicas.</a:t>
+            </a:r>
+          </a:p>
+          <a:p>
+            <a:pPr marL="285750" indent="-285750">
+              <a:buFont typeface="Arial" panose="020B0604020202020204" pitchFamily="34" charset="0"/>
+              <a:buChar char="•"/>
+            </a:pPr>
+            <a:r>
+              <a:rPr lang="en-CR" dirty="0"/>
+              <a:t>Controla cuantos </a:t>
+            </a:r>
+            <a:r>
+              <a:rPr lang="en-CR" b="1" dirty="0"/>
+              <a:t>Pods</a:t>
+            </a:r>
+            <a:r>
+              <a:rPr lang="en-CR" dirty="0"/>
+              <a:t> se crean con un </a:t>
+            </a:r>
+            <a:r>
+              <a:rPr lang="en-CR" b="1" dirty="0"/>
+              <a:t>ReplicaSet</a:t>
+            </a:r>
+            <a:r>
+              <a:rPr lang="en-CR" dirty="0"/>
+              <a:t>.</a:t>
+            </a:r>
+          </a:p>
+          <a:p>
+            <a:pPr marL="285750" indent="-285750">
+              <a:buFont typeface="Arial" panose="020B0604020202020204" pitchFamily="34" charset="0"/>
+              <a:buChar char="•"/>
+            </a:pPr>
+            <a:r>
+              <a:rPr lang="en-CR" dirty="0"/>
+              <a:t>En realidad </a:t>
+            </a:r>
+            <a:r>
+              <a:rPr lang="en-CR" b="1" dirty="0"/>
+              <a:t>NO</a:t>
+            </a:r>
+            <a:r>
+              <a:rPr lang="en-CR" dirty="0"/>
+              <a:t> creamos manualmente replicas ni pods; el deployment cumple dicha tarea</a:t>
+            </a:r>
+          </a:p>
+          <a:p>
+            <a:pPr marL="285750" indent="-285750">
+              <a:buFont typeface="Arial" panose="020B0604020202020204" pitchFamily="34" charset="0"/>
+              <a:buChar char="•"/>
+            </a:pPr>
+            <a:endParaRPr lang="en-CR" dirty="0"/>
+          </a:p>
+        </p:txBody>
+      </p:sp>
+      <p:pic>
+        <p:nvPicPr>
+          <p:cNvPr id="11" name="Picture 10">
+            <a:extLst>
+              <a:ext uri="{FF2B5EF4-FFF2-40B4-BE49-F238E27FC236}">
+                <a16:creationId xmlns:a16="http://schemas.microsoft.com/office/drawing/2014/main" id="{4B5D89C3-17DB-DF6E-5603-E7BF962108DC}"/>
+              </a:ext>
+            </a:extLst>
+          </p:cNvPr>
+          <p:cNvPicPr>
+            <a:picLocks noChangeAspect="1"/>
+          </p:cNvPicPr>
+          <p:nvPr/>
+        </p:nvPicPr>
+        <p:blipFill>
+          <a:blip r:embed="rId2"/>
+          <a:stretch>
+            <a:fillRect/>
+          </a:stretch>
+        </p:blipFill>
+        <p:spPr>
+          <a:xfrm>
+            <a:off x="5683990" y="2864005"/>
+            <a:ext cx="5257812" cy="2952872"/>
+          </a:xfrm>
+          <a:prstGeom prst="rect">
+            <a:avLst/>
+          </a:prstGeom>
+        </p:spPr>
       </p:pic>
     </p:spTree>
     <p:extLst>
       <p:ext uri="{BB962C8B-B14F-4D97-AF65-F5344CB8AC3E}">
-        <p14:creationId xmlns:p14="http://schemas.microsoft.com/office/powerpoint/2010/main" val="3736080375"/>
+        <p14:creationId xmlns:p14="http://schemas.microsoft.com/office/powerpoint/2010/main" val="1807450865"/>
       </p:ext>
     </p:extLst>
   </p:cSld>
@@ -5321,7 +5598,7 @@
           <a:p>
             <a:r>
               <a:rPr lang="en-CR" dirty="0"/>
-              <a:t>DEMO: Docker dESKTOP</a:t>
+              <a:t>Kubernetes: INGRESS</a:t>
             </a:r>
           </a:p>
         </p:txBody>
@@ -5358,10 +5635,10 @@
       </p:sp>
       <p:sp>
         <p:nvSpPr>
-          <p:cNvPr id="5" name="TextBox 4">
-            <a:extLst>
-              <a:ext uri="{FF2B5EF4-FFF2-40B4-BE49-F238E27FC236}">
-                <a16:creationId xmlns:a16="http://schemas.microsoft.com/office/drawing/2014/main" id="{4C5D36D4-9CF4-EE45-BEA2-7311C75E77B0}"/>
+          <p:cNvPr id="4" name="TextBox 3">
+            <a:extLst>
+              <a:ext uri="{FF2B5EF4-FFF2-40B4-BE49-F238E27FC236}">
+                <a16:creationId xmlns:a16="http://schemas.microsoft.com/office/drawing/2014/main" id="{136C7BC2-FDE2-4942-B5B1-CCF71FA447F0}"/>
               </a:ext>
             </a:extLst>
           </p:cNvPr>
@@ -5370,8 +5647,8 @@
         </p:nvSpPr>
         <p:spPr>
           <a:xfrm>
-            <a:off x="3561144" y="3059668"/>
-            <a:ext cx="5069712" cy="369332"/>
+            <a:off x="234176" y="6445405"/>
+            <a:ext cx="4216219" cy="276999"/>
           </a:xfrm>
           <a:prstGeom prst="rect">
             <a:avLst/>
@@ -5379,29 +5656,247 @@
           <a:noFill/>
         </p:spPr>
         <p:txBody>
+          <a:bodyPr wrap="none" rtlCol="0">
+            <a:spAutoFit/>
+          </a:bodyPr>
+          <a:lstStyle/>
+          <a:p>
+            <a:r>
+              <a:rPr lang="en-US" sz="1200" dirty="0">
+                <a:solidFill>
+                  <a:schemeClr val="tx2"/>
+                </a:solidFill>
+              </a:rPr>
+              <a:t>https://</a:t>
+            </a:r>
+            <a:r>
+              <a:rPr lang="en-US" sz="1200" dirty="0" err="1">
+                <a:solidFill>
+                  <a:schemeClr val="tx2"/>
+                </a:solidFill>
+              </a:rPr>
+              <a:t>kubernetes.io</a:t>
+            </a:r>
+            <a:r>
+              <a:rPr lang="en-US" sz="1200" dirty="0">
+                <a:solidFill>
+                  <a:schemeClr val="tx2"/>
+                </a:solidFill>
+              </a:rPr>
+              <a:t>/docs/concepts/services-networking/ingress/</a:t>
+            </a:r>
+            <a:endParaRPr lang="en-CR" sz="1200" dirty="0">
+              <a:solidFill>
+                <a:schemeClr val="tx2"/>
+              </a:solidFill>
+            </a:endParaRPr>
+          </a:p>
+        </p:txBody>
+      </p:sp>
+      <p:sp>
+        <p:nvSpPr>
+          <p:cNvPr id="5" name="AutoShape 2" descr="Components of Kubernetes">
+            <a:extLst>
+              <a:ext uri="{FF2B5EF4-FFF2-40B4-BE49-F238E27FC236}">
+                <a16:creationId xmlns:a16="http://schemas.microsoft.com/office/drawing/2014/main" id="{148D9193-E497-08F5-450B-50F0915B88F6}"/>
+              </a:ext>
+            </a:extLst>
+          </p:cNvPr>
+          <p:cNvSpPr>
+            <a:spLocks noChangeAspect="1" noChangeArrowheads="1"/>
+          </p:cNvSpPr>
+          <p:nvPr/>
+        </p:nvSpPr>
+        <p:spPr bwMode="auto">
+          <a:xfrm>
+            <a:off x="5943600" y="3276600"/>
+            <a:ext cx="304800" cy="304800"/>
+          </a:xfrm>
+          <a:prstGeom prst="rect">
+            <a:avLst/>
+          </a:prstGeom>
+          <a:noFill/>
+          <a:extLst>
+            <a:ext uri="{909E8E84-426E-40DD-AFC4-6F175D3DCCD1}">
+              <a14:hiddenFill xmlns:a14="http://schemas.microsoft.com/office/drawing/2010/main">
+                <a:solidFill>
+                  <a:srgbClr val="FFFFFF"/>
+                </a:solidFill>
+              </a14:hiddenFill>
+            </a:ext>
+          </a:extLst>
+        </p:spPr>
+        <p:txBody>
+          <a:bodyPr vert="horz" wrap="square" lIns="91440" tIns="45720" rIns="91440" bIns="45720" numCol="1" anchor="t" anchorCtr="0" compatLnSpc="1">
+            <a:prstTxWarp prst="textNoShape">
+              <a:avLst/>
+            </a:prstTxWarp>
+          </a:bodyPr>
+          <a:lstStyle/>
+          <a:p>
+            <a:endParaRPr lang="en-CR"/>
+          </a:p>
+        </p:txBody>
+      </p:sp>
+      <p:sp>
+        <p:nvSpPr>
+          <p:cNvPr id="8" name="AutoShape 4" descr="Components of Kubernetes">
+            <a:extLst>
+              <a:ext uri="{FF2B5EF4-FFF2-40B4-BE49-F238E27FC236}">
+                <a16:creationId xmlns:a16="http://schemas.microsoft.com/office/drawing/2014/main" id="{C0F94324-8426-84FE-8A23-B9FE1BF3D35C}"/>
+              </a:ext>
+            </a:extLst>
+          </p:cNvPr>
+          <p:cNvSpPr>
+            <a:spLocks noChangeAspect="1" noChangeArrowheads="1"/>
+          </p:cNvSpPr>
+          <p:nvPr/>
+        </p:nvSpPr>
+        <p:spPr bwMode="auto">
+          <a:xfrm>
+            <a:off x="6095999" y="3428999"/>
+            <a:ext cx="3001701" cy="3001701"/>
+          </a:xfrm>
+          <a:prstGeom prst="rect">
+            <a:avLst/>
+          </a:prstGeom>
+          <a:noFill/>
+          <a:extLst>
+            <a:ext uri="{909E8E84-426E-40DD-AFC4-6F175D3DCCD1}">
+              <a14:hiddenFill xmlns:a14="http://schemas.microsoft.com/office/drawing/2010/main">
+                <a:solidFill>
+                  <a:srgbClr val="FFFFFF"/>
+                </a:solidFill>
+              </a14:hiddenFill>
+            </a:ext>
+          </a:extLst>
+        </p:spPr>
+        <p:txBody>
+          <a:bodyPr vert="horz" wrap="square" lIns="91440" tIns="45720" rIns="91440" bIns="45720" numCol="1" anchor="t" anchorCtr="0" compatLnSpc="1">
+            <a:prstTxWarp prst="textNoShape">
+              <a:avLst/>
+            </a:prstTxWarp>
+          </a:bodyPr>
+          <a:lstStyle/>
+          <a:p>
+            <a:endParaRPr lang="en-CR"/>
+          </a:p>
+        </p:txBody>
+      </p:sp>
+      <p:sp>
+        <p:nvSpPr>
+          <p:cNvPr id="10" name="TextBox 9">
+            <a:extLst>
+              <a:ext uri="{FF2B5EF4-FFF2-40B4-BE49-F238E27FC236}">
+                <a16:creationId xmlns:a16="http://schemas.microsoft.com/office/drawing/2014/main" id="{E4D85C41-4AD7-A288-30B2-C8F3FC15C796}"/>
+              </a:ext>
+            </a:extLst>
+          </p:cNvPr>
+          <p:cNvSpPr txBox="1"/>
+          <p:nvPr/>
+        </p:nvSpPr>
+        <p:spPr>
+          <a:xfrm>
+            <a:off x="1050391" y="2864005"/>
+            <a:ext cx="4340506" cy="2031325"/>
+          </a:xfrm>
+          <a:prstGeom prst="rect">
+            <a:avLst/>
+          </a:prstGeom>
+          <a:noFill/>
+        </p:spPr>
+        <p:txBody>
           <a:bodyPr wrap="square" rtlCol="0">
             <a:spAutoFit/>
           </a:bodyPr>
           <a:lstStyle/>
           <a:p>
-            <a:r>
-              <a:rPr lang="en-US" dirty="0">
-                <a:hlinkClick r:id="rId2"/>
-              </a:rPr>
-              <a:t>https://www.docker.com/products/docker-desktop/</a:t>
-            </a:r>
+            <a:pPr marL="285750" indent="-285750">
+              <a:buFont typeface="Arial" panose="020B0604020202020204" pitchFamily="34" charset="0"/>
+              <a:buChar char="•"/>
+            </a:pPr>
+            <a:r>
+              <a:rPr lang="en-CR" dirty="0"/>
+              <a:t>Es una serie de recursos en Kubernetes</a:t>
+            </a:r>
+          </a:p>
+          <a:p>
+            <a:pPr marL="285750" indent="-285750">
+              <a:buFont typeface="Arial" panose="020B0604020202020204" pitchFamily="34" charset="0"/>
+              <a:buChar char="•"/>
+            </a:pPr>
+            <a:r>
+              <a:rPr lang="en-CR" dirty="0"/>
+              <a:t>El ingress exponer comunicación HTTP y HTTPS fuera del clúster hacia los servicios.</a:t>
+            </a:r>
+          </a:p>
+          <a:p>
+            <a:pPr marL="285750" indent="-285750">
+              <a:buFont typeface="Arial" panose="020B0604020202020204" pitchFamily="34" charset="0"/>
+              <a:buChar char="•"/>
+            </a:pPr>
             <a:r>
               <a:rPr lang="en-US" dirty="0"/>
-              <a:t> </a:t>
-            </a:r>
+              <a:t>S</a:t>
+            </a:r>
+            <a:r>
+              <a:rPr lang="en-CR" dirty="0"/>
+              <a:t>e basa en reglas de enrutamiento.</a:t>
+            </a:r>
+          </a:p>
+          <a:p>
+            <a:pPr marL="285750" indent="-285750">
+              <a:buFont typeface="Arial" panose="020B0604020202020204" pitchFamily="34" charset="0"/>
+              <a:buChar char="•"/>
+            </a:pPr>
+            <a:r>
+              <a:rPr lang="en-CR" dirty="0"/>
+              <a:t>Más popular: nginx-ingress-controller</a:t>
+            </a:r>
+          </a:p>
+          <a:p>
+            <a:pPr marL="285750" indent="-285750">
+              <a:buFont typeface="Arial" panose="020B0604020202020204" pitchFamily="34" charset="0"/>
+              <a:buChar char="•"/>
+            </a:pPr>
             <a:endParaRPr lang="en-CR" dirty="0"/>
           </a:p>
         </p:txBody>
       </p:sp>
+      <p:pic>
+        <p:nvPicPr>
+          <p:cNvPr id="7" name="Picture 6">
+            <a:extLst>
+              <a:ext uri="{FF2B5EF4-FFF2-40B4-BE49-F238E27FC236}">
+                <a16:creationId xmlns:a16="http://schemas.microsoft.com/office/drawing/2014/main" id="{2C20E35E-AFB5-092A-254F-225339892806}"/>
+              </a:ext>
+            </a:extLst>
+          </p:cNvPr>
+          <p:cNvPicPr>
+            <a:picLocks noChangeAspect="1"/>
+          </p:cNvPicPr>
+          <p:nvPr/>
+        </p:nvPicPr>
+        <p:blipFill>
+          <a:blip r:embed="rId2"/>
+          <a:stretch>
+            <a:fillRect/>
+          </a:stretch>
+        </p:blipFill>
+        <p:spPr>
+          <a:xfrm>
+            <a:off x="5530367" y="3428999"/>
+            <a:ext cx="6304631" cy="2031325"/>
+          </a:xfrm>
+          <a:prstGeom prst="rect">
+            <a:avLst/>
+          </a:prstGeom>
+        </p:spPr>
+      </p:pic>
     </p:spTree>
     <p:extLst>
       <p:ext uri="{BB962C8B-B14F-4D97-AF65-F5344CB8AC3E}">
-        <p14:creationId xmlns:p14="http://schemas.microsoft.com/office/powerpoint/2010/main" val="4061724330"/>
+        <p14:creationId xmlns:p14="http://schemas.microsoft.com/office/powerpoint/2010/main" val="3448003069"/>
       </p:ext>
     </p:extLst>
   </p:cSld>
@@ -5450,12 +5945,8 @@
           <a:lstStyle/>
           <a:p>
             <a:r>
-              <a:rPr lang="en-US" dirty="0"/>
-              <a:t>C</a:t>
-            </a:r>
-            <a:r>
               <a:rPr lang="en-CR" dirty="0"/>
-              <a:t>omandos: run</a:t>
+              <a:t>Kubernetes: JOB Y CRONJOBS</a:t>
             </a:r>
           </a:p>
         </p:txBody>
@@ -5495,7 +5986,7 @@
           <p:cNvPr id="4" name="TextBox 3">
             <a:extLst>
               <a:ext uri="{FF2B5EF4-FFF2-40B4-BE49-F238E27FC236}">
-                <a16:creationId xmlns:a16="http://schemas.microsoft.com/office/drawing/2014/main" id="{149142E3-D6EC-3546-AC5B-B447B2244533}"/>
+                <a16:creationId xmlns:a16="http://schemas.microsoft.com/office/drawing/2014/main" id="{136C7BC2-FDE2-4942-B5B1-CCF71FA447F0}"/>
               </a:ext>
             </a:extLst>
           </p:cNvPr>
@@ -5504,15 +5995,163 @@
         </p:nvSpPr>
         <p:spPr>
           <a:xfrm>
-            <a:off x="2231136" y="2708476"/>
-            <a:ext cx="7630494" cy="369332"/>
+            <a:off x="234176" y="6445405"/>
+            <a:ext cx="4560351" cy="276999"/>
           </a:xfrm>
           <a:prstGeom prst="rect">
             <a:avLst/>
           </a:prstGeom>
-          <a:solidFill>
-            <a:srgbClr val="002060"/>
-          </a:solidFill>
+          <a:noFill/>
+        </p:spPr>
+        <p:txBody>
+          <a:bodyPr wrap="none" rtlCol="0">
+            <a:spAutoFit/>
+          </a:bodyPr>
+          <a:lstStyle/>
+          <a:p>
+            <a:r>
+              <a:rPr lang="en-US" sz="1200" dirty="0">
+                <a:solidFill>
+                  <a:schemeClr val="tx2"/>
+                </a:solidFill>
+              </a:rPr>
+              <a:t>https://</a:t>
+            </a:r>
+            <a:r>
+              <a:rPr lang="en-US" sz="1200" dirty="0" err="1">
+                <a:solidFill>
+                  <a:schemeClr val="tx2"/>
+                </a:solidFill>
+              </a:rPr>
+              <a:t>medium.com</a:t>
+            </a:r>
+            <a:r>
+              <a:rPr lang="en-US" sz="1200" dirty="0">
+                <a:solidFill>
+                  <a:schemeClr val="tx2"/>
+                </a:solidFill>
+              </a:rPr>
+              <a:t>/google-cloud/kubernetes-cron-jobs-455fdc32e81a</a:t>
+            </a:r>
+            <a:endParaRPr lang="en-CR" sz="1200" dirty="0">
+              <a:solidFill>
+                <a:schemeClr val="tx2"/>
+              </a:solidFill>
+            </a:endParaRPr>
+          </a:p>
+        </p:txBody>
+      </p:sp>
+      <p:sp>
+        <p:nvSpPr>
+          <p:cNvPr id="5" name="AutoShape 2" descr="Components of Kubernetes">
+            <a:extLst>
+              <a:ext uri="{FF2B5EF4-FFF2-40B4-BE49-F238E27FC236}">
+                <a16:creationId xmlns:a16="http://schemas.microsoft.com/office/drawing/2014/main" id="{148D9193-E497-08F5-450B-50F0915B88F6}"/>
+              </a:ext>
+            </a:extLst>
+          </p:cNvPr>
+          <p:cNvSpPr>
+            <a:spLocks noChangeAspect="1" noChangeArrowheads="1"/>
+          </p:cNvSpPr>
+          <p:nvPr/>
+        </p:nvSpPr>
+        <p:spPr bwMode="auto">
+          <a:xfrm>
+            <a:off x="5943600" y="3276600"/>
+            <a:ext cx="304800" cy="304800"/>
+          </a:xfrm>
+          <a:prstGeom prst="rect">
+            <a:avLst/>
+          </a:prstGeom>
+          <a:noFill/>
+          <a:extLst>
+            <a:ext uri="{909E8E84-426E-40DD-AFC4-6F175D3DCCD1}">
+              <a14:hiddenFill xmlns:a14="http://schemas.microsoft.com/office/drawing/2010/main">
+                <a:solidFill>
+                  <a:srgbClr val="FFFFFF"/>
+                </a:solidFill>
+              </a14:hiddenFill>
+            </a:ext>
+          </a:extLst>
+        </p:spPr>
+        <p:txBody>
+          <a:bodyPr vert="horz" wrap="square" lIns="91440" tIns="45720" rIns="91440" bIns="45720" numCol="1" anchor="t" anchorCtr="0" compatLnSpc="1">
+            <a:prstTxWarp prst="textNoShape">
+              <a:avLst/>
+            </a:prstTxWarp>
+          </a:bodyPr>
+          <a:lstStyle/>
+          <a:p>
+            <a:endParaRPr lang="en-CR"/>
+          </a:p>
+        </p:txBody>
+      </p:sp>
+      <p:sp>
+        <p:nvSpPr>
+          <p:cNvPr id="8" name="AutoShape 4" descr="Components of Kubernetes">
+            <a:extLst>
+              <a:ext uri="{FF2B5EF4-FFF2-40B4-BE49-F238E27FC236}">
+                <a16:creationId xmlns:a16="http://schemas.microsoft.com/office/drawing/2014/main" id="{C0F94324-8426-84FE-8A23-B9FE1BF3D35C}"/>
+              </a:ext>
+            </a:extLst>
+          </p:cNvPr>
+          <p:cNvSpPr>
+            <a:spLocks noChangeAspect="1" noChangeArrowheads="1"/>
+          </p:cNvSpPr>
+          <p:nvPr/>
+        </p:nvSpPr>
+        <p:spPr bwMode="auto">
+          <a:xfrm>
+            <a:off x="6095999" y="3428999"/>
+            <a:ext cx="3001701" cy="3001701"/>
+          </a:xfrm>
+          <a:prstGeom prst="rect">
+            <a:avLst/>
+          </a:prstGeom>
+          <a:noFill/>
+          <a:extLst>
+            <a:ext uri="{909E8E84-426E-40DD-AFC4-6F175D3DCCD1}">
+              <a14:hiddenFill xmlns:a14="http://schemas.microsoft.com/office/drawing/2010/main">
+                <a:solidFill>
+                  <a:srgbClr val="FFFFFF"/>
+                </a:solidFill>
+              </a14:hiddenFill>
+            </a:ext>
+          </a:extLst>
+        </p:spPr>
+        <p:txBody>
+          <a:bodyPr vert="horz" wrap="square" lIns="91440" tIns="45720" rIns="91440" bIns="45720" numCol="1" anchor="t" anchorCtr="0" compatLnSpc="1">
+            <a:prstTxWarp prst="textNoShape">
+              <a:avLst/>
+            </a:prstTxWarp>
+          </a:bodyPr>
+          <a:lstStyle/>
+          <a:p>
+            <a:endParaRPr lang="en-CR"/>
+          </a:p>
+        </p:txBody>
+      </p:sp>
+      <p:sp>
+        <p:nvSpPr>
+          <p:cNvPr id="10" name="TextBox 9">
+            <a:extLst>
+              <a:ext uri="{FF2B5EF4-FFF2-40B4-BE49-F238E27FC236}">
+                <a16:creationId xmlns:a16="http://schemas.microsoft.com/office/drawing/2014/main" id="{E4D85C41-4AD7-A288-30B2-C8F3FC15C796}"/>
+              </a:ext>
+            </a:extLst>
+          </p:cNvPr>
+          <p:cNvSpPr txBox="1"/>
+          <p:nvPr/>
+        </p:nvSpPr>
+        <p:spPr>
+          <a:xfrm>
+            <a:off x="1050391" y="2864005"/>
+            <a:ext cx="4340506" cy="2031325"/>
+          </a:xfrm>
+          <a:prstGeom prst="rect">
+            <a:avLst/>
+          </a:prstGeom>
+          <a:noFill/>
         </p:spPr>
         <p:txBody>
           <a:bodyPr wrap="square" rtlCol="0">
@@ -5520,96 +6159,97 @@
           </a:bodyPr>
           <a:lstStyle/>
           <a:p>
-            <a:r>
-              <a:rPr lang="en-US" dirty="0">
-                <a:solidFill>
-                  <a:schemeClr val="bg1"/>
-                </a:solidFill>
-              </a:rPr>
-              <a:t>d</a:t>
-            </a:r>
-            <a:r>
-              <a:rPr lang="en-CR" dirty="0">
-                <a:solidFill>
-                  <a:schemeClr val="bg1"/>
-                </a:solidFill>
-              </a:rPr>
-              <a:t>ocker run &lt;imagen&gt;</a:t>
-            </a:r>
-          </a:p>
-        </p:txBody>
-      </p:sp>
-      <p:sp>
-        <p:nvSpPr>
-          <p:cNvPr id="6" name="TextBox 5">
-            <a:extLst>
-              <a:ext uri="{FF2B5EF4-FFF2-40B4-BE49-F238E27FC236}">
-                <a16:creationId xmlns:a16="http://schemas.microsoft.com/office/drawing/2014/main" id="{E66DDCA0-A4D1-E34D-94A8-CC790E5D037F}"/>
-              </a:ext>
-            </a:extLst>
-          </p:cNvPr>
-          <p:cNvSpPr txBox="1"/>
+            <a:pPr marL="285750" indent="-285750">
+              <a:buFont typeface="Arial" panose="020B0604020202020204" pitchFamily="34" charset="0"/>
+              <a:buChar char="•"/>
+            </a:pPr>
+            <a:r>
+              <a:rPr lang="es-ES" dirty="0"/>
+              <a:t>Un </a:t>
+            </a:r>
+            <a:r>
+              <a:rPr lang="es-ES" b="1" dirty="0" err="1"/>
+              <a:t>job</a:t>
+            </a:r>
+            <a:r>
+              <a:rPr lang="es-ES" dirty="0"/>
+              <a:t> crea uno o más </a:t>
+            </a:r>
+            <a:r>
+              <a:rPr lang="es-ES" dirty="0" err="1"/>
+              <a:t>job</a:t>
+            </a:r>
+            <a:r>
+              <a:rPr lang="es-ES" dirty="0"/>
+              <a:t> y continua la ejecución hasta que se alcance un número de intentos o finalice correctamente. Corren en </a:t>
+            </a:r>
+            <a:r>
+              <a:rPr lang="es-ES" dirty="0" err="1"/>
+              <a:t>paralello</a:t>
+            </a:r>
+            <a:r>
+              <a:rPr lang="es-ES" dirty="0"/>
+              <a:t>.</a:t>
+            </a:r>
+          </a:p>
+          <a:p>
+            <a:pPr marL="285750" indent="-285750">
+              <a:buFont typeface="Arial" panose="020B0604020202020204" pitchFamily="34" charset="0"/>
+              <a:buChar char="•"/>
+            </a:pPr>
+            <a:r>
+              <a:rPr lang="es-ES" b="1" dirty="0" err="1"/>
+              <a:t>Cronjobs</a:t>
+            </a:r>
+            <a:r>
+              <a:rPr lang="es-ES" dirty="0"/>
+              <a:t>: Jobs que se repiten periódicamente.</a:t>
+            </a:r>
+            <a:endParaRPr lang="en-CR" dirty="0"/>
+          </a:p>
+          <a:p>
+            <a:pPr marL="285750" indent="-285750">
+              <a:buFont typeface="Arial" panose="020B0604020202020204" pitchFamily="34" charset="0"/>
+              <a:buChar char="•"/>
+            </a:pPr>
+            <a:endParaRPr lang="en-CR" dirty="0"/>
+          </a:p>
+        </p:txBody>
+      </p:sp>
+      <p:pic>
+        <p:nvPicPr>
+          <p:cNvPr id="9" name="Picture 8">
+            <a:extLst>
+              <a:ext uri="{FF2B5EF4-FFF2-40B4-BE49-F238E27FC236}">
+                <a16:creationId xmlns:a16="http://schemas.microsoft.com/office/drawing/2014/main" id="{BAB0C7CB-41B5-6DD1-21BA-9B22DF876641}"/>
+              </a:ext>
+            </a:extLst>
+          </p:cNvPr>
+          <p:cNvPicPr>
+            <a:picLocks noChangeAspect="1"/>
+          </p:cNvPicPr>
           <p:nvPr/>
-        </p:nvSpPr>
+        </p:nvPicPr>
+        <p:blipFill>
+          <a:blip r:embed="rId2"/>
+          <a:stretch>
+            <a:fillRect/>
+          </a:stretch>
+        </p:blipFill>
         <p:spPr>
           <a:xfrm>
-            <a:off x="2231136" y="3410861"/>
-            <a:ext cx="7630494" cy="646331"/>
+            <a:off x="5572109" y="2993319"/>
+            <a:ext cx="5552573" cy="2586807"/>
           </a:xfrm>
           <a:prstGeom prst="rect">
             <a:avLst/>
           </a:prstGeom>
-          <a:solidFill>
-            <a:schemeClr val="accent3"/>
-          </a:solidFill>
-        </p:spPr>
-        <p:txBody>
-          <a:bodyPr wrap="square" rtlCol="0">
-            <a:spAutoFit/>
-          </a:bodyPr>
-          <a:lstStyle/>
-          <a:p>
-            <a:r>
-              <a:rPr lang="en-US" dirty="0">
-                <a:solidFill>
-                  <a:schemeClr val="bg1"/>
-                </a:solidFill>
-              </a:rPr>
-              <a:t>d</a:t>
-            </a:r>
-            <a:r>
-              <a:rPr lang="en-CR" dirty="0">
-                <a:solidFill>
-                  <a:schemeClr val="bg1"/>
-                </a:solidFill>
-              </a:rPr>
-              <a:t>ocker run nginx</a:t>
-            </a:r>
-          </a:p>
-          <a:p>
-            <a:r>
-              <a:rPr lang="en-US" dirty="0">
-                <a:solidFill>
-                  <a:schemeClr val="bg1"/>
-                </a:solidFill>
-              </a:rPr>
-              <a:t>d</a:t>
-            </a:r>
-            <a:r>
-              <a:rPr lang="en-CR" dirty="0">
-                <a:solidFill>
-                  <a:schemeClr val="bg1"/>
-                </a:solidFill>
-              </a:rPr>
-              <a:t>ocker run nginx &amp;</a:t>
-            </a:r>
-          </a:p>
-        </p:txBody>
-      </p:sp>
+        </p:spPr>
+      </p:pic>
     </p:spTree>
     <p:extLst>
       <p:ext uri="{BB962C8B-B14F-4D97-AF65-F5344CB8AC3E}">
-        <p14:creationId xmlns:p14="http://schemas.microsoft.com/office/powerpoint/2010/main" val="4284347500"/>
+        <p14:creationId xmlns:p14="http://schemas.microsoft.com/office/powerpoint/2010/main" val="3028527746"/>
       </p:ext>
     </p:extLst>
   </p:cSld>
@@ -5658,12 +6298,8 @@
           <a:lstStyle/>
           <a:p>
             <a:r>
-              <a:rPr lang="en-US" dirty="0"/>
-              <a:t>C</a:t>
-            </a:r>
-            <a:r>
               <a:rPr lang="en-CR" dirty="0"/>
-              <a:t>omandos: ps</a:t>
+              <a:t>Kubernetes: Persistent Volumen y persistent volumen claim</a:t>
             </a:r>
           </a:p>
         </p:txBody>
@@ -5703,7 +6339,7 @@
           <p:cNvPr id="4" name="TextBox 3">
             <a:extLst>
               <a:ext uri="{FF2B5EF4-FFF2-40B4-BE49-F238E27FC236}">
-                <a16:creationId xmlns:a16="http://schemas.microsoft.com/office/drawing/2014/main" id="{149142E3-D6EC-3546-AC5B-B447B2244533}"/>
+                <a16:creationId xmlns:a16="http://schemas.microsoft.com/office/drawing/2014/main" id="{136C7BC2-FDE2-4942-B5B1-CCF71FA447F0}"/>
               </a:ext>
             </a:extLst>
           </p:cNvPr>
@@ -5712,15 +6348,179 @@
         </p:nvSpPr>
         <p:spPr>
           <a:xfrm>
-            <a:off x="2231136" y="2708476"/>
-            <a:ext cx="7630494" cy="369332"/>
+            <a:off x="234176" y="6445405"/>
+            <a:ext cx="3939989" cy="276999"/>
           </a:xfrm>
           <a:prstGeom prst="rect">
             <a:avLst/>
           </a:prstGeom>
-          <a:solidFill>
-            <a:srgbClr val="002060"/>
-          </a:solidFill>
+          <a:noFill/>
+        </p:spPr>
+        <p:txBody>
+          <a:bodyPr wrap="none" rtlCol="0">
+            <a:spAutoFit/>
+          </a:bodyPr>
+          <a:lstStyle/>
+          <a:p>
+            <a:r>
+              <a:rPr lang="en-US" sz="1200" dirty="0">
+                <a:solidFill>
+                  <a:schemeClr val="tx2"/>
+                </a:solidFill>
+              </a:rPr>
+              <a:t>https://</a:t>
+            </a:r>
+            <a:r>
+              <a:rPr lang="en-US" sz="1200" dirty="0" err="1">
+                <a:solidFill>
+                  <a:schemeClr val="tx2"/>
+                </a:solidFill>
+              </a:rPr>
+              <a:t>docs.microsoft.com</a:t>
+            </a:r>
+            <a:r>
+              <a:rPr lang="en-US" sz="1200" dirty="0">
+                <a:solidFill>
+                  <a:schemeClr val="tx2"/>
+                </a:solidFill>
+              </a:rPr>
+              <a:t>/es-es/azure/</a:t>
+            </a:r>
+            <a:r>
+              <a:rPr lang="en-US" sz="1200" dirty="0" err="1">
+                <a:solidFill>
+                  <a:schemeClr val="tx2"/>
+                </a:solidFill>
+              </a:rPr>
+              <a:t>aks</a:t>
+            </a:r>
+            <a:r>
+              <a:rPr lang="en-US" sz="1200" dirty="0">
+                <a:solidFill>
+                  <a:schemeClr val="tx2"/>
+                </a:solidFill>
+              </a:rPr>
+              <a:t>/concepts-storage</a:t>
+            </a:r>
+            <a:endParaRPr lang="en-CR" sz="1200" dirty="0">
+              <a:solidFill>
+                <a:schemeClr val="tx2"/>
+              </a:solidFill>
+            </a:endParaRPr>
+          </a:p>
+        </p:txBody>
+      </p:sp>
+      <p:sp>
+        <p:nvSpPr>
+          <p:cNvPr id="5" name="AutoShape 2" descr="Components of Kubernetes">
+            <a:extLst>
+              <a:ext uri="{FF2B5EF4-FFF2-40B4-BE49-F238E27FC236}">
+                <a16:creationId xmlns:a16="http://schemas.microsoft.com/office/drawing/2014/main" id="{148D9193-E497-08F5-450B-50F0915B88F6}"/>
+              </a:ext>
+            </a:extLst>
+          </p:cNvPr>
+          <p:cNvSpPr>
+            <a:spLocks noChangeAspect="1" noChangeArrowheads="1"/>
+          </p:cNvSpPr>
+          <p:nvPr/>
+        </p:nvSpPr>
+        <p:spPr bwMode="auto">
+          <a:xfrm>
+            <a:off x="5943600" y="3276600"/>
+            <a:ext cx="304800" cy="304800"/>
+          </a:xfrm>
+          <a:prstGeom prst="rect">
+            <a:avLst/>
+          </a:prstGeom>
+          <a:noFill/>
+          <a:extLst>
+            <a:ext uri="{909E8E84-426E-40DD-AFC4-6F175D3DCCD1}">
+              <a14:hiddenFill xmlns:a14="http://schemas.microsoft.com/office/drawing/2010/main">
+                <a:solidFill>
+                  <a:srgbClr val="FFFFFF"/>
+                </a:solidFill>
+              </a14:hiddenFill>
+            </a:ext>
+          </a:extLst>
+        </p:spPr>
+        <p:txBody>
+          <a:bodyPr vert="horz" wrap="square" lIns="91440" tIns="45720" rIns="91440" bIns="45720" numCol="1" anchor="t" anchorCtr="0" compatLnSpc="1">
+            <a:prstTxWarp prst="textNoShape">
+              <a:avLst/>
+            </a:prstTxWarp>
+          </a:bodyPr>
+          <a:lstStyle/>
+          <a:p>
+            <a:endParaRPr lang="en-CR"/>
+          </a:p>
+        </p:txBody>
+      </p:sp>
+      <p:sp>
+        <p:nvSpPr>
+          <p:cNvPr id="8" name="AutoShape 4" descr="Components of Kubernetes">
+            <a:extLst>
+              <a:ext uri="{FF2B5EF4-FFF2-40B4-BE49-F238E27FC236}">
+                <a16:creationId xmlns:a16="http://schemas.microsoft.com/office/drawing/2014/main" id="{C0F94324-8426-84FE-8A23-B9FE1BF3D35C}"/>
+              </a:ext>
+            </a:extLst>
+          </p:cNvPr>
+          <p:cNvSpPr>
+            <a:spLocks noChangeAspect="1" noChangeArrowheads="1"/>
+          </p:cNvSpPr>
+          <p:nvPr/>
+        </p:nvSpPr>
+        <p:spPr bwMode="auto">
+          <a:xfrm>
+            <a:off x="6095999" y="3428999"/>
+            <a:ext cx="3001701" cy="3001701"/>
+          </a:xfrm>
+          <a:prstGeom prst="rect">
+            <a:avLst/>
+          </a:prstGeom>
+          <a:noFill/>
+          <a:extLst>
+            <a:ext uri="{909E8E84-426E-40DD-AFC4-6F175D3DCCD1}">
+              <a14:hiddenFill xmlns:a14="http://schemas.microsoft.com/office/drawing/2010/main">
+                <a:solidFill>
+                  <a:srgbClr val="FFFFFF"/>
+                </a:solidFill>
+              </a14:hiddenFill>
+            </a:ext>
+          </a:extLst>
+        </p:spPr>
+        <p:txBody>
+          <a:bodyPr vert="horz" wrap="square" lIns="91440" tIns="45720" rIns="91440" bIns="45720" numCol="1" anchor="t" anchorCtr="0" compatLnSpc="1">
+            <a:prstTxWarp prst="textNoShape">
+              <a:avLst/>
+            </a:prstTxWarp>
+          </a:bodyPr>
+          <a:lstStyle/>
+          <a:p>
+            <a:endParaRPr lang="en-CR"/>
+          </a:p>
+        </p:txBody>
+      </p:sp>
+      <p:sp>
+        <p:nvSpPr>
+          <p:cNvPr id="10" name="TextBox 9">
+            <a:extLst>
+              <a:ext uri="{FF2B5EF4-FFF2-40B4-BE49-F238E27FC236}">
+                <a16:creationId xmlns:a16="http://schemas.microsoft.com/office/drawing/2014/main" id="{E4D85C41-4AD7-A288-30B2-C8F3FC15C796}"/>
+              </a:ext>
+            </a:extLst>
+          </p:cNvPr>
+          <p:cNvSpPr txBox="1"/>
+          <p:nvPr/>
+        </p:nvSpPr>
+        <p:spPr>
+          <a:xfrm>
+            <a:off x="1050391" y="2864005"/>
+            <a:ext cx="4340506" cy="923330"/>
+          </a:xfrm>
+          <a:prstGeom prst="rect">
+            <a:avLst/>
+          </a:prstGeom>
+          <a:noFill/>
         </p:spPr>
         <p:txBody>
           <a:bodyPr wrap="square" rtlCol="0">
@@ -5728,31 +6528,38 @@
           </a:bodyPr>
           <a:lstStyle/>
           <a:p>
-            <a:r>
-              <a:rPr lang="en-US" dirty="0">
-                <a:solidFill>
-                  <a:schemeClr val="bg1"/>
-                </a:solidFill>
-              </a:rPr>
-              <a:t>d</a:t>
-            </a:r>
-            <a:r>
-              <a:rPr lang="en-CR" dirty="0">
-                <a:solidFill>
-                  <a:schemeClr val="bg1"/>
-                </a:solidFill>
-              </a:rPr>
-              <a:t>ocker ps </a:t>
-            </a:r>
-          </a:p>
-        </p:txBody>
-      </p:sp>
-      <p:sp>
-        <p:nvSpPr>
-          <p:cNvPr id="6" name="TextBox 5">
-            <a:extLst>
-              <a:ext uri="{FF2B5EF4-FFF2-40B4-BE49-F238E27FC236}">
-                <a16:creationId xmlns:a16="http://schemas.microsoft.com/office/drawing/2014/main" id="{E66DDCA0-A4D1-E34D-94A8-CC790E5D037F}"/>
+            <a:pPr marL="285750" indent="-285750">
+              <a:buFont typeface="Arial" panose="020B0604020202020204" pitchFamily="34" charset="0"/>
+              <a:buChar char="•"/>
+            </a:pPr>
+            <a:r>
+              <a:rPr lang="es-ES" dirty="0" err="1"/>
+              <a:t>Persistent</a:t>
+            </a:r>
+            <a:r>
+              <a:rPr lang="es-ES" dirty="0"/>
+              <a:t> Volumen (PV)</a:t>
+            </a:r>
+            <a:endParaRPr lang="en-CR" dirty="0"/>
+          </a:p>
+          <a:p>
+            <a:pPr marL="742950" lvl="1" indent="-285750">
+              <a:buFont typeface="Arial" panose="020B0604020202020204" pitchFamily="34" charset="0"/>
+              <a:buChar char="•"/>
+            </a:pPr>
+            <a:r>
+              <a:rPr lang="en-CR" dirty="0"/>
+              <a:t>Almacenamiento físico (externo o local al clúster)</a:t>
+            </a:r>
+          </a:p>
+        </p:txBody>
+      </p:sp>
+      <p:sp>
+        <p:nvSpPr>
+          <p:cNvPr id="11" name="TextBox 10">
+            <a:extLst>
+              <a:ext uri="{FF2B5EF4-FFF2-40B4-BE49-F238E27FC236}">
+                <a16:creationId xmlns:a16="http://schemas.microsoft.com/office/drawing/2014/main" id="{4D8241E5-B08B-CFFC-F48E-45CA496A06D6}"/>
               </a:ext>
             </a:extLst>
           </p:cNvPr>
@@ -5761,15 +6568,13 @@
         </p:nvSpPr>
         <p:spPr>
           <a:xfrm>
-            <a:off x="2231136" y="3410861"/>
-            <a:ext cx="7630494" cy="646331"/>
+            <a:off x="6927447" y="2864005"/>
+            <a:ext cx="4340506" cy="923330"/>
           </a:xfrm>
           <a:prstGeom prst="rect">
             <a:avLst/>
           </a:prstGeom>
-          <a:solidFill>
-            <a:schemeClr val="accent3"/>
-          </a:solidFill>
+          <a:noFill/>
         </p:spPr>
         <p:txBody>
           <a:bodyPr wrap="square" rtlCol="0">
@@ -5777,47 +6582,119 @@
           </a:bodyPr>
           <a:lstStyle/>
           <a:p>
-            <a:r>
-              <a:rPr lang="en-US" dirty="0">
-                <a:solidFill>
-                  <a:schemeClr val="bg1"/>
-                </a:solidFill>
-              </a:rPr>
-              <a:t>d</a:t>
-            </a:r>
-            <a:r>
-              <a:rPr lang="en-CR" dirty="0">
-                <a:solidFill>
-                  <a:schemeClr val="bg1"/>
-                </a:solidFill>
-              </a:rPr>
-              <a:t>ocker ps</a:t>
-            </a:r>
-          </a:p>
-          <a:p>
-            <a:r>
-              <a:rPr lang="en-US" dirty="0">
-                <a:solidFill>
-                  <a:schemeClr val="bg1"/>
-                </a:solidFill>
-              </a:rPr>
-              <a:t>d</a:t>
-            </a:r>
-            <a:r>
-              <a:rPr lang="en-CR" dirty="0">
-                <a:solidFill>
-                  <a:schemeClr val="bg1"/>
-                </a:solidFill>
-              </a:rPr>
-              <a:t>ocker ps -a</a:t>
-            </a:r>
-          </a:p>
-        </p:txBody>
-      </p:sp>
+            <a:pPr marL="285750" indent="-285750">
+              <a:buFont typeface="Arial" panose="020B0604020202020204" pitchFamily="34" charset="0"/>
+              <a:buChar char="•"/>
+            </a:pPr>
+            <a:r>
+              <a:rPr lang="es-ES" dirty="0" err="1"/>
+              <a:t>Persistent</a:t>
+            </a:r>
+            <a:r>
+              <a:rPr lang="es-ES" dirty="0"/>
+              <a:t> Volumen </a:t>
+            </a:r>
+            <a:r>
+              <a:rPr lang="es-ES" dirty="0" err="1"/>
+              <a:t>Claim</a:t>
+            </a:r>
+            <a:r>
+              <a:rPr lang="es-ES" dirty="0"/>
+              <a:t> (PVC)</a:t>
+            </a:r>
+            <a:endParaRPr lang="en-CR" dirty="0"/>
+          </a:p>
+          <a:p>
+            <a:pPr marL="742950" lvl="1" indent="-285750">
+              <a:buFont typeface="Arial" panose="020B0604020202020204" pitchFamily="34" charset="0"/>
+              <a:buChar char="•"/>
+            </a:pPr>
+            <a:r>
+              <a:rPr lang="en-CR" dirty="0"/>
+              <a:t>Solicitud para crear un volumen para pod de X espacio.</a:t>
+            </a:r>
+          </a:p>
+        </p:txBody>
+      </p:sp>
+      <p:sp>
+        <p:nvSpPr>
+          <p:cNvPr id="6" name="AutoShape 2" descr="Storage options for applications in an Azure Kubernetes Services (AKS) cluster">
+            <a:extLst>
+              <a:ext uri="{FF2B5EF4-FFF2-40B4-BE49-F238E27FC236}">
+                <a16:creationId xmlns:a16="http://schemas.microsoft.com/office/drawing/2014/main" id="{80A2ABCA-4DB9-0B25-5DB7-70722CDEC7EE}"/>
+              </a:ext>
+            </a:extLst>
+          </p:cNvPr>
+          <p:cNvSpPr>
+            <a:spLocks noChangeAspect="1" noChangeArrowheads="1"/>
+          </p:cNvSpPr>
+          <p:nvPr/>
+        </p:nvSpPr>
+        <p:spPr bwMode="auto">
+          <a:xfrm>
+            <a:off x="6096000" y="3429000"/>
+            <a:ext cx="304800" cy="304800"/>
+          </a:xfrm>
+          <a:prstGeom prst="rect">
+            <a:avLst/>
+          </a:prstGeom>
+          <a:noFill/>
+          <a:extLst>
+            <a:ext uri="{909E8E84-426E-40DD-AFC4-6F175D3DCCD1}">
+              <a14:hiddenFill xmlns:a14="http://schemas.microsoft.com/office/drawing/2010/main">
+                <a:solidFill>
+                  <a:srgbClr val="FFFFFF"/>
+                </a:solidFill>
+              </a14:hiddenFill>
+            </a:ext>
+          </a:extLst>
+        </p:spPr>
+        <p:txBody>
+          <a:bodyPr vert="horz" wrap="square" lIns="91440" tIns="45720" rIns="91440" bIns="45720" numCol="1" anchor="t" anchorCtr="0" compatLnSpc="1">
+            <a:prstTxWarp prst="textNoShape">
+              <a:avLst/>
+            </a:prstTxWarp>
+          </a:bodyPr>
+          <a:lstStyle/>
+          <a:p>
+            <a:endParaRPr lang="en-CR"/>
+          </a:p>
+        </p:txBody>
+      </p:sp>
+      <p:pic>
+        <p:nvPicPr>
+          <p:cNvPr id="12" name="Picture 11">
+            <a:extLst>
+              <a:ext uri="{FF2B5EF4-FFF2-40B4-BE49-F238E27FC236}">
+                <a16:creationId xmlns:a16="http://schemas.microsoft.com/office/drawing/2014/main" id="{083C7A55-E035-24C3-A0F9-353866FA47A6}"/>
+              </a:ext>
+            </a:extLst>
+          </p:cNvPr>
+          <p:cNvPicPr>
+            <a:picLocks noChangeAspect="1"/>
+          </p:cNvPicPr>
+          <p:nvPr/>
+        </p:nvPicPr>
+        <p:blipFill>
+          <a:blip r:embed="rId2"/>
+          <a:stretch>
+            <a:fillRect/>
+          </a:stretch>
+        </p:blipFill>
+        <p:spPr>
+          <a:xfrm>
+            <a:off x="3896716" y="3676008"/>
+            <a:ext cx="3549730" cy="2666757"/>
+          </a:xfrm>
+          <a:prstGeom prst="rect">
+            <a:avLst/>
+          </a:prstGeom>
+        </p:spPr>
+      </p:pic>
     </p:spTree>
     <p:extLst>
       <p:ext uri="{BB962C8B-B14F-4D97-AF65-F5344CB8AC3E}">
-        <p14:creationId xmlns:p14="http://schemas.microsoft.com/office/powerpoint/2010/main" val="3917115611"/>
+        <p14:creationId xmlns:p14="http://schemas.microsoft.com/office/powerpoint/2010/main" val="4168536030"/>
       </p:ext>
     </p:extLst>
   </p:cSld>
@@ -5866,12 +6743,8 @@
           <a:lstStyle/>
           <a:p>
             <a:r>
-              <a:rPr lang="en-US" dirty="0"/>
-              <a:t>C</a:t>
-            </a:r>
-            <a:r>
               <a:rPr lang="en-CR" dirty="0"/>
-              <a:t>omandos: STOP</a:t>
+              <a:t>Kubernetes: SECRETS</a:t>
             </a:r>
           </a:p>
         </p:txBody>
@@ -5911,7 +6784,7 @@
           <p:cNvPr id="4" name="TextBox 3">
             <a:extLst>
               <a:ext uri="{FF2B5EF4-FFF2-40B4-BE49-F238E27FC236}">
-                <a16:creationId xmlns:a16="http://schemas.microsoft.com/office/drawing/2014/main" id="{149142E3-D6EC-3546-AC5B-B447B2244533}"/>
+                <a16:creationId xmlns:a16="http://schemas.microsoft.com/office/drawing/2014/main" id="{136C7BC2-FDE2-4942-B5B1-CCF71FA447F0}"/>
               </a:ext>
             </a:extLst>
           </p:cNvPr>
@@ -5920,15 +6793,195 @@
         </p:nvSpPr>
         <p:spPr>
           <a:xfrm>
-            <a:off x="2231136" y="2708476"/>
-            <a:ext cx="7630494" cy="369332"/>
+            <a:off x="234176" y="6445405"/>
+            <a:ext cx="4622547" cy="276999"/>
           </a:xfrm>
           <a:prstGeom prst="rect">
             <a:avLst/>
           </a:prstGeom>
-          <a:solidFill>
-            <a:srgbClr val="002060"/>
-          </a:solidFill>
+          <a:noFill/>
+        </p:spPr>
+        <p:txBody>
+          <a:bodyPr wrap="none" rtlCol="0">
+            <a:spAutoFit/>
+          </a:bodyPr>
+          <a:lstStyle/>
+          <a:p>
+            <a:r>
+              <a:rPr lang="en-US" sz="1200" dirty="0">
+                <a:solidFill>
+                  <a:schemeClr val="tx2"/>
+                </a:solidFill>
+              </a:rPr>
+              <a:t>https://</a:t>
+            </a:r>
+            <a:r>
+              <a:rPr lang="en-US" sz="1200" dirty="0" err="1">
+                <a:solidFill>
+                  <a:schemeClr val="tx2"/>
+                </a:solidFill>
+              </a:rPr>
+              <a:t>livebook.manning.com</a:t>
+            </a:r>
+            <a:r>
+              <a:rPr lang="en-US" sz="1200" dirty="0">
+                <a:solidFill>
+                  <a:schemeClr val="tx2"/>
+                </a:solidFill>
+              </a:rPr>
+              <a:t>/book/</a:t>
+            </a:r>
+            <a:r>
+              <a:rPr lang="en-US" sz="1200" dirty="0" err="1">
+                <a:solidFill>
+                  <a:schemeClr val="tx2"/>
+                </a:solidFill>
+              </a:rPr>
+              <a:t>gitops</a:t>
+            </a:r>
+            <a:r>
+              <a:rPr lang="en-US" sz="1200" dirty="0">
+                <a:solidFill>
+                  <a:schemeClr val="tx2"/>
+                </a:solidFill>
+              </a:rPr>
+              <a:t>-and-</a:t>
+            </a:r>
+            <a:r>
+              <a:rPr lang="en-US" sz="1200" dirty="0" err="1">
+                <a:solidFill>
+                  <a:schemeClr val="tx2"/>
+                </a:solidFill>
+              </a:rPr>
+              <a:t>kubernetes</a:t>
+            </a:r>
+            <a:r>
+              <a:rPr lang="en-US" sz="1200" dirty="0">
+                <a:solidFill>
+                  <a:schemeClr val="tx2"/>
+                </a:solidFill>
+              </a:rPr>
+              <a:t>/chapter-7/26</a:t>
+            </a:r>
+            <a:endParaRPr lang="en-CR" sz="1200" dirty="0">
+              <a:solidFill>
+                <a:schemeClr val="tx2"/>
+              </a:solidFill>
+            </a:endParaRPr>
+          </a:p>
+        </p:txBody>
+      </p:sp>
+      <p:sp>
+        <p:nvSpPr>
+          <p:cNvPr id="5" name="AutoShape 2" descr="Components of Kubernetes">
+            <a:extLst>
+              <a:ext uri="{FF2B5EF4-FFF2-40B4-BE49-F238E27FC236}">
+                <a16:creationId xmlns:a16="http://schemas.microsoft.com/office/drawing/2014/main" id="{148D9193-E497-08F5-450B-50F0915B88F6}"/>
+              </a:ext>
+            </a:extLst>
+          </p:cNvPr>
+          <p:cNvSpPr>
+            <a:spLocks noChangeAspect="1" noChangeArrowheads="1"/>
+          </p:cNvSpPr>
+          <p:nvPr/>
+        </p:nvSpPr>
+        <p:spPr bwMode="auto">
+          <a:xfrm>
+            <a:off x="5943600" y="3276600"/>
+            <a:ext cx="304800" cy="304800"/>
+          </a:xfrm>
+          <a:prstGeom prst="rect">
+            <a:avLst/>
+          </a:prstGeom>
+          <a:noFill/>
+          <a:extLst>
+            <a:ext uri="{909E8E84-426E-40DD-AFC4-6F175D3DCCD1}">
+              <a14:hiddenFill xmlns:a14="http://schemas.microsoft.com/office/drawing/2010/main">
+                <a:solidFill>
+                  <a:srgbClr val="FFFFFF"/>
+                </a:solidFill>
+              </a14:hiddenFill>
+            </a:ext>
+          </a:extLst>
+        </p:spPr>
+        <p:txBody>
+          <a:bodyPr vert="horz" wrap="square" lIns="91440" tIns="45720" rIns="91440" bIns="45720" numCol="1" anchor="t" anchorCtr="0" compatLnSpc="1">
+            <a:prstTxWarp prst="textNoShape">
+              <a:avLst/>
+            </a:prstTxWarp>
+          </a:bodyPr>
+          <a:lstStyle/>
+          <a:p>
+            <a:endParaRPr lang="en-CR"/>
+          </a:p>
+        </p:txBody>
+      </p:sp>
+      <p:sp>
+        <p:nvSpPr>
+          <p:cNvPr id="8" name="AutoShape 4" descr="Components of Kubernetes">
+            <a:extLst>
+              <a:ext uri="{FF2B5EF4-FFF2-40B4-BE49-F238E27FC236}">
+                <a16:creationId xmlns:a16="http://schemas.microsoft.com/office/drawing/2014/main" id="{C0F94324-8426-84FE-8A23-B9FE1BF3D35C}"/>
+              </a:ext>
+            </a:extLst>
+          </p:cNvPr>
+          <p:cNvSpPr>
+            <a:spLocks noChangeAspect="1" noChangeArrowheads="1"/>
+          </p:cNvSpPr>
+          <p:nvPr/>
+        </p:nvSpPr>
+        <p:spPr bwMode="auto">
+          <a:xfrm>
+            <a:off x="6095999" y="3428999"/>
+            <a:ext cx="3001701" cy="3001701"/>
+          </a:xfrm>
+          <a:prstGeom prst="rect">
+            <a:avLst/>
+          </a:prstGeom>
+          <a:noFill/>
+          <a:extLst>
+            <a:ext uri="{909E8E84-426E-40DD-AFC4-6F175D3DCCD1}">
+              <a14:hiddenFill xmlns:a14="http://schemas.microsoft.com/office/drawing/2010/main">
+                <a:solidFill>
+                  <a:srgbClr val="FFFFFF"/>
+                </a:solidFill>
+              </a14:hiddenFill>
+            </a:ext>
+          </a:extLst>
+        </p:spPr>
+        <p:txBody>
+          <a:bodyPr vert="horz" wrap="square" lIns="91440" tIns="45720" rIns="91440" bIns="45720" numCol="1" anchor="t" anchorCtr="0" compatLnSpc="1">
+            <a:prstTxWarp prst="textNoShape">
+              <a:avLst/>
+            </a:prstTxWarp>
+          </a:bodyPr>
+          <a:lstStyle/>
+          <a:p>
+            <a:endParaRPr lang="en-CR"/>
+          </a:p>
+        </p:txBody>
+      </p:sp>
+      <p:sp>
+        <p:nvSpPr>
+          <p:cNvPr id="10" name="TextBox 9">
+            <a:extLst>
+              <a:ext uri="{FF2B5EF4-FFF2-40B4-BE49-F238E27FC236}">
+                <a16:creationId xmlns:a16="http://schemas.microsoft.com/office/drawing/2014/main" id="{E4D85C41-4AD7-A288-30B2-C8F3FC15C796}"/>
+              </a:ext>
+            </a:extLst>
+          </p:cNvPr>
+          <p:cNvSpPr txBox="1"/>
+          <p:nvPr/>
+        </p:nvSpPr>
+        <p:spPr>
+          <a:xfrm>
+            <a:off x="1050391" y="2864005"/>
+            <a:ext cx="4340506" cy="1200329"/>
+          </a:xfrm>
+          <a:prstGeom prst="rect">
+            <a:avLst/>
+          </a:prstGeom>
+          <a:noFill/>
         </p:spPr>
         <p:txBody>
           <a:bodyPr wrap="square" rtlCol="0">
@@ -5936,109 +6989,123 @@
           </a:bodyPr>
           <a:lstStyle/>
           <a:p>
-            <a:r>
-              <a:rPr lang="en-US" dirty="0">
-                <a:solidFill>
-                  <a:schemeClr val="bg1"/>
-                </a:solidFill>
-              </a:rPr>
-              <a:t>d</a:t>
-            </a:r>
-            <a:r>
-              <a:rPr lang="en-CR" dirty="0">
-                <a:solidFill>
-                  <a:schemeClr val="bg1"/>
-                </a:solidFill>
-              </a:rPr>
-              <a:t>ocker stop &lt;container&gt; </a:t>
-            </a:r>
-          </a:p>
-        </p:txBody>
-      </p:sp>
-      <p:sp>
-        <p:nvSpPr>
-          <p:cNvPr id="6" name="TextBox 5">
-            <a:extLst>
-              <a:ext uri="{FF2B5EF4-FFF2-40B4-BE49-F238E27FC236}">
-                <a16:creationId xmlns:a16="http://schemas.microsoft.com/office/drawing/2014/main" id="{E66DDCA0-A4D1-E34D-94A8-CC790E5D037F}"/>
-              </a:ext>
-            </a:extLst>
-          </p:cNvPr>
-          <p:cNvSpPr txBox="1"/>
+            <a:pPr marL="285750" indent="-285750">
+              <a:buFont typeface="Arial" panose="020B0604020202020204" pitchFamily="34" charset="0"/>
+              <a:buChar char="•"/>
+            </a:pPr>
+            <a:r>
+              <a:rPr lang="es-ES" dirty="0"/>
+              <a:t>Almacenan información </a:t>
+            </a:r>
+            <a:r>
+              <a:rPr lang="es-ES" b="1" dirty="0"/>
+              <a:t>sensible</a:t>
+            </a:r>
+            <a:r>
+              <a:rPr lang="es-ES" dirty="0"/>
+              <a:t> que será accedida más adelante por otros recursos, como </a:t>
+            </a:r>
+            <a:r>
+              <a:rPr lang="es-ES" b="1" dirty="0" err="1"/>
+              <a:t>pods</a:t>
+            </a:r>
+            <a:r>
+              <a:rPr lang="es-ES" dirty="0"/>
+              <a:t> por ejemplo.</a:t>
+            </a:r>
+          </a:p>
+          <a:p>
+            <a:pPr marL="285750" indent="-285750">
+              <a:buFont typeface="Arial" panose="020B0604020202020204" pitchFamily="34" charset="0"/>
+              <a:buChar char="•"/>
+            </a:pPr>
+            <a:r>
+              <a:rPr lang="es-ES" dirty="0"/>
+              <a:t>Valores encriptados</a:t>
+            </a:r>
+            <a:endParaRPr lang="en-CR" dirty="0"/>
+          </a:p>
+        </p:txBody>
+      </p:sp>
+      <p:sp>
+        <p:nvSpPr>
+          <p:cNvPr id="6" name="AutoShape 2" descr="Storage options for applications in an Azure Kubernetes Services (AKS) cluster">
+            <a:extLst>
+              <a:ext uri="{FF2B5EF4-FFF2-40B4-BE49-F238E27FC236}">
+                <a16:creationId xmlns:a16="http://schemas.microsoft.com/office/drawing/2014/main" id="{80A2ABCA-4DB9-0B25-5DB7-70722CDEC7EE}"/>
+              </a:ext>
+            </a:extLst>
+          </p:cNvPr>
+          <p:cNvSpPr>
+            <a:spLocks noChangeAspect="1" noChangeArrowheads="1"/>
+          </p:cNvSpPr>
           <p:nvPr/>
         </p:nvSpPr>
-        <p:spPr>
-          <a:xfrm>
-            <a:off x="2231136" y="3410861"/>
-            <a:ext cx="7630494" cy="646331"/>
+        <p:spPr bwMode="auto">
+          <a:xfrm>
+            <a:off x="6096000" y="3429000"/>
+            <a:ext cx="304800" cy="304800"/>
           </a:xfrm>
           <a:prstGeom prst="rect">
             <a:avLst/>
           </a:prstGeom>
-          <a:solidFill>
-            <a:schemeClr val="accent3"/>
-          </a:solidFill>
-        </p:spPr>
-        <p:txBody>
-          <a:bodyPr wrap="square" rtlCol="0">
-            <a:spAutoFit/>
+          <a:noFill/>
+          <a:extLst>
+            <a:ext uri="{909E8E84-426E-40DD-AFC4-6F175D3DCCD1}">
+              <a14:hiddenFill xmlns:a14="http://schemas.microsoft.com/office/drawing/2010/main">
+                <a:solidFill>
+                  <a:srgbClr val="FFFFFF"/>
+                </a:solidFill>
+              </a14:hiddenFill>
+            </a:ext>
+          </a:extLst>
+        </p:spPr>
+        <p:txBody>
+          <a:bodyPr vert="horz" wrap="square" lIns="91440" tIns="45720" rIns="91440" bIns="45720" numCol="1" anchor="t" anchorCtr="0" compatLnSpc="1">
+            <a:prstTxWarp prst="textNoShape">
+              <a:avLst/>
+            </a:prstTxWarp>
           </a:bodyPr>
           <a:lstStyle/>
           <a:p>
-            <a:r>
-              <a:rPr lang="en-US" dirty="0">
-                <a:solidFill>
-                  <a:schemeClr val="bg1"/>
-                </a:solidFill>
-              </a:rPr>
-              <a:t>d</a:t>
-            </a:r>
-            <a:r>
-              <a:rPr lang="en-CR" dirty="0">
-                <a:solidFill>
-                  <a:schemeClr val="bg1"/>
-                </a:solidFill>
-              </a:rPr>
-              <a:t>ocker ps -a</a:t>
-            </a:r>
-          </a:p>
-          <a:p>
-            <a:r>
-              <a:rPr lang="en-US" dirty="0">
-                <a:solidFill>
-                  <a:schemeClr val="bg1"/>
-                </a:solidFill>
-              </a:rPr>
-              <a:t>d</a:t>
-            </a:r>
-            <a:r>
-              <a:rPr lang="en-CR" dirty="0">
-                <a:solidFill>
-                  <a:schemeClr val="bg1"/>
-                </a:solidFill>
-              </a:rPr>
-              <a:t>ocker stop </a:t>
-            </a:r>
-            <a:r>
-              <a:rPr lang="en-US" dirty="0" err="1">
-                <a:solidFill>
-                  <a:schemeClr val="bg1"/>
-                </a:solidFill>
-              </a:rPr>
-              <a:t>silly_feynman</a:t>
-            </a:r>
-            <a:endParaRPr lang="en-US" dirty="0">
-              <a:solidFill>
-                <a:schemeClr val="bg1"/>
-              </a:solidFill>
-            </a:endParaRPr>
-          </a:p>
-        </p:txBody>
-      </p:sp>
+            <a:endParaRPr lang="en-CR"/>
+          </a:p>
+        </p:txBody>
+      </p:sp>
+      <p:pic>
+        <p:nvPicPr>
+          <p:cNvPr id="9" name="Picture 8">
+            <a:extLst>
+              <a:ext uri="{FF2B5EF4-FFF2-40B4-BE49-F238E27FC236}">
+                <a16:creationId xmlns:a16="http://schemas.microsoft.com/office/drawing/2014/main" id="{6F4B1B3C-0025-866F-EDB0-EEC1C98509EF}"/>
+              </a:ext>
+            </a:extLst>
+          </p:cNvPr>
+          <p:cNvPicPr>
+            <a:picLocks noChangeAspect="1"/>
+          </p:cNvPicPr>
+          <p:nvPr/>
+        </p:nvPicPr>
+        <p:blipFill>
+          <a:blip r:embed="rId2"/>
+          <a:stretch>
+            <a:fillRect/>
+          </a:stretch>
+        </p:blipFill>
+        <p:spPr>
+          <a:xfrm>
+            <a:off x="5543296" y="2522798"/>
+            <a:ext cx="5695722" cy="3417433"/>
+          </a:xfrm>
+          <a:prstGeom prst="rect">
+            <a:avLst/>
+          </a:prstGeom>
+        </p:spPr>
+      </p:pic>
     </p:spTree>
     <p:extLst>
       <p:ext uri="{BB962C8B-B14F-4D97-AF65-F5344CB8AC3E}">
-        <p14:creationId xmlns:p14="http://schemas.microsoft.com/office/powerpoint/2010/main" val="691400625"/>
+        <p14:creationId xmlns:p14="http://schemas.microsoft.com/office/powerpoint/2010/main" val="4079770603"/>
       </p:ext>
     </p:extLst>
   </p:cSld>
@@ -6087,12 +7154,8 @@
           <a:lstStyle/>
           <a:p>
             <a:r>
-              <a:rPr lang="en-US" dirty="0"/>
-              <a:t>C</a:t>
-            </a:r>
-            <a:r>
               <a:rPr lang="en-CR" dirty="0"/>
-              <a:t>omandos: rm</a:t>
+              <a:t>Kubernetes: NAMESPACES</a:t>
             </a:r>
           </a:p>
         </p:txBody>
@@ -6132,7 +7195,7 @@
           <p:cNvPr id="4" name="TextBox 3">
             <a:extLst>
               <a:ext uri="{FF2B5EF4-FFF2-40B4-BE49-F238E27FC236}">
-                <a16:creationId xmlns:a16="http://schemas.microsoft.com/office/drawing/2014/main" id="{149142E3-D6EC-3546-AC5B-B447B2244533}"/>
+                <a16:creationId xmlns:a16="http://schemas.microsoft.com/office/drawing/2014/main" id="{136C7BC2-FDE2-4942-B5B1-CCF71FA447F0}"/>
               </a:ext>
             </a:extLst>
           </p:cNvPr>
@@ -6141,15 +7204,195 @@
         </p:nvSpPr>
         <p:spPr>
           <a:xfrm>
-            <a:off x="2231136" y="2708476"/>
-            <a:ext cx="7630494" cy="369332"/>
+            <a:off x="234176" y="6445405"/>
+            <a:ext cx="5641031" cy="276999"/>
           </a:xfrm>
           <a:prstGeom prst="rect">
             <a:avLst/>
           </a:prstGeom>
-          <a:solidFill>
-            <a:srgbClr val="002060"/>
-          </a:solidFill>
+          <a:noFill/>
+        </p:spPr>
+        <p:txBody>
+          <a:bodyPr wrap="none" rtlCol="0">
+            <a:spAutoFit/>
+          </a:bodyPr>
+          <a:lstStyle/>
+          <a:p>
+            <a:r>
+              <a:rPr lang="en-US" sz="1200" dirty="0">
+                <a:solidFill>
+                  <a:schemeClr val="tx2"/>
+                </a:solidFill>
+              </a:rPr>
+              <a:t>https://</a:t>
+            </a:r>
+            <a:r>
+              <a:rPr lang="en-US" sz="1200" dirty="0" err="1">
+                <a:solidFill>
+                  <a:schemeClr val="tx2"/>
+                </a:solidFill>
+              </a:rPr>
+              <a:t>www.percona.com</a:t>
+            </a:r>
+            <a:r>
+              <a:rPr lang="en-US" sz="1200" dirty="0">
+                <a:solidFill>
+                  <a:schemeClr val="tx2"/>
+                </a:solidFill>
+              </a:rPr>
+              <a:t>/blog/multi-tenant-</a:t>
+            </a:r>
+            <a:r>
+              <a:rPr lang="en-US" sz="1200" dirty="0" err="1">
+                <a:solidFill>
+                  <a:schemeClr val="tx2"/>
+                </a:solidFill>
+              </a:rPr>
+              <a:t>kubernetes</a:t>
+            </a:r>
+            <a:r>
+              <a:rPr lang="en-US" sz="1200" dirty="0">
+                <a:solidFill>
+                  <a:schemeClr val="tx2"/>
+                </a:solidFill>
+              </a:rPr>
+              <a:t>-cluster-with-</a:t>
+            </a:r>
+            <a:r>
+              <a:rPr lang="en-US" sz="1200" dirty="0" err="1">
+                <a:solidFill>
+                  <a:schemeClr val="tx2"/>
+                </a:solidFill>
+              </a:rPr>
+              <a:t>percona</a:t>
+            </a:r>
+            <a:r>
+              <a:rPr lang="en-US" sz="1200" dirty="0">
+                <a:solidFill>
+                  <a:schemeClr val="tx2"/>
+                </a:solidFill>
+              </a:rPr>
+              <a:t>-operators</a:t>
+            </a:r>
+            <a:endParaRPr lang="en-CR" sz="1200" dirty="0">
+              <a:solidFill>
+                <a:schemeClr val="tx2"/>
+              </a:solidFill>
+            </a:endParaRPr>
+          </a:p>
+        </p:txBody>
+      </p:sp>
+      <p:sp>
+        <p:nvSpPr>
+          <p:cNvPr id="5" name="AutoShape 2" descr="Components of Kubernetes">
+            <a:extLst>
+              <a:ext uri="{FF2B5EF4-FFF2-40B4-BE49-F238E27FC236}">
+                <a16:creationId xmlns:a16="http://schemas.microsoft.com/office/drawing/2014/main" id="{148D9193-E497-08F5-450B-50F0915B88F6}"/>
+              </a:ext>
+            </a:extLst>
+          </p:cNvPr>
+          <p:cNvSpPr>
+            <a:spLocks noChangeAspect="1" noChangeArrowheads="1"/>
+          </p:cNvSpPr>
+          <p:nvPr/>
+        </p:nvSpPr>
+        <p:spPr bwMode="auto">
+          <a:xfrm>
+            <a:off x="5943600" y="3276600"/>
+            <a:ext cx="304800" cy="304800"/>
+          </a:xfrm>
+          <a:prstGeom prst="rect">
+            <a:avLst/>
+          </a:prstGeom>
+          <a:noFill/>
+          <a:extLst>
+            <a:ext uri="{909E8E84-426E-40DD-AFC4-6F175D3DCCD1}">
+              <a14:hiddenFill xmlns:a14="http://schemas.microsoft.com/office/drawing/2010/main">
+                <a:solidFill>
+                  <a:srgbClr val="FFFFFF"/>
+                </a:solidFill>
+              </a14:hiddenFill>
+            </a:ext>
+          </a:extLst>
+        </p:spPr>
+        <p:txBody>
+          <a:bodyPr vert="horz" wrap="square" lIns="91440" tIns="45720" rIns="91440" bIns="45720" numCol="1" anchor="t" anchorCtr="0" compatLnSpc="1">
+            <a:prstTxWarp prst="textNoShape">
+              <a:avLst/>
+            </a:prstTxWarp>
+          </a:bodyPr>
+          <a:lstStyle/>
+          <a:p>
+            <a:endParaRPr lang="en-CR"/>
+          </a:p>
+        </p:txBody>
+      </p:sp>
+      <p:sp>
+        <p:nvSpPr>
+          <p:cNvPr id="8" name="AutoShape 4" descr="Components of Kubernetes">
+            <a:extLst>
+              <a:ext uri="{FF2B5EF4-FFF2-40B4-BE49-F238E27FC236}">
+                <a16:creationId xmlns:a16="http://schemas.microsoft.com/office/drawing/2014/main" id="{C0F94324-8426-84FE-8A23-B9FE1BF3D35C}"/>
+              </a:ext>
+            </a:extLst>
+          </p:cNvPr>
+          <p:cNvSpPr>
+            <a:spLocks noChangeAspect="1" noChangeArrowheads="1"/>
+          </p:cNvSpPr>
+          <p:nvPr/>
+        </p:nvSpPr>
+        <p:spPr bwMode="auto">
+          <a:xfrm>
+            <a:off x="6095999" y="3428999"/>
+            <a:ext cx="3001701" cy="3001701"/>
+          </a:xfrm>
+          <a:prstGeom prst="rect">
+            <a:avLst/>
+          </a:prstGeom>
+          <a:noFill/>
+          <a:extLst>
+            <a:ext uri="{909E8E84-426E-40DD-AFC4-6F175D3DCCD1}">
+              <a14:hiddenFill xmlns:a14="http://schemas.microsoft.com/office/drawing/2010/main">
+                <a:solidFill>
+                  <a:srgbClr val="FFFFFF"/>
+                </a:solidFill>
+              </a14:hiddenFill>
+            </a:ext>
+          </a:extLst>
+        </p:spPr>
+        <p:txBody>
+          <a:bodyPr vert="horz" wrap="square" lIns="91440" tIns="45720" rIns="91440" bIns="45720" numCol="1" anchor="t" anchorCtr="0" compatLnSpc="1">
+            <a:prstTxWarp prst="textNoShape">
+              <a:avLst/>
+            </a:prstTxWarp>
+          </a:bodyPr>
+          <a:lstStyle/>
+          <a:p>
+            <a:endParaRPr lang="en-CR"/>
+          </a:p>
+        </p:txBody>
+      </p:sp>
+      <p:sp>
+        <p:nvSpPr>
+          <p:cNvPr id="10" name="TextBox 9">
+            <a:extLst>
+              <a:ext uri="{FF2B5EF4-FFF2-40B4-BE49-F238E27FC236}">
+                <a16:creationId xmlns:a16="http://schemas.microsoft.com/office/drawing/2014/main" id="{E4D85C41-4AD7-A288-30B2-C8F3FC15C796}"/>
+              </a:ext>
+            </a:extLst>
+          </p:cNvPr>
+          <p:cNvSpPr txBox="1"/>
+          <p:nvPr/>
+        </p:nvSpPr>
+        <p:spPr>
+          <a:xfrm>
+            <a:off x="1050391" y="2864005"/>
+            <a:ext cx="4340506" cy="1200329"/>
+          </a:xfrm>
+          <a:prstGeom prst="rect">
+            <a:avLst/>
+          </a:prstGeom>
+          <a:noFill/>
         </p:spPr>
         <p:txBody>
           <a:bodyPr wrap="square" rtlCol="0">
@@ -6157,109 +7400,115 @@
           </a:bodyPr>
           <a:lstStyle/>
           <a:p>
-            <a:r>
-              <a:rPr lang="en-US" dirty="0">
-                <a:solidFill>
-                  <a:schemeClr val="bg1"/>
-                </a:solidFill>
-              </a:rPr>
-              <a:t>d</a:t>
-            </a:r>
-            <a:r>
-              <a:rPr lang="en-CR" dirty="0">
-                <a:solidFill>
-                  <a:schemeClr val="bg1"/>
-                </a:solidFill>
-              </a:rPr>
-              <a:t>ocker rm &lt;container&gt; </a:t>
-            </a:r>
-          </a:p>
-        </p:txBody>
-      </p:sp>
-      <p:sp>
-        <p:nvSpPr>
-          <p:cNvPr id="6" name="TextBox 5">
-            <a:extLst>
-              <a:ext uri="{FF2B5EF4-FFF2-40B4-BE49-F238E27FC236}">
-                <a16:creationId xmlns:a16="http://schemas.microsoft.com/office/drawing/2014/main" id="{E66DDCA0-A4D1-E34D-94A8-CC790E5D037F}"/>
-              </a:ext>
-            </a:extLst>
-          </p:cNvPr>
-          <p:cNvSpPr txBox="1"/>
+            <a:pPr marL="285750" indent="-285750">
+              <a:buFont typeface="Arial" panose="020B0604020202020204" pitchFamily="34" charset="0"/>
+              <a:buChar char="•"/>
+            </a:pPr>
+            <a:r>
+              <a:rPr lang="es-ES" dirty="0"/>
+              <a:t>Los </a:t>
+            </a:r>
+            <a:r>
+              <a:rPr lang="es-ES" b="1" dirty="0" err="1"/>
+              <a:t>namespaces</a:t>
+            </a:r>
+            <a:r>
+              <a:rPr lang="es-ES" dirty="0"/>
+              <a:t> permiten la separación lógica de recursos</a:t>
+            </a:r>
+          </a:p>
+          <a:p>
+            <a:pPr marL="285750" indent="-285750">
+              <a:buFont typeface="Arial" panose="020B0604020202020204" pitchFamily="34" charset="0"/>
+              <a:buChar char="•"/>
+            </a:pPr>
+            <a:r>
+              <a:rPr lang="es-ES" dirty="0"/>
+              <a:t>Evitar conflictos en nombres, limitar acceso a recursos y más</a:t>
+            </a:r>
+            <a:endParaRPr lang="en-CR" dirty="0"/>
+          </a:p>
+        </p:txBody>
+      </p:sp>
+      <p:sp>
+        <p:nvSpPr>
+          <p:cNvPr id="6" name="AutoShape 2" descr="Storage options for applications in an Azure Kubernetes Services (AKS) cluster">
+            <a:extLst>
+              <a:ext uri="{FF2B5EF4-FFF2-40B4-BE49-F238E27FC236}">
+                <a16:creationId xmlns:a16="http://schemas.microsoft.com/office/drawing/2014/main" id="{80A2ABCA-4DB9-0B25-5DB7-70722CDEC7EE}"/>
+              </a:ext>
+            </a:extLst>
+          </p:cNvPr>
+          <p:cNvSpPr>
+            <a:spLocks noChangeAspect="1" noChangeArrowheads="1"/>
+          </p:cNvSpPr>
           <p:nvPr/>
         </p:nvSpPr>
-        <p:spPr>
-          <a:xfrm>
-            <a:off x="2231136" y="3410861"/>
-            <a:ext cx="7630494" cy="646331"/>
+        <p:spPr bwMode="auto">
+          <a:xfrm>
+            <a:off x="6096000" y="3429000"/>
+            <a:ext cx="304800" cy="304800"/>
           </a:xfrm>
           <a:prstGeom prst="rect">
             <a:avLst/>
           </a:prstGeom>
-          <a:solidFill>
-            <a:schemeClr val="accent3"/>
-          </a:solidFill>
-        </p:spPr>
-        <p:txBody>
-          <a:bodyPr wrap="square" rtlCol="0">
-            <a:spAutoFit/>
+          <a:noFill/>
+          <a:extLst>
+            <a:ext uri="{909E8E84-426E-40DD-AFC4-6F175D3DCCD1}">
+              <a14:hiddenFill xmlns:a14="http://schemas.microsoft.com/office/drawing/2010/main">
+                <a:solidFill>
+                  <a:srgbClr val="FFFFFF"/>
+                </a:solidFill>
+              </a14:hiddenFill>
+            </a:ext>
+          </a:extLst>
+        </p:spPr>
+        <p:txBody>
+          <a:bodyPr vert="horz" wrap="square" lIns="91440" tIns="45720" rIns="91440" bIns="45720" numCol="1" anchor="t" anchorCtr="0" compatLnSpc="1">
+            <a:prstTxWarp prst="textNoShape">
+              <a:avLst/>
+            </a:prstTxWarp>
           </a:bodyPr>
           <a:lstStyle/>
           <a:p>
-            <a:r>
-              <a:rPr lang="en-US" dirty="0">
-                <a:solidFill>
-                  <a:schemeClr val="bg1"/>
-                </a:solidFill>
-              </a:rPr>
-              <a:t>d</a:t>
-            </a:r>
-            <a:r>
-              <a:rPr lang="en-CR" dirty="0">
-                <a:solidFill>
-                  <a:schemeClr val="bg1"/>
-                </a:solidFill>
-              </a:rPr>
-              <a:t>ocker ps -a</a:t>
-            </a:r>
-          </a:p>
-          <a:p>
-            <a:r>
-              <a:rPr lang="en-US" dirty="0">
-                <a:solidFill>
-                  <a:schemeClr val="bg1"/>
-                </a:solidFill>
-              </a:rPr>
-              <a:t>d</a:t>
-            </a:r>
-            <a:r>
-              <a:rPr lang="en-CR" dirty="0">
-                <a:solidFill>
-                  <a:schemeClr val="bg1"/>
-                </a:solidFill>
-              </a:rPr>
-              <a:t>ocker rm </a:t>
-            </a:r>
-            <a:r>
-              <a:rPr lang="en-US" dirty="0" err="1">
-                <a:solidFill>
-                  <a:schemeClr val="bg1"/>
-                </a:solidFill>
-              </a:rPr>
-              <a:t>silly_feynman</a:t>
-            </a:r>
-            <a:endParaRPr lang="en-US" dirty="0">
-              <a:solidFill>
-                <a:schemeClr val="bg1"/>
-              </a:solidFill>
-            </a:endParaRPr>
-          </a:p>
-        </p:txBody>
-      </p:sp>
+            <a:endParaRPr lang="en-CR"/>
+          </a:p>
+        </p:txBody>
+      </p:sp>
+      <p:pic>
+        <p:nvPicPr>
+          <p:cNvPr id="13" name="Picture 12">
+            <a:extLst>
+              <a:ext uri="{FF2B5EF4-FFF2-40B4-BE49-F238E27FC236}">
+                <a16:creationId xmlns:a16="http://schemas.microsoft.com/office/drawing/2014/main" id="{BF956E34-64A4-DDC5-D131-50FD1117038B}"/>
+              </a:ext>
+            </a:extLst>
+          </p:cNvPr>
+          <p:cNvPicPr>
+            <a:picLocks noChangeAspect="1"/>
+          </p:cNvPicPr>
+          <p:nvPr/>
+        </p:nvPicPr>
+        <p:blipFill>
+          <a:blip r:embed="rId2"/>
+          <a:stretch>
+            <a:fillRect/>
+          </a:stretch>
+        </p:blipFill>
+        <p:spPr>
+          <a:xfrm>
+            <a:off x="5769322" y="2944018"/>
+            <a:ext cx="5172480" cy="2330310"/>
+          </a:xfrm>
+          <a:prstGeom prst="rect">
+            <a:avLst/>
+          </a:prstGeom>
+        </p:spPr>
+      </p:pic>
     </p:spTree>
     <p:extLst>
       <p:ext uri="{BB962C8B-B14F-4D97-AF65-F5344CB8AC3E}">
-        <p14:creationId xmlns:p14="http://schemas.microsoft.com/office/powerpoint/2010/main" val="480431406"/>
+        <p14:creationId xmlns:p14="http://schemas.microsoft.com/office/powerpoint/2010/main" val="1454947121"/>
       </p:ext>
     </p:extLst>
   </p:cSld>
@@ -6442,12 +7691,8 @@
           <a:lstStyle/>
           <a:p>
             <a:r>
-              <a:rPr lang="en-US" dirty="0"/>
-              <a:t>C</a:t>
-            </a:r>
-            <a:r>
               <a:rPr lang="en-CR" dirty="0"/>
-              <a:t>omandos: RMI</a:t>
+              <a:t>Kubernetes: KUbeCTL</a:t>
             </a:r>
           </a:p>
         </p:txBody>
@@ -6487,7 +7732,7 @@
           <p:cNvPr id="4" name="TextBox 3">
             <a:extLst>
               <a:ext uri="{FF2B5EF4-FFF2-40B4-BE49-F238E27FC236}">
-                <a16:creationId xmlns:a16="http://schemas.microsoft.com/office/drawing/2014/main" id="{149142E3-D6EC-3546-AC5B-B447B2244533}"/>
+                <a16:creationId xmlns:a16="http://schemas.microsoft.com/office/drawing/2014/main" id="{136C7BC2-FDE2-4942-B5B1-CCF71FA447F0}"/>
               </a:ext>
             </a:extLst>
           </p:cNvPr>
@@ -6496,15 +7741,163 @@
         </p:nvSpPr>
         <p:spPr>
           <a:xfrm>
-            <a:off x="2231136" y="2708476"/>
-            <a:ext cx="7630494" cy="369332"/>
+            <a:off x="234176" y="6445405"/>
+            <a:ext cx="7727821" cy="276999"/>
           </a:xfrm>
           <a:prstGeom prst="rect">
             <a:avLst/>
           </a:prstGeom>
-          <a:solidFill>
-            <a:srgbClr val="002060"/>
-          </a:solidFill>
+          <a:noFill/>
+        </p:spPr>
+        <p:txBody>
+          <a:bodyPr wrap="none" rtlCol="0">
+            <a:spAutoFit/>
+          </a:bodyPr>
+          <a:lstStyle/>
+          <a:p>
+            <a:r>
+              <a:rPr lang="en-US" sz="1200" dirty="0">
+                <a:solidFill>
+                  <a:schemeClr val="tx2"/>
+                </a:solidFill>
+              </a:rPr>
+              <a:t>https://</a:t>
+            </a:r>
+            <a:r>
+              <a:rPr lang="en-US" sz="1200" dirty="0" err="1">
+                <a:solidFill>
+                  <a:schemeClr val="tx2"/>
+                </a:solidFill>
+              </a:rPr>
+              <a:t>faun.pub</a:t>
+            </a:r>
+            <a:r>
+              <a:rPr lang="en-US" sz="1200" dirty="0">
+                <a:solidFill>
+                  <a:schemeClr val="tx2"/>
+                </a:solidFill>
+              </a:rPr>
+              <a:t>/how-do-i-begin-to-use-kubernetes-discovering-kubectl-to-face-your-first-kubernetes-tasks-9c62e9b12a54</a:t>
+            </a:r>
+            <a:endParaRPr lang="en-CR" sz="1200" dirty="0">
+              <a:solidFill>
+                <a:schemeClr val="tx2"/>
+              </a:solidFill>
+            </a:endParaRPr>
+          </a:p>
+        </p:txBody>
+      </p:sp>
+      <p:sp>
+        <p:nvSpPr>
+          <p:cNvPr id="5" name="AutoShape 2" descr="Components of Kubernetes">
+            <a:extLst>
+              <a:ext uri="{FF2B5EF4-FFF2-40B4-BE49-F238E27FC236}">
+                <a16:creationId xmlns:a16="http://schemas.microsoft.com/office/drawing/2014/main" id="{148D9193-E497-08F5-450B-50F0915B88F6}"/>
+              </a:ext>
+            </a:extLst>
+          </p:cNvPr>
+          <p:cNvSpPr>
+            <a:spLocks noChangeAspect="1" noChangeArrowheads="1"/>
+          </p:cNvSpPr>
+          <p:nvPr/>
+        </p:nvSpPr>
+        <p:spPr bwMode="auto">
+          <a:xfrm>
+            <a:off x="5943600" y="3276600"/>
+            <a:ext cx="304800" cy="304800"/>
+          </a:xfrm>
+          <a:prstGeom prst="rect">
+            <a:avLst/>
+          </a:prstGeom>
+          <a:noFill/>
+          <a:extLst>
+            <a:ext uri="{909E8E84-426E-40DD-AFC4-6F175D3DCCD1}">
+              <a14:hiddenFill xmlns:a14="http://schemas.microsoft.com/office/drawing/2010/main">
+                <a:solidFill>
+                  <a:srgbClr val="FFFFFF"/>
+                </a:solidFill>
+              </a14:hiddenFill>
+            </a:ext>
+          </a:extLst>
+        </p:spPr>
+        <p:txBody>
+          <a:bodyPr vert="horz" wrap="square" lIns="91440" tIns="45720" rIns="91440" bIns="45720" numCol="1" anchor="t" anchorCtr="0" compatLnSpc="1">
+            <a:prstTxWarp prst="textNoShape">
+              <a:avLst/>
+            </a:prstTxWarp>
+          </a:bodyPr>
+          <a:lstStyle/>
+          <a:p>
+            <a:endParaRPr lang="en-CR"/>
+          </a:p>
+        </p:txBody>
+      </p:sp>
+      <p:sp>
+        <p:nvSpPr>
+          <p:cNvPr id="8" name="AutoShape 4" descr="Components of Kubernetes">
+            <a:extLst>
+              <a:ext uri="{FF2B5EF4-FFF2-40B4-BE49-F238E27FC236}">
+                <a16:creationId xmlns:a16="http://schemas.microsoft.com/office/drawing/2014/main" id="{C0F94324-8426-84FE-8A23-B9FE1BF3D35C}"/>
+              </a:ext>
+            </a:extLst>
+          </p:cNvPr>
+          <p:cNvSpPr>
+            <a:spLocks noChangeAspect="1" noChangeArrowheads="1"/>
+          </p:cNvSpPr>
+          <p:nvPr/>
+        </p:nvSpPr>
+        <p:spPr bwMode="auto">
+          <a:xfrm>
+            <a:off x="6095999" y="3428999"/>
+            <a:ext cx="3001701" cy="3001701"/>
+          </a:xfrm>
+          <a:prstGeom prst="rect">
+            <a:avLst/>
+          </a:prstGeom>
+          <a:noFill/>
+          <a:extLst>
+            <a:ext uri="{909E8E84-426E-40DD-AFC4-6F175D3DCCD1}">
+              <a14:hiddenFill xmlns:a14="http://schemas.microsoft.com/office/drawing/2010/main">
+                <a:solidFill>
+                  <a:srgbClr val="FFFFFF"/>
+                </a:solidFill>
+              </a14:hiddenFill>
+            </a:ext>
+          </a:extLst>
+        </p:spPr>
+        <p:txBody>
+          <a:bodyPr vert="horz" wrap="square" lIns="91440" tIns="45720" rIns="91440" bIns="45720" numCol="1" anchor="t" anchorCtr="0" compatLnSpc="1">
+            <a:prstTxWarp prst="textNoShape">
+              <a:avLst/>
+            </a:prstTxWarp>
+          </a:bodyPr>
+          <a:lstStyle/>
+          <a:p>
+            <a:endParaRPr lang="en-CR"/>
+          </a:p>
+        </p:txBody>
+      </p:sp>
+      <p:sp>
+        <p:nvSpPr>
+          <p:cNvPr id="10" name="TextBox 9">
+            <a:extLst>
+              <a:ext uri="{FF2B5EF4-FFF2-40B4-BE49-F238E27FC236}">
+                <a16:creationId xmlns:a16="http://schemas.microsoft.com/office/drawing/2014/main" id="{E4D85C41-4AD7-A288-30B2-C8F3FC15C796}"/>
+              </a:ext>
+            </a:extLst>
+          </p:cNvPr>
+          <p:cNvSpPr txBox="1"/>
+          <p:nvPr/>
+        </p:nvSpPr>
+        <p:spPr>
+          <a:xfrm>
+            <a:off x="1050391" y="2864005"/>
+            <a:ext cx="4340506" cy="923330"/>
+          </a:xfrm>
+          <a:prstGeom prst="rect">
+            <a:avLst/>
+          </a:prstGeom>
+          <a:noFill/>
         </p:spPr>
         <p:txBody>
           <a:bodyPr wrap="square" rtlCol="0">
@@ -6512,99 +7905,101 @@
           </a:bodyPr>
           <a:lstStyle/>
           <a:p>
-            <a:r>
-              <a:rPr lang="en-US" dirty="0">
-                <a:solidFill>
-                  <a:schemeClr val="bg1"/>
-                </a:solidFill>
-              </a:rPr>
-              <a:t>d</a:t>
-            </a:r>
-            <a:r>
-              <a:rPr lang="en-CR" dirty="0">
-                <a:solidFill>
-                  <a:schemeClr val="bg1"/>
-                </a:solidFill>
-              </a:rPr>
-              <a:t>ocker rmi &lt;image&gt;</a:t>
-            </a:r>
-          </a:p>
-        </p:txBody>
-      </p:sp>
-      <p:sp>
-        <p:nvSpPr>
-          <p:cNvPr id="6" name="TextBox 5">
-            <a:extLst>
-              <a:ext uri="{FF2B5EF4-FFF2-40B4-BE49-F238E27FC236}">
-                <a16:creationId xmlns:a16="http://schemas.microsoft.com/office/drawing/2014/main" id="{E66DDCA0-A4D1-E34D-94A8-CC790E5D037F}"/>
-              </a:ext>
-            </a:extLst>
-          </p:cNvPr>
-          <p:cNvSpPr txBox="1"/>
+            <a:pPr marL="285750" indent="-285750">
+              <a:buFont typeface="Arial" panose="020B0604020202020204" pitchFamily="34" charset="0"/>
+              <a:buChar char="•"/>
+            </a:pPr>
+            <a:r>
+              <a:rPr lang="es-ES" dirty="0"/>
+              <a:t>La línea de comandos para acceder a un clúster de K8 es a través del comando </a:t>
+            </a:r>
+            <a:r>
+              <a:rPr lang="es-ES" b="1" dirty="0" err="1"/>
+              <a:t>kubectl</a:t>
+            </a:r>
+            <a:endParaRPr lang="en-CR" b="1" dirty="0"/>
+          </a:p>
+        </p:txBody>
+      </p:sp>
+      <p:sp>
+        <p:nvSpPr>
+          <p:cNvPr id="6" name="AutoShape 2" descr="Storage options for applications in an Azure Kubernetes Services (AKS) cluster">
+            <a:extLst>
+              <a:ext uri="{FF2B5EF4-FFF2-40B4-BE49-F238E27FC236}">
+                <a16:creationId xmlns:a16="http://schemas.microsoft.com/office/drawing/2014/main" id="{80A2ABCA-4DB9-0B25-5DB7-70722CDEC7EE}"/>
+              </a:ext>
+            </a:extLst>
+          </p:cNvPr>
+          <p:cNvSpPr>
+            <a:spLocks noChangeAspect="1" noChangeArrowheads="1"/>
+          </p:cNvSpPr>
           <p:nvPr/>
         </p:nvSpPr>
-        <p:spPr>
-          <a:xfrm>
-            <a:off x="2231136" y="3410861"/>
-            <a:ext cx="7630494" cy="369332"/>
+        <p:spPr bwMode="auto">
+          <a:xfrm>
+            <a:off x="6096000" y="3429000"/>
+            <a:ext cx="304800" cy="304800"/>
           </a:xfrm>
           <a:prstGeom prst="rect">
             <a:avLst/>
           </a:prstGeom>
-          <a:solidFill>
-            <a:schemeClr val="accent3"/>
-          </a:solidFill>
-        </p:spPr>
-        <p:txBody>
-          <a:bodyPr wrap="square" rtlCol="0">
-            <a:spAutoFit/>
+          <a:noFill/>
+          <a:extLst>
+            <a:ext uri="{909E8E84-426E-40DD-AFC4-6F175D3DCCD1}">
+              <a14:hiddenFill xmlns:a14="http://schemas.microsoft.com/office/drawing/2010/main">
+                <a:solidFill>
+                  <a:srgbClr val="FFFFFF"/>
+                </a:solidFill>
+              </a14:hiddenFill>
+            </a:ext>
+          </a:extLst>
+        </p:spPr>
+        <p:txBody>
+          <a:bodyPr vert="horz" wrap="square" lIns="91440" tIns="45720" rIns="91440" bIns="45720" numCol="1" anchor="t" anchorCtr="0" compatLnSpc="1">
+            <a:prstTxWarp prst="textNoShape">
+              <a:avLst/>
+            </a:prstTxWarp>
           </a:bodyPr>
           <a:lstStyle/>
           <a:p>
-            <a:r>
-              <a:rPr lang="en-US" dirty="0">
-                <a:solidFill>
-                  <a:schemeClr val="bg1"/>
-                </a:solidFill>
-              </a:rPr>
-              <a:t>docker </a:t>
-            </a:r>
-            <a:r>
-              <a:rPr lang="en-US" dirty="0" err="1">
-                <a:solidFill>
-                  <a:schemeClr val="bg1"/>
-                </a:solidFill>
-              </a:rPr>
-              <a:t>rmi</a:t>
-            </a:r>
-            <a:r>
-              <a:rPr lang="en-US" dirty="0">
-                <a:solidFill>
-                  <a:schemeClr val="bg1"/>
-                </a:solidFill>
-              </a:rPr>
-              <a:t> </a:t>
-            </a:r>
-            <a:r>
-              <a:rPr lang="en-US" dirty="0" err="1">
-                <a:solidFill>
-                  <a:schemeClr val="bg1"/>
-                </a:solidFill>
-              </a:rPr>
-              <a:t>nginx</a:t>
-            </a:r>
-            <a:endParaRPr lang="en-US" dirty="0">
-              <a:solidFill>
-                <a:schemeClr val="bg1"/>
-              </a:solidFill>
-            </a:endParaRPr>
-          </a:p>
-        </p:txBody>
-      </p:sp>
+            <a:endParaRPr lang="en-CR"/>
+          </a:p>
+        </p:txBody>
+      </p:sp>
+      <p:pic>
+        <p:nvPicPr>
+          <p:cNvPr id="9" name="Picture 8">
+            <a:extLst>
+              <a:ext uri="{FF2B5EF4-FFF2-40B4-BE49-F238E27FC236}">
+                <a16:creationId xmlns:a16="http://schemas.microsoft.com/office/drawing/2014/main" id="{12EF55C8-4650-017D-DAE1-11D0126576D9}"/>
+              </a:ext>
+            </a:extLst>
+          </p:cNvPr>
+          <p:cNvPicPr>
+            <a:picLocks noChangeAspect="1"/>
+          </p:cNvPicPr>
+          <p:nvPr/>
+        </p:nvPicPr>
+        <p:blipFill>
+          <a:blip r:embed="rId2"/>
+          <a:stretch>
+            <a:fillRect/>
+          </a:stretch>
+        </p:blipFill>
+        <p:spPr>
+          <a:xfrm>
+            <a:off x="5838101" y="2798558"/>
+            <a:ext cx="4920821" cy="3001701"/>
+          </a:xfrm>
+          <a:prstGeom prst="rect">
+            <a:avLst/>
+          </a:prstGeom>
+        </p:spPr>
+      </p:pic>
     </p:spTree>
     <p:extLst>
       <p:ext uri="{BB962C8B-B14F-4D97-AF65-F5344CB8AC3E}">
-        <p14:creationId xmlns:p14="http://schemas.microsoft.com/office/powerpoint/2010/main" val="3405927219"/>
+        <p14:creationId xmlns:p14="http://schemas.microsoft.com/office/powerpoint/2010/main" val="2381360653"/>
       </p:ext>
     </p:extLst>
   </p:cSld>
@@ -6647,18 +8042,19 @@
             <p:ph type="title"/>
           </p:nvPr>
         </p:nvSpPr>
-        <p:spPr/>
+        <p:spPr>
+          <a:xfrm>
+            <a:off x="2383536" y="2545080"/>
+            <a:ext cx="7729728" cy="1188720"/>
+          </a:xfrm>
+        </p:spPr>
         <p:txBody>
           <a:bodyPr/>
           <a:lstStyle/>
           <a:p>
             <a:r>
-              <a:rPr lang="en-US" dirty="0"/>
-              <a:t>C</a:t>
-            </a:r>
-            <a:r>
               <a:rPr lang="en-CR" dirty="0"/>
-              <a:t>omandos: PULL</a:t>
+              <a:t>kubectl: demo </a:t>
             </a:r>
           </a:p>
         </p:txBody>
@@ -6695,152 +8091,143 @@
       </p:sp>
       <p:sp>
         <p:nvSpPr>
-          <p:cNvPr id="4" name="TextBox 3">
-            <a:extLst>
-              <a:ext uri="{FF2B5EF4-FFF2-40B4-BE49-F238E27FC236}">
-                <a16:creationId xmlns:a16="http://schemas.microsoft.com/office/drawing/2014/main" id="{149142E3-D6EC-3546-AC5B-B447B2244533}"/>
-              </a:ext>
-            </a:extLst>
-          </p:cNvPr>
-          <p:cNvSpPr txBox="1"/>
+          <p:cNvPr id="5" name="AutoShape 2" descr="Components of Kubernetes">
+            <a:extLst>
+              <a:ext uri="{FF2B5EF4-FFF2-40B4-BE49-F238E27FC236}">
+                <a16:creationId xmlns:a16="http://schemas.microsoft.com/office/drawing/2014/main" id="{148D9193-E497-08F5-450B-50F0915B88F6}"/>
+              </a:ext>
+            </a:extLst>
+          </p:cNvPr>
+          <p:cNvSpPr>
+            <a:spLocks noChangeAspect="1" noChangeArrowheads="1"/>
+          </p:cNvSpPr>
           <p:nvPr/>
         </p:nvSpPr>
-        <p:spPr>
-          <a:xfrm>
-            <a:off x="2231136" y="2708476"/>
-            <a:ext cx="7630494" cy="369332"/>
-          </a:xfrm>
-          <a:prstGeom prst="rect">
-            <a:avLst/>
-          </a:prstGeom>
-          <a:solidFill>
-            <a:srgbClr val="002060"/>
-          </a:solidFill>
-        </p:spPr>
-        <p:txBody>
-          <a:bodyPr wrap="square" rtlCol="0">
-            <a:spAutoFit/>
-          </a:bodyPr>
-          <a:lstStyle/>
-          <a:p>
-            <a:r>
-              <a:rPr lang="en-US" dirty="0">
-                <a:solidFill>
-                  <a:schemeClr val="bg1"/>
-                </a:solidFill>
-              </a:rPr>
-              <a:t>d</a:t>
-            </a:r>
-            <a:r>
-              <a:rPr lang="en-CR" dirty="0">
-                <a:solidFill>
-                  <a:schemeClr val="bg1"/>
-                </a:solidFill>
-              </a:rPr>
-              <a:t>ocker pull &lt;image&gt;</a:t>
-            </a:r>
-          </a:p>
-        </p:txBody>
-      </p:sp>
-      <p:sp>
-        <p:nvSpPr>
-          <p:cNvPr id="6" name="TextBox 5">
-            <a:extLst>
-              <a:ext uri="{FF2B5EF4-FFF2-40B4-BE49-F238E27FC236}">
-                <a16:creationId xmlns:a16="http://schemas.microsoft.com/office/drawing/2014/main" id="{E66DDCA0-A4D1-E34D-94A8-CC790E5D037F}"/>
-              </a:ext>
-            </a:extLst>
-          </p:cNvPr>
-          <p:cNvSpPr txBox="1"/>
-          <p:nvPr/>
-        </p:nvSpPr>
-        <p:spPr>
-          <a:xfrm>
-            <a:off x="2231136" y="3410861"/>
-            <a:ext cx="7630494" cy="369332"/>
-          </a:xfrm>
-          <a:prstGeom prst="rect">
-            <a:avLst/>
-          </a:prstGeom>
-          <a:solidFill>
-            <a:schemeClr val="accent3"/>
-          </a:solidFill>
-        </p:spPr>
-        <p:txBody>
-          <a:bodyPr wrap="square" rtlCol="0">
-            <a:spAutoFit/>
-          </a:bodyPr>
-          <a:lstStyle/>
-          <a:p>
-            <a:r>
-              <a:rPr lang="en-US" dirty="0">
-                <a:solidFill>
-                  <a:schemeClr val="bg1"/>
-                </a:solidFill>
-              </a:rPr>
-              <a:t>docker pull </a:t>
-            </a:r>
-            <a:r>
-              <a:rPr lang="en-US" dirty="0" err="1">
-                <a:solidFill>
-                  <a:schemeClr val="bg1"/>
-                </a:solidFill>
-              </a:rPr>
-              <a:t>nginx</a:t>
-            </a:r>
-            <a:endParaRPr lang="en-US" dirty="0">
-              <a:solidFill>
-                <a:schemeClr val="bg1"/>
-              </a:solidFill>
-            </a:endParaRPr>
-          </a:p>
-        </p:txBody>
-      </p:sp>
-      <p:sp>
-        <p:nvSpPr>
-          <p:cNvPr id="7" name="TextBox 6">
-            <a:extLst>
-              <a:ext uri="{FF2B5EF4-FFF2-40B4-BE49-F238E27FC236}">
-                <a16:creationId xmlns:a16="http://schemas.microsoft.com/office/drawing/2014/main" id="{3C5D08B9-C7C5-0848-8834-47CF32EBD932}"/>
-              </a:ext>
-            </a:extLst>
-          </p:cNvPr>
-          <p:cNvSpPr txBox="1"/>
-          <p:nvPr/>
-        </p:nvSpPr>
-        <p:spPr>
-          <a:xfrm>
-            <a:off x="4841944" y="4335257"/>
-            <a:ext cx="6099858" cy="369332"/>
+        <p:spPr bwMode="auto">
+          <a:xfrm>
+            <a:off x="5943600" y="3276600"/>
+            <a:ext cx="304800" cy="304800"/>
           </a:xfrm>
           <a:prstGeom prst="rect">
             <a:avLst/>
           </a:prstGeom>
           <a:noFill/>
-        </p:spPr>
-        <p:txBody>
-          <a:bodyPr wrap="square">
-            <a:spAutoFit/>
+          <a:extLst>
+            <a:ext uri="{909E8E84-426E-40DD-AFC4-6F175D3DCCD1}">
+              <a14:hiddenFill xmlns:a14="http://schemas.microsoft.com/office/drawing/2010/main">
+                <a:solidFill>
+                  <a:srgbClr val="FFFFFF"/>
+                </a:solidFill>
+              </a14:hiddenFill>
+            </a:ext>
+          </a:extLst>
+        </p:spPr>
+        <p:txBody>
+          <a:bodyPr vert="horz" wrap="square" lIns="91440" tIns="45720" rIns="91440" bIns="45720" numCol="1" anchor="t" anchorCtr="0" compatLnSpc="1">
+            <a:prstTxWarp prst="textNoShape">
+              <a:avLst/>
+            </a:prstTxWarp>
           </a:bodyPr>
           <a:lstStyle/>
           <a:p>
-            <a:r>
-              <a:rPr lang="en-CR" dirty="0">
-                <a:hlinkClick r:id="rId2"/>
-              </a:rPr>
-              <a:t>https://hub.docker.com/</a:t>
-            </a:r>
-            <a:r>
-              <a:rPr lang="en-CR" dirty="0"/>
-              <a:t> </a:t>
-            </a:r>
+            <a:endParaRPr lang="en-CR"/>
+          </a:p>
+        </p:txBody>
+      </p:sp>
+      <p:sp>
+        <p:nvSpPr>
+          <p:cNvPr id="8" name="AutoShape 4" descr="Components of Kubernetes">
+            <a:extLst>
+              <a:ext uri="{FF2B5EF4-FFF2-40B4-BE49-F238E27FC236}">
+                <a16:creationId xmlns:a16="http://schemas.microsoft.com/office/drawing/2014/main" id="{C0F94324-8426-84FE-8A23-B9FE1BF3D35C}"/>
+              </a:ext>
+            </a:extLst>
+          </p:cNvPr>
+          <p:cNvSpPr>
+            <a:spLocks noChangeAspect="1" noChangeArrowheads="1"/>
+          </p:cNvSpPr>
+          <p:nvPr/>
+        </p:nvSpPr>
+        <p:spPr bwMode="auto">
+          <a:xfrm>
+            <a:off x="6095999" y="3428999"/>
+            <a:ext cx="3001701" cy="3001701"/>
+          </a:xfrm>
+          <a:prstGeom prst="rect">
+            <a:avLst/>
+          </a:prstGeom>
+          <a:noFill/>
+          <a:extLst>
+            <a:ext uri="{909E8E84-426E-40DD-AFC4-6F175D3DCCD1}">
+              <a14:hiddenFill xmlns:a14="http://schemas.microsoft.com/office/drawing/2010/main">
+                <a:solidFill>
+                  <a:srgbClr val="FFFFFF"/>
+                </a:solidFill>
+              </a14:hiddenFill>
+            </a:ext>
+          </a:extLst>
+        </p:spPr>
+        <p:txBody>
+          <a:bodyPr vert="horz" wrap="square" lIns="91440" tIns="45720" rIns="91440" bIns="45720" numCol="1" anchor="t" anchorCtr="0" compatLnSpc="1">
+            <a:prstTxWarp prst="textNoShape">
+              <a:avLst/>
+            </a:prstTxWarp>
+          </a:bodyPr>
+          <a:lstStyle/>
+          <a:p>
+            <a:endParaRPr lang="en-CR"/>
+          </a:p>
+        </p:txBody>
+      </p:sp>
+      <p:sp>
+        <p:nvSpPr>
+          <p:cNvPr id="6" name="AutoShape 2" descr="Storage options for applications in an Azure Kubernetes Services (AKS) cluster">
+            <a:extLst>
+              <a:ext uri="{FF2B5EF4-FFF2-40B4-BE49-F238E27FC236}">
+                <a16:creationId xmlns:a16="http://schemas.microsoft.com/office/drawing/2014/main" id="{80A2ABCA-4DB9-0B25-5DB7-70722CDEC7EE}"/>
+              </a:ext>
+            </a:extLst>
+          </p:cNvPr>
+          <p:cNvSpPr>
+            <a:spLocks noChangeAspect="1" noChangeArrowheads="1"/>
+          </p:cNvSpPr>
+          <p:nvPr/>
+        </p:nvSpPr>
+        <p:spPr bwMode="auto">
+          <a:xfrm>
+            <a:off x="6096000" y="3429000"/>
+            <a:ext cx="304800" cy="304800"/>
+          </a:xfrm>
+          <a:prstGeom prst="rect">
+            <a:avLst/>
+          </a:prstGeom>
+          <a:noFill/>
+          <a:extLst>
+            <a:ext uri="{909E8E84-426E-40DD-AFC4-6F175D3DCCD1}">
+              <a14:hiddenFill xmlns:a14="http://schemas.microsoft.com/office/drawing/2010/main">
+                <a:solidFill>
+                  <a:srgbClr val="FFFFFF"/>
+                </a:solidFill>
+              </a14:hiddenFill>
+            </a:ext>
+          </a:extLst>
+        </p:spPr>
+        <p:txBody>
+          <a:bodyPr vert="horz" wrap="square" lIns="91440" tIns="45720" rIns="91440" bIns="45720" numCol="1" anchor="t" anchorCtr="0" compatLnSpc="1">
+            <a:prstTxWarp prst="textNoShape">
+              <a:avLst/>
+            </a:prstTxWarp>
+          </a:bodyPr>
+          <a:lstStyle/>
+          <a:p>
+            <a:endParaRPr lang="en-CR"/>
           </a:p>
         </p:txBody>
       </p:sp>
     </p:spTree>
     <p:extLst>
       <p:ext uri="{BB962C8B-B14F-4D97-AF65-F5344CB8AC3E}">
-        <p14:creationId xmlns:p14="http://schemas.microsoft.com/office/powerpoint/2010/main" val="1486016608"/>
+        <p14:creationId xmlns:p14="http://schemas.microsoft.com/office/powerpoint/2010/main" val="3548817256"/>
       </p:ext>
     </p:extLst>
   </p:cSld>
@@ -6883,16 +8270,20 @@
             <p:ph type="title"/>
           </p:nvPr>
         </p:nvSpPr>
-        <p:spPr/>
+        <p:spPr>
+          <a:xfrm>
+            <a:off x="2383536" y="2545080"/>
+            <a:ext cx="7729728" cy="1188720"/>
+          </a:xfrm>
+        </p:spPr>
         <p:txBody>
           <a:bodyPr/>
           <a:lstStyle/>
           <a:p>
             <a:r>
-              <a:rPr lang="en-US" dirty="0"/>
-              <a:t>COMANDO: EXEC</a:t>
-            </a:r>
-            <a:endParaRPr lang="en-CR" dirty="0"/>
+              <a:rPr lang="en-CR" dirty="0"/>
+              <a:t>cASO DE ESTUDIO: KUBERNETES</a:t>
+            </a:r>
           </a:p>
         </p:txBody>
       </p:sp>
@@ -6928,184 +8319,98 @@
       </p:sp>
       <p:sp>
         <p:nvSpPr>
-          <p:cNvPr id="4" name="TextBox 3">
-            <a:extLst>
-              <a:ext uri="{FF2B5EF4-FFF2-40B4-BE49-F238E27FC236}">
-                <a16:creationId xmlns:a16="http://schemas.microsoft.com/office/drawing/2014/main" id="{149142E3-D6EC-3546-AC5B-B447B2244533}"/>
-              </a:ext>
-            </a:extLst>
-          </p:cNvPr>
-          <p:cNvSpPr txBox="1"/>
+          <p:cNvPr id="5" name="AutoShape 2" descr="Components of Kubernetes">
+            <a:extLst>
+              <a:ext uri="{FF2B5EF4-FFF2-40B4-BE49-F238E27FC236}">
+                <a16:creationId xmlns:a16="http://schemas.microsoft.com/office/drawing/2014/main" id="{148D9193-E497-08F5-450B-50F0915B88F6}"/>
+              </a:ext>
+            </a:extLst>
+          </p:cNvPr>
+          <p:cNvSpPr>
+            <a:spLocks noChangeAspect="1" noChangeArrowheads="1"/>
+          </p:cNvSpPr>
           <p:nvPr/>
         </p:nvSpPr>
-        <p:spPr>
-          <a:xfrm>
-            <a:off x="2231136" y="2708476"/>
-            <a:ext cx="7630494" cy="369332"/>
+        <p:spPr bwMode="auto">
+          <a:xfrm>
+            <a:off x="5943600" y="3276600"/>
+            <a:ext cx="304800" cy="304800"/>
           </a:xfrm>
           <a:prstGeom prst="rect">
             <a:avLst/>
           </a:prstGeom>
-          <a:solidFill>
-            <a:srgbClr val="002060"/>
-          </a:solidFill>
-        </p:spPr>
-        <p:txBody>
-          <a:bodyPr wrap="square" rtlCol="0">
-            <a:spAutoFit/>
+          <a:noFill/>
+          <a:extLst>
+            <a:ext uri="{909E8E84-426E-40DD-AFC4-6F175D3DCCD1}">
+              <a14:hiddenFill xmlns:a14="http://schemas.microsoft.com/office/drawing/2010/main">
+                <a:solidFill>
+                  <a:srgbClr val="FFFFFF"/>
+                </a:solidFill>
+              </a14:hiddenFill>
+            </a:ext>
+          </a:extLst>
+        </p:spPr>
+        <p:txBody>
+          <a:bodyPr vert="horz" wrap="square" lIns="91440" tIns="45720" rIns="91440" bIns="45720" numCol="1" anchor="t" anchorCtr="0" compatLnSpc="1">
+            <a:prstTxWarp prst="textNoShape">
+              <a:avLst/>
+            </a:prstTxWarp>
           </a:bodyPr>
           <a:lstStyle/>
           <a:p>
-            <a:r>
-              <a:rPr lang="en-US" dirty="0">
-                <a:solidFill>
-                  <a:schemeClr val="bg1"/>
-                </a:solidFill>
-              </a:rPr>
-              <a:t>d</a:t>
-            </a:r>
-            <a:r>
-              <a:rPr lang="en-CR" dirty="0">
-                <a:solidFill>
-                  <a:schemeClr val="bg1"/>
-                </a:solidFill>
-              </a:rPr>
-              <a:t>ocker exec &lt;container&gt; &lt;command&gt;</a:t>
-            </a:r>
-          </a:p>
-        </p:txBody>
-      </p:sp>
-      <p:sp>
-        <p:nvSpPr>
-          <p:cNvPr id="7" name="TextBox 6">
-            <a:extLst>
-              <a:ext uri="{FF2B5EF4-FFF2-40B4-BE49-F238E27FC236}">
-                <a16:creationId xmlns:a16="http://schemas.microsoft.com/office/drawing/2014/main" id="{2975A7F3-4B23-F844-8770-4BC3B31E51AB}"/>
-              </a:ext>
-            </a:extLst>
-          </p:cNvPr>
-          <p:cNvSpPr txBox="1"/>
+            <a:endParaRPr lang="en-CR"/>
+          </a:p>
+        </p:txBody>
+      </p:sp>
+      <p:sp>
+        <p:nvSpPr>
+          <p:cNvPr id="6" name="AutoShape 2" descr="Storage options for applications in an Azure Kubernetes Services (AKS) cluster">
+            <a:extLst>
+              <a:ext uri="{FF2B5EF4-FFF2-40B4-BE49-F238E27FC236}">
+                <a16:creationId xmlns:a16="http://schemas.microsoft.com/office/drawing/2014/main" id="{80A2ABCA-4DB9-0B25-5DB7-70722CDEC7EE}"/>
+              </a:ext>
+            </a:extLst>
+          </p:cNvPr>
+          <p:cNvSpPr>
+            <a:spLocks noChangeAspect="1" noChangeArrowheads="1"/>
+          </p:cNvSpPr>
           <p:nvPr/>
         </p:nvSpPr>
-        <p:spPr>
-          <a:xfrm>
-            <a:off x="2231136" y="3514115"/>
-            <a:ext cx="7630494" cy="1200329"/>
+        <p:spPr bwMode="auto">
+          <a:xfrm>
+            <a:off x="6096000" y="3429000"/>
+            <a:ext cx="304800" cy="304800"/>
           </a:xfrm>
           <a:prstGeom prst="rect">
             <a:avLst/>
           </a:prstGeom>
-          <a:solidFill>
-            <a:schemeClr val="accent3"/>
-          </a:solidFill>
-        </p:spPr>
-        <p:txBody>
-          <a:bodyPr wrap="square" rtlCol="0">
-            <a:spAutoFit/>
+          <a:noFill/>
+          <a:extLst>
+            <a:ext uri="{909E8E84-426E-40DD-AFC4-6F175D3DCCD1}">
+              <a14:hiddenFill xmlns:a14="http://schemas.microsoft.com/office/drawing/2010/main">
+                <a:solidFill>
+                  <a:srgbClr val="FFFFFF"/>
+                </a:solidFill>
+              </a14:hiddenFill>
+            </a:ext>
+          </a:extLst>
+        </p:spPr>
+        <p:txBody>
+          <a:bodyPr vert="horz" wrap="square" lIns="91440" tIns="45720" rIns="91440" bIns="45720" numCol="1" anchor="t" anchorCtr="0" compatLnSpc="1">
+            <a:prstTxWarp prst="textNoShape">
+              <a:avLst/>
+            </a:prstTxWarp>
           </a:bodyPr>
           <a:lstStyle/>
           <a:p>
-            <a:r>
-              <a:rPr lang="en-US" dirty="0">
-                <a:solidFill>
-                  <a:schemeClr val="bg1"/>
-                </a:solidFill>
-              </a:rPr>
-              <a:t>d</a:t>
-            </a:r>
-            <a:r>
-              <a:rPr lang="en-CR" dirty="0">
-                <a:solidFill>
-                  <a:schemeClr val="bg1"/>
-                </a:solidFill>
-              </a:rPr>
-              <a:t>ocker run ubuntu</a:t>
-            </a:r>
-          </a:p>
-          <a:p>
-            <a:r>
-              <a:rPr lang="en-US" dirty="0">
-                <a:solidFill>
-                  <a:schemeClr val="bg1"/>
-                </a:solidFill>
-              </a:rPr>
-              <a:t>d</a:t>
-            </a:r>
-            <a:r>
-              <a:rPr lang="en-CR" dirty="0">
-                <a:solidFill>
-                  <a:schemeClr val="bg1"/>
-                </a:solidFill>
-              </a:rPr>
-              <a:t>ocker run ubuntu cat /etc/hosts</a:t>
-            </a:r>
-          </a:p>
-          <a:p>
-            <a:r>
-              <a:rPr lang="en-US" dirty="0">
-                <a:solidFill>
-                  <a:schemeClr val="bg1"/>
-                </a:solidFill>
-              </a:rPr>
-              <a:t>d</a:t>
-            </a:r>
-            <a:r>
-              <a:rPr lang="en-CR" dirty="0">
-                <a:solidFill>
-                  <a:schemeClr val="bg1"/>
-                </a:solidFill>
-              </a:rPr>
-              <a:t>ocker run ubuntu sleep 5000</a:t>
-            </a:r>
-          </a:p>
-          <a:p>
-            <a:r>
-              <a:rPr lang="en-US" dirty="0">
-                <a:solidFill>
-                  <a:schemeClr val="bg1"/>
-                </a:solidFill>
-              </a:rPr>
-              <a:t>docker exec </a:t>
-            </a:r>
-            <a:r>
-              <a:rPr lang="en-US" dirty="0" err="1">
-                <a:solidFill>
-                  <a:schemeClr val="bg1"/>
-                </a:solidFill>
-              </a:rPr>
-              <a:t>exciting_hugle</a:t>
-            </a:r>
-            <a:r>
-              <a:rPr lang="en-US" dirty="0">
-                <a:solidFill>
-                  <a:schemeClr val="bg1"/>
-                </a:solidFill>
-              </a:rPr>
-              <a:t> cat /</a:t>
-            </a:r>
-            <a:r>
-              <a:rPr lang="en-US" dirty="0" err="1">
-                <a:solidFill>
-                  <a:schemeClr val="bg1"/>
-                </a:solidFill>
-              </a:rPr>
-              <a:t>etc</a:t>
-            </a:r>
-            <a:r>
-              <a:rPr lang="en-US" dirty="0">
-                <a:solidFill>
-                  <a:schemeClr val="bg1"/>
-                </a:solidFill>
-              </a:rPr>
-              <a:t>/hosts</a:t>
-            </a:r>
+            <a:endParaRPr lang="en-CR"/>
           </a:p>
         </p:txBody>
       </p:sp>
     </p:spTree>
     <p:extLst>
       <p:ext uri="{BB962C8B-B14F-4D97-AF65-F5344CB8AC3E}">
-        <p14:creationId xmlns:p14="http://schemas.microsoft.com/office/powerpoint/2010/main" val="3884495068"/>
+        <p14:creationId xmlns:p14="http://schemas.microsoft.com/office/powerpoint/2010/main" val="3422677584"/>
       </p:ext>
     </p:extLst>
   </p:cSld>
@@ -7148,20 +8453,20 @@
             <p:ph type="title"/>
           </p:nvPr>
         </p:nvSpPr>
-        <p:spPr/>
+        <p:spPr>
+          <a:xfrm>
+            <a:off x="2231136" y="658406"/>
+            <a:ext cx="7729728" cy="1188720"/>
+          </a:xfrm>
+        </p:spPr>
         <p:txBody>
           <a:bodyPr/>
           <a:lstStyle/>
           <a:p>
             <a:r>
-              <a:rPr lang="en-US" dirty="0"/>
-              <a:t>COMANDO: RUN con </a:t>
-            </a:r>
-            <a:r>
-              <a:rPr lang="en-US" dirty="0" err="1"/>
-              <a:t>etiquetas</a:t>
-            </a:r>
-            <a:endParaRPr lang="en-CR" dirty="0"/>
+              <a:rPr lang="en-CR" dirty="0"/>
+              <a:t>¿cómo seguir?</a:t>
+            </a:r>
           </a:p>
         </p:txBody>
       </p:sp>
@@ -7197,106 +8502,242 @@
       </p:sp>
       <p:sp>
         <p:nvSpPr>
-          <p:cNvPr id="4" name="TextBox 3">
-            <a:extLst>
-              <a:ext uri="{FF2B5EF4-FFF2-40B4-BE49-F238E27FC236}">
-                <a16:creationId xmlns:a16="http://schemas.microsoft.com/office/drawing/2014/main" id="{149142E3-D6EC-3546-AC5B-B447B2244533}"/>
-              </a:ext>
-            </a:extLst>
-          </p:cNvPr>
-          <p:cNvSpPr txBox="1"/>
+          <p:cNvPr id="5" name="AutoShape 2" descr="Components of Kubernetes">
+            <a:extLst>
+              <a:ext uri="{FF2B5EF4-FFF2-40B4-BE49-F238E27FC236}">
+                <a16:creationId xmlns:a16="http://schemas.microsoft.com/office/drawing/2014/main" id="{148D9193-E497-08F5-450B-50F0915B88F6}"/>
+              </a:ext>
+            </a:extLst>
+          </p:cNvPr>
+          <p:cNvSpPr>
+            <a:spLocks noChangeAspect="1" noChangeArrowheads="1"/>
+          </p:cNvSpPr>
           <p:nvPr/>
         </p:nvSpPr>
-        <p:spPr>
-          <a:xfrm>
-            <a:off x="2231136" y="2708476"/>
-            <a:ext cx="7630494" cy="369332"/>
+        <p:spPr bwMode="auto">
+          <a:xfrm>
+            <a:off x="5943600" y="3276600"/>
+            <a:ext cx="304800" cy="304800"/>
           </a:xfrm>
           <a:prstGeom prst="rect">
             <a:avLst/>
           </a:prstGeom>
-          <a:solidFill>
-            <a:srgbClr val="002060"/>
-          </a:solidFill>
-        </p:spPr>
-        <p:txBody>
-          <a:bodyPr wrap="square" rtlCol="0">
-            <a:spAutoFit/>
+          <a:noFill/>
+          <a:extLst>
+            <a:ext uri="{909E8E84-426E-40DD-AFC4-6F175D3DCCD1}">
+              <a14:hiddenFill xmlns:a14="http://schemas.microsoft.com/office/drawing/2010/main">
+                <a:solidFill>
+                  <a:srgbClr val="FFFFFF"/>
+                </a:solidFill>
+              </a14:hiddenFill>
+            </a:ext>
+          </a:extLst>
+        </p:spPr>
+        <p:txBody>
+          <a:bodyPr vert="horz" wrap="square" lIns="91440" tIns="45720" rIns="91440" bIns="45720" numCol="1" anchor="t" anchorCtr="0" compatLnSpc="1">
+            <a:prstTxWarp prst="textNoShape">
+              <a:avLst/>
+            </a:prstTxWarp>
           </a:bodyPr>
           <a:lstStyle/>
           <a:p>
-            <a:r>
-              <a:rPr lang="en-US" dirty="0">
-                <a:solidFill>
-                  <a:schemeClr val="bg1"/>
-                </a:solidFill>
-              </a:rPr>
-              <a:t>d</a:t>
-            </a:r>
-            <a:r>
-              <a:rPr lang="en-CR" dirty="0">
-                <a:solidFill>
-                  <a:schemeClr val="bg1"/>
-                </a:solidFill>
-              </a:rPr>
-              <a:t>ocker run &lt;image&gt;:&lt;tag&gt;</a:t>
-            </a:r>
-          </a:p>
-        </p:txBody>
-      </p:sp>
-      <p:sp>
-        <p:nvSpPr>
-          <p:cNvPr id="7" name="TextBox 6">
-            <a:extLst>
-              <a:ext uri="{FF2B5EF4-FFF2-40B4-BE49-F238E27FC236}">
-                <a16:creationId xmlns:a16="http://schemas.microsoft.com/office/drawing/2014/main" id="{2975A7F3-4B23-F844-8770-4BC3B31E51AB}"/>
-              </a:ext>
-            </a:extLst>
-          </p:cNvPr>
-          <p:cNvSpPr txBox="1"/>
+            <a:endParaRPr lang="en-CR"/>
+          </a:p>
+        </p:txBody>
+      </p:sp>
+      <p:sp>
+        <p:nvSpPr>
+          <p:cNvPr id="6" name="AutoShape 2" descr="Storage options for applications in an Azure Kubernetes Services (AKS) cluster">
+            <a:extLst>
+              <a:ext uri="{FF2B5EF4-FFF2-40B4-BE49-F238E27FC236}">
+                <a16:creationId xmlns:a16="http://schemas.microsoft.com/office/drawing/2014/main" id="{80A2ABCA-4DB9-0B25-5DB7-70722CDEC7EE}"/>
+              </a:ext>
+            </a:extLst>
+          </p:cNvPr>
+          <p:cNvSpPr>
+            <a:spLocks noChangeAspect="1" noChangeArrowheads="1"/>
+          </p:cNvSpPr>
           <p:nvPr/>
         </p:nvSpPr>
-        <p:spPr>
-          <a:xfrm>
-            <a:off x="2231136" y="3514115"/>
-            <a:ext cx="7630494" cy="369332"/>
+        <p:spPr bwMode="auto">
+          <a:xfrm>
+            <a:off x="6096000" y="3429000"/>
+            <a:ext cx="304800" cy="304800"/>
           </a:xfrm>
           <a:prstGeom prst="rect">
             <a:avLst/>
           </a:prstGeom>
-          <a:solidFill>
-            <a:schemeClr val="accent3"/>
-          </a:solidFill>
-        </p:spPr>
-        <p:txBody>
-          <a:bodyPr wrap="square" rtlCol="0">
+          <a:noFill/>
+          <a:extLst>
+            <a:ext uri="{909E8E84-426E-40DD-AFC4-6F175D3DCCD1}">
+              <a14:hiddenFill xmlns:a14="http://schemas.microsoft.com/office/drawing/2010/main">
+                <a:solidFill>
+                  <a:srgbClr val="FFFFFF"/>
+                </a:solidFill>
+              </a14:hiddenFill>
+            </a:ext>
+          </a:extLst>
+        </p:spPr>
+        <p:txBody>
+          <a:bodyPr vert="horz" wrap="square" lIns="91440" tIns="45720" rIns="91440" bIns="45720" numCol="1" anchor="t" anchorCtr="0" compatLnSpc="1">
+            <a:prstTxWarp prst="textNoShape">
+              <a:avLst/>
+            </a:prstTxWarp>
+          </a:bodyPr>
+          <a:lstStyle/>
+          <a:p>
+            <a:endParaRPr lang="en-CR"/>
+          </a:p>
+        </p:txBody>
+      </p:sp>
+      <p:pic>
+        <p:nvPicPr>
+          <p:cNvPr id="7" name="Graphic 6">
+            <a:extLst>
+              <a:ext uri="{FF2B5EF4-FFF2-40B4-BE49-F238E27FC236}">
+                <a16:creationId xmlns:a16="http://schemas.microsoft.com/office/drawing/2014/main" id="{AB2D3ABE-B9BA-04E6-8DAC-28B20604C5B1}"/>
+              </a:ext>
+            </a:extLst>
+          </p:cNvPr>
+          <p:cNvPicPr>
+            <a:picLocks noChangeAspect="1"/>
+          </p:cNvPicPr>
+          <p:nvPr/>
+        </p:nvPicPr>
+        <p:blipFill>
+          <a:blip r:embed="rId2">
+            <a:extLst>
+              <a:ext uri="{96DAC541-7B7A-43D3-8B79-37D633B846F1}">
+                <asvg:svgBlip xmlns:asvg="http://schemas.microsoft.com/office/drawing/2016/SVG/main" r:embed="rId3"/>
+              </a:ext>
+            </a:extLst>
+          </a:blip>
+          <a:stretch>
+            <a:fillRect/>
+          </a:stretch>
+        </p:blipFill>
+        <p:spPr>
+          <a:xfrm>
+            <a:off x="7820145" y="2197662"/>
+            <a:ext cx="2516047" cy="2462676"/>
+          </a:xfrm>
+          <a:prstGeom prst="rect">
+            <a:avLst/>
+          </a:prstGeom>
+        </p:spPr>
+      </p:pic>
+      <p:sp>
+        <p:nvSpPr>
+          <p:cNvPr id="9" name="TextBox 8">
+            <a:extLst>
+              <a:ext uri="{FF2B5EF4-FFF2-40B4-BE49-F238E27FC236}">
+                <a16:creationId xmlns:a16="http://schemas.microsoft.com/office/drawing/2014/main" id="{01C24F4D-3E33-3B44-590C-4D4ECA4AB6B8}"/>
+              </a:ext>
+            </a:extLst>
+          </p:cNvPr>
+          <p:cNvSpPr txBox="1"/>
+          <p:nvPr/>
+        </p:nvSpPr>
+        <p:spPr>
+          <a:xfrm>
+            <a:off x="7252261" y="4826208"/>
+            <a:ext cx="3651813" cy="369332"/>
+          </a:xfrm>
+          <a:prstGeom prst="rect">
+            <a:avLst/>
+          </a:prstGeom>
+          <a:noFill/>
+        </p:spPr>
+        <p:txBody>
+          <a:bodyPr wrap="square">
             <a:spAutoFit/>
           </a:bodyPr>
           <a:lstStyle/>
           <a:p>
             <a:r>
-              <a:rPr lang="en-US" dirty="0">
-                <a:solidFill>
-                  <a:schemeClr val="bg1"/>
-                </a:solidFill>
+              <a:rPr lang="en-CR" dirty="0">
+                <a:hlinkClick r:id="rId4"/>
               </a:rPr>
-              <a:t>d</a:t>
+              <a:t>https://www.cncf.io/certification/cka/</a:t>
+            </a:r>
+            <a:r>
+              <a:rPr lang="en-CR" dirty="0"/>
+              <a:t> </a:t>
+            </a:r>
+          </a:p>
+        </p:txBody>
+      </p:sp>
+      <p:pic>
+        <p:nvPicPr>
+          <p:cNvPr id="11" name="Picture 10">
+            <a:extLst>
+              <a:ext uri="{FF2B5EF4-FFF2-40B4-BE49-F238E27FC236}">
+                <a16:creationId xmlns:a16="http://schemas.microsoft.com/office/drawing/2014/main" id="{9B8B8AA4-AD21-3BF9-B9D4-D0357A542621}"/>
+              </a:ext>
+            </a:extLst>
+          </p:cNvPr>
+          <p:cNvPicPr>
+            <a:picLocks noChangeAspect="1"/>
+          </p:cNvPicPr>
+          <p:nvPr/>
+        </p:nvPicPr>
+        <p:blipFill>
+          <a:blip r:embed="rId5"/>
+          <a:stretch>
+            <a:fillRect/>
+          </a:stretch>
+        </p:blipFill>
+        <p:spPr>
+          <a:xfrm>
+            <a:off x="1173917" y="2673350"/>
+            <a:ext cx="3906904" cy="1816100"/>
+          </a:xfrm>
+          <a:prstGeom prst="rect">
+            <a:avLst/>
+          </a:prstGeom>
+        </p:spPr>
+      </p:pic>
+      <p:sp>
+        <p:nvSpPr>
+          <p:cNvPr id="13" name="TextBox 12">
+            <a:extLst>
+              <a:ext uri="{FF2B5EF4-FFF2-40B4-BE49-F238E27FC236}">
+                <a16:creationId xmlns:a16="http://schemas.microsoft.com/office/drawing/2014/main" id="{6313486A-996E-3CF7-7C67-A4A058CA16EF}"/>
+              </a:ext>
+            </a:extLst>
+          </p:cNvPr>
+          <p:cNvSpPr txBox="1"/>
+          <p:nvPr/>
+        </p:nvSpPr>
+        <p:spPr>
+          <a:xfrm>
+            <a:off x="700267" y="4826209"/>
+            <a:ext cx="5885727" cy="369332"/>
+          </a:xfrm>
+          <a:prstGeom prst="rect">
+            <a:avLst/>
+          </a:prstGeom>
+          <a:noFill/>
+        </p:spPr>
+        <p:txBody>
+          <a:bodyPr wrap="square">
+            <a:spAutoFit/>
+          </a:bodyPr>
+          <a:lstStyle/>
+          <a:p>
+            <a:r>
+              <a:rPr lang="en-CR" dirty="0"/>
+              <a:t> </a:t>
             </a:r>
             <a:r>
               <a:rPr lang="en-CR" dirty="0">
-                <a:solidFill>
-                  <a:schemeClr val="bg1"/>
-                </a:solidFill>
+                <a:hlinkClick r:id="rId6"/>
               </a:rPr>
-              <a:t>ocker run </a:t>
-            </a:r>
-            <a:r>
-              <a:rPr lang="en-US" dirty="0">
-                <a:solidFill>
-                  <a:schemeClr val="bg1"/>
-                </a:solidFill>
-              </a:rPr>
-              <a:t>redis:4.0</a:t>
+              <a:t>https://www.docker.com/blog/tag/docker-certified-associate/</a:t>
+            </a:r>
+            <a:r>
+              <a:rPr lang="en-CR" dirty="0"/>
+              <a:t> </a:t>
             </a:r>
           </a:p>
         </p:txBody>
@@ -7304,7 +8745,7 @@
     </p:spTree>
     <p:extLst>
       <p:ext uri="{BB962C8B-B14F-4D97-AF65-F5344CB8AC3E}">
-        <p14:creationId xmlns:p14="http://schemas.microsoft.com/office/powerpoint/2010/main" val="800998868"/>
+        <p14:creationId xmlns:p14="http://schemas.microsoft.com/office/powerpoint/2010/main" val="2179554447"/>
       </p:ext>
     </p:extLst>
   </p:cSld>
@@ -7347,28 +8788,20 @@
             <p:ph type="title"/>
           </p:nvPr>
         </p:nvSpPr>
-        <p:spPr/>
+        <p:spPr>
+          <a:xfrm>
+            <a:off x="2231136" y="658406"/>
+            <a:ext cx="7729728" cy="1188720"/>
+          </a:xfrm>
+        </p:spPr>
         <p:txBody>
           <a:bodyPr/>
           <a:lstStyle/>
           <a:p>
             <a:r>
-              <a:rPr lang="en-US" dirty="0"/>
-              <a:t>COMANDO: RUN con </a:t>
-            </a:r>
-            <a:r>
-              <a:rPr lang="en-US" dirty="0" err="1"/>
-              <a:t>mapeo</a:t>
-            </a:r>
-            <a:r>
-              <a:rPr lang="en-US" dirty="0"/>
-              <a:t> de </a:t>
-            </a:r>
-            <a:r>
-              <a:rPr lang="en-US" dirty="0" err="1"/>
-              <a:t>puestos</a:t>
-            </a:r>
-            <a:endParaRPr lang="en-CR" dirty="0"/>
+              <a:rPr lang="en-CR" dirty="0"/>
+              <a:t>¿cómo seguir?</a:t>
+            </a:r>
           </a:p>
         </p:txBody>
       </p:sp>
@@ -7404,975 +8837,22 @@
       </p:sp>
       <p:sp>
         <p:nvSpPr>
-          <p:cNvPr id="4" name="TextBox 3">
-            <a:extLst>
-              <a:ext uri="{FF2B5EF4-FFF2-40B4-BE49-F238E27FC236}">
-                <a16:creationId xmlns:a16="http://schemas.microsoft.com/office/drawing/2014/main" id="{149142E3-D6EC-3546-AC5B-B447B2244533}"/>
-              </a:ext>
-            </a:extLst>
-          </p:cNvPr>
-          <p:cNvSpPr txBox="1"/>
+          <p:cNvPr id="5" name="AutoShape 2" descr="Components of Kubernetes">
+            <a:extLst>
+              <a:ext uri="{FF2B5EF4-FFF2-40B4-BE49-F238E27FC236}">
+                <a16:creationId xmlns:a16="http://schemas.microsoft.com/office/drawing/2014/main" id="{148D9193-E497-08F5-450B-50F0915B88F6}"/>
+              </a:ext>
+            </a:extLst>
+          </p:cNvPr>
+          <p:cNvSpPr>
+            <a:spLocks noChangeAspect="1" noChangeArrowheads="1"/>
+          </p:cNvSpPr>
           <p:nvPr/>
         </p:nvSpPr>
-        <p:spPr>
-          <a:xfrm>
-            <a:off x="2231136" y="2708476"/>
-            <a:ext cx="7630494" cy="369332"/>
-          </a:xfrm>
-          <a:prstGeom prst="rect">
-            <a:avLst/>
-          </a:prstGeom>
-          <a:solidFill>
-            <a:srgbClr val="002060"/>
-          </a:solidFill>
-        </p:spPr>
-        <p:txBody>
-          <a:bodyPr wrap="square" rtlCol="0">
-            <a:spAutoFit/>
-          </a:bodyPr>
-          <a:lstStyle/>
-          <a:p>
-            <a:r>
-              <a:rPr lang="en-US" dirty="0">
-                <a:solidFill>
-                  <a:schemeClr val="bg1"/>
-                </a:solidFill>
-              </a:rPr>
-              <a:t>d</a:t>
-            </a:r>
-            <a:r>
-              <a:rPr lang="en-CR" dirty="0">
-                <a:solidFill>
-                  <a:schemeClr val="bg1"/>
-                </a:solidFill>
-              </a:rPr>
-              <a:t>ocker run -p external:internal &lt;image&gt;:&lt;tag&gt;</a:t>
-            </a:r>
-          </a:p>
-        </p:txBody>
-      </p:sp>
-      <p:sp>
-        <p:nvSpPr>
-          <p:cNvPr id="7" name="TextBox 6">
-            <a:extLst>
-              <a:ext uri="{FF2B5EF4-FFF2-40B4-BE49-F238E27FC236}">
-                <a16:creationId xmlns:a16="http://schemas.microsoft.com/office/drawing/2014/main" id="{2975A7F3-4B23-F844-8770-4BC3B31E51AB}"/>
-              </a:ext>
-            </a:extLst>
-          </p:cNvPr>
-          <p:cNvSpPr txBox="1"/>
-          <p:nvPr/>
-        </p:nvSpPr>
-        <p:spPr>
-          <a:xfrm>
-            <a:off x="2231136" y="3514115"/>
-            <a:ext cx="7630494" cy="369332"/>
-          </a:xfrm>
-          <a:prstGeom prst="rect">
-            <a:avLst/>
-          </a:prstGeom>
-          <a:solidFill>
-            <a:schemeClr val="accent3"/>
-          </a:solidFill>
-        </p:spPr>
-        <p:txBody>
-          <a:bodyPr wrap="square" rtlCol="0">
-            <a:spAutoFit/>
-          </a:bodyPr>
-          <a:lstStyle/>
-          <a:p>
-            <a:r>
-              <a:rPr lang="en-US" dirty="0">
-                <a:solidFill>
-                  <a:schemeClr val="bg1"/>
-                </a:solidFill>
-              </a:rPr>
-              <a:t>d</a:t>
-            </a:r>
-            <a:r>
-              <a:rPr lang="en-CR" dirty="0">
-                <a:solidFill>
-                  <a:schemeClr val="bg1"/>
-                </a:solidFill>
-              </a:rPr>
-              <a:t>ocker run -p</a:t>
-            </a:r>
-            <a:r>
-              <a:rPr lang="en-US" dirty="0">
-                <a:solidFill>
-                  <a:schemeClr val="bg1"/>
-                </a:solidFill>
-              </a:rPr>
-              <a:t>12345:5000 </a:t>
-            </a:r>
-            <a:r>
-              <a:rPr lang="en-US" dirty="0" err="1">
-                <a:solidFill>
-                  <a:schemeClr val="bg1"/>
-                </a:solidFill>
-              </a:rPr>
-              <a:t>kodekloud</a:t>
-            </a:r>
-            <a:r>
-              <a:rPr lang="en-US" dirty="0">
-                <a:solidFill>
-                  <a:schemeClr val="bg1"/>
-                </a:solidFill>
-              </a:rPr>
-              <a:t>/webapp </a:t>
-            </a:r>
-          </a:p>
-        </p:txBody>
-      </p:sp>
-    </p:spTree>
-    <p:extLst>
-      <p:ext uri="{BB962C8B-B14F-4D97-AF65-F5344CB8AC3E}">
-        <p14:creationId xmlns:p14="http://schemas.microsoft.com/office/powerpoint/2010/main" val="1592874515"/>
-      </p:ext>
-    </p:extLst>
-  </p:cSld>
-  <p:clrMapOvr>
-    <a:masterClrMapping/>
-  </p:clrMapOvr>
-</p:sld>
-</file>
-
-<file path=ppt/slides/slide25.xml><?xml version="1.0" encoding="utf-8"?>
-<p:sld xmlns:a="http://schemas.openxmlformats.org/drawingml/2006/main" xmlns:r="http://schemas.openxmlformats.org/officeDocument/2006/relationships" xmlns:p="http://schemas.openxmlformats.org/presentationml/2006/main">
-  <p:cSld>
-    <p:spTree>
-      <p:nvGrpSpPr>
-        <p:cNvPr id="1" name=""/>
-        <p:cNvGrpSpPr/>
-        <p:nvPr/>
-      </p:nvGrpSpPr>
-      <p:grpSpPr>
-        <a:xfrm>
-          <a:off x="0" y="0"/>
-          <a:ext cx="0" cy="0"/>
-          <a:chOff x="0" y="0"/>
-          <a:chExt cx="0" cy="0"/>
-        </a:xfrm>
-      </p:grpSpPr>
-      <p:sp>
-        <p:nvSpPr>
-          <p:cNvPr id="2" name="Title 1">
-            <a:extLst>
-              <a:ext uri="{FF2B5EF4-FFF2-40B4-BE49-F238E27FC236}">
-                <a16:creationId xmlns:a16="http://schemas.microsoft.com/office/drawing/2014/main" id="{5FCAE98A-1FA7-F640-BC7F-9C11658500D7}"/>
-              </a:ext>
-            </a:extLst>
-          </p:cNvPr>
-          <p:cNvSpPr>
-            <a:spLocks noGrp="1"/>
-          </p:cNvSpPr>
-          <p:nvPr>
-            <p:ph type="title"/>
-          </p:nvPr>
-        </p:nvSpPr>
-        <p:spPr/>
-        <p:txBody>
-          <a:bodyPr/>
-          <a:lstStyle/>
-          <a:p>
-            <a:r>
-              <a:rPr lang="en-US" dirty="0"/>
-              <a:t>COMANDO: RUN con </a:t>
-            </a:r>
-            <a:r>
-              <a:rPr lang="en-US" dirty="0" err="1"/>
-              <a:t>mapeo</a:t>
-            </a:r>
-            <a:r>
-              <a:rPr lang="en-US" dirty="0"/>
-              <a:t> de VOLUMENS</a:t>
-            </a:r>
-            <a:endParaRPr lang="en-CR" dirty="0"/>
-          </a:p>
-        </p:txBody>
-      </p:sp>
-      <p:sp>
-        <p:nvSpPr>
-          <p:cNvPr id="3" name="Slide Number Placeholder 2">
-            <a:extLst>
-              <a:ext uri="{FF2B5EF4-FFF2-40B4-BE49-F238E27FC236}">
-                <a16:creationId xmlns:a16="http://schemas.microsoft.com/office/drawing/2014/main" id="{1DECACD6-7120-4E4A-BB11-C58BCD3D0F9A}"/>
-              </a:ext>
-            </a:extLst>
-          </p:cNvPr>
-          <p:cNvSpPr>
-            <a:spLocks noGrp="1"/>
-          </p:cNvSpPr>
-          <p:nvPr>
-            <p:ph type="sldNum" sz="quarter" idx="12"/>
-          </p:nvPr>
-        </p:nvSpPr>
-        <p:spPr/>
-        <p:txBody>
-          <a:bodyPr/>
-          <a:lstStyle/>
-          <a:p>
-            <a:fld id="{4FAB73BC-B049-4115-A692-8D63A059BFB8}" type="slidenum">
-              <a:rPr lang="en-US" smtClean="0"/>
-              <a:pPr/>
-              <a:t>25</a:t>
-            </a:fld>
-            <a:endParaRPr lang="en-US" dirty="0"/>
-          </a:p>
-        </p:txBody>
-      </p:sp>
-      <p:sp>
-        <p:nvSpPr>
-          <p:cNvPr id="4" name="TextBox 3">
-            <a:extLst>
-              <a:ext uri="{FF2B5EF4-FFF2-40B4-BE49-F238E27FC236}">
-                <a16:creationId xmlns:a16="http://schemas.microsoft.com/office/drawing/2014/main" id="{149142E3-D6EC-3546-AC5B-B447B2244533}"/>
-              </a:ext>
-            </a:extLst>
-          </p:cNvPr>
-          <p:cNvSpPr txBox="1"/>
-          <p:nvPr/>
-        </p:nvSpPr>
-        <p:spPr>
-          <a:xfrm>
-            <a:off x="2231136" y="2708476"/>
-            <a:ext cx="7630494" cy="369332"/>
-          </a:xfrm>
-          <a:prstGeom prst="rect">
-            <a:avLst/>
-          </a:prstGeom>
-          <a:solidFill>
-            <a:srgbClr val="002060"/>
-          </a:solidFill>
-        </p:spPr>
-        <p:txBody>
-          <a:bodyPr wrap="square" rtlCol="0">
-            <a:spAutoFit/>
-          </a:bodyPr>
-          <a:lstStyle/>
-          <a:p>
-            <a:r>
-              <a:rPr lang="en-US" dirty="0">
-                <a:solidFill>
-                  <a:schemeClr val="bg1"/>
-                </a:solidFill>
-              </a:rPr>
-              <a:t>d</a:t>
-            </a:r>
-            <a:r>
-              <a:rPr lang="en-CR" dirty="0">
-                <a:solidFill>
-                  <a:schemeClr val="bg1"/>
-                </a:solidFill>
-              </a:rPr>
-              <a:t>ocker run -v dir_externo/dir_interno &lt;image&gt;:&lt;tag&gt; </a:t>
-            </a:r>
-          </a:p>
-        </p:txBody>
-      </p:sp>
-      <p:sp>
-        <p:nvSpPr>
-          <p:cNvPr id="7" name="TextBox 6">
-            <a:extLst>
-              <a:ext uri="{FF2B5EF4-FFF2-40B4-BE49-F238E27FC236}">
-                <a16:creationId xmlns:a16="http://schemas.microsoft.com/office/drawing/2014/main" id="{2975A7F3-4B23-F844-8770-4BC3B31E51AB}"/>
-              </a:ext>
-            </a:extLst>
-          </p:cNvPr>
-          <p:cNvSpPr txBox="1"/>
-          <p:nvPr/>
-        </p:nvSpPr>
-        <p:spPr>
-          <a:xfrm>
-            <a:off x="233423" y="3455900"/>
-            <a:ext cx="11725154" cy="353943"/>
-          </a:xfrm>
-          <a:prstGeom prst="rect">
-            <a:avLst/>
-          </a:prstGeom>
-          <a:solidFill>
-            <a:schemeClr val="accent3"/>
-          </a:solidFill>
-        </p:spPr>
-        <p:txBody>
-          <a:bodyPr wrap="square" rtlCol="0">
-            <a:spAutoFit/>
-          </a:bodyPr>
-          <a:lstStyle/>
-          <a:p>
-            <a:r>
-              <a:rPr lang="en-US" sz="1700" dirty="0" err="1">
-                <a:solidFill>
-                  <a:schemeClr val="bg1"/>
-                </a:solidFill>
-              </a:rPr>
-              <a:t>sudo</a:t>
-            </a:r>
-            <a:r>
-              <a:rPr lang="en-US" sz="1700" dirty="0">
-                <a:solidFill>
-                  <a:schemeClr val="bg1"/>
-                </a:solidFill>
-              </a:rPr>
-              <a:t> docker run -v /Users/jpmacprom1/</a:t>
-            </a:r>
-            <a:r>
-              <a:rPr lang="en-US" sz="1700" dirty="0" err="1">
-                <a:solidFill>
-                  <a:schemeClr val="bg1"/>
-                </a:solidFill>
-              </a:rPr>
-              <a:t>mysql_volumen</a:t>
-            </a:r>
-            <a:r>
-              <a:rPr lang="en-US" sz="1700" dirty="0">
-                <a:solidFill>
-                  <a:schemeClr val="bg1"/>
-                </a:solidFill>
-              </a:rPr>
-              <a:t>:/var/lib/</a:t>
-            </a:r>
-            <a:r>
-              <a:rPr lang="en-US" sz="1700" dirty="0" err="1">
-                <a:solidFill>
-                  <a:schemeClr val="bg1"/>
-                </a:solidFill>
-              </a:rPr>
-              <a:t>mysql</a:t>
-            </a:r>
-            <a:r>
-              <a:rPr lang="en-US" sz="1700" dirty="0">
-                <a:solidFill>
-                  <a:schemeClr val="bg1"/>
-                </a:solidFill>
-              </a:rPr>
-              <a:t> -e MYSQL_ROOT_PASSWORD=my-secret-pw </a:t>
-            </a:r>
-            <a:r>
-              <a:rPr lang="en-US" sz="1700" dirty="0" err="1">
-                <a:solidFill>
-                  <a:schemeClr val="bg1"/>
-                </a:solidFill>
-              </a:rPr>
-              <a:t>mysql</a:t>
-            </a:r>
-            <a:endParaRPr lang="en-US" sz="1700" dirty="0">
-              <a:solidFill>
-                <a:schemeClr val="bg1"/>
-              </a:solidFill>
-            </a:endParaRPr>
-          </a:p>
-        </p:txBody>
-      </p:sp>
-    </p:spTree>
-    <p:extLst>
-      <p:ext uri="{BB962C8B-B14F-4D97-AF65-F5344CB8AC3E}">
-        <p14:creationId xmlns:p14="http://schemas.microsoft.com/office/powerpoint/2010/main" val="3844089581"/>
-      </p:ext>
-    </p:extLst>
-  </p:cSld>
-  <p:clrMapOvr>
-    <a:masterClrMapping/>
-  </p:clrMapOvr>
-</p:sld>
-</file>
-
-<file path=ppt/slides/slide26.xml><?xml version="1.0" encoding="utf-8"?>
-<p:sld xmlns:a="http://schemas.openxmlformats.org/drawingml/2006/main" xmlns:r="http://schemas.openxmlformats.org/officeDocument/2006/relationships" xmlns:p="http://schemas.openxmlformats.org/presentationml/2006/main">
-  <p:cSld>
-    <p:spTree>
-      <p:nvGrpSpPr>
-        <p:cNvPr id="1" name=""/>
-        <p:cNvGrpSpPr/>
-        <p:nvPr/>
-      </p:nvGrpSpPr>
-      <p:grpSpPr>
-        <a:xfrm>
-          <a:off x="0" y="0"/>
-          <a:ext cx="0" cy="0"/>
-          <a:chOff x="0" y="0"/>
-          <a:chExt cx="0" cy="0"/>
-        </a:xfrm>
-      </p:grpSpPr>
-      <p:sp>
-        <p:nvSpPr>
-          <p:cNvPr id="2" name="Title 1">
-            <a:extLst>
-              <a:ext uri="{FF2B5EF4-FFF2-40B4-BE49-F238E27FC236}">
-                <a16:creationId xmlns:a16="http://schemas.microsoft.com/office/drawing/2014/main" id="{5FCAE98A-1FA7-F640-BC7F-9C11658500D7}"/>
-              </a:ext>
-            </a:extLst>
-          </p:cNvPr>
-          <p:cNvSpPr>
-            <a:spLocks noGrp="1"/>
-          </p:cNvSpPr>
-          <p:nvPr>
-            <p:ph type="title"/>
-          </p:nvPr>
-        </p:nvSpPr>
-        <p:spPr/>
-        <p:txBody>
-          <a:bodyPr/>
-          <a:lstStyle/>
-          <a:p>
-            <a:r>
-              <a:rPr lang="en-US" dirty="0"/>
-              <a:t>COMANDO: RUN con </a:t>
-            </a:r>
-            <a:r>
-              <a:rPr lang="en-US" dirty="0" err="1"/>
-              <a:t>nombe</a:t>
-            </a:r>
-            <a:endParaRPr lang="en-CR" dirty="0"/>
-          </a:p>
-        </p:txBody>
-      </p:sp>
-      <p:sp>
-        <p:nvSpPr>
-          <p:cNvPr id="3" name="Slide Number Placeholder 2">
-            <a:extLst>
-              <a:ext uri="{FF2B5EF4-FFF2-40B4-BE49-F238E27FC236}">
-                <a16:creationId xmlns:a16="http://schemas.microsoft.com/office/drawing/2014/main" id="{1DECACD6-7120-4E4A-BB11-C58BCD3D0F9A}"/>
-              </a:ext>
-            </a:extLst>
-          </p:cNvPr>
-          <p:cNvSpPr>
-            <a:spLocks noGrp="1"/>
-          </p:cNvSpPr>
-          <p:nvPr>
-            <p:ph type="sldNum" sz="quarter" idx="12"/>
-          </p:nvPr>
-        </p:nvSpPr>
-        <p:spPr/>
-        <p:txBody>
-          <a:bodyPr/>
-          <a:lstStyle/>
-          <a:p>
-            <a:fld id="{4FAB73BC-B049-4115-A692-8D63A059BFB8}" type="slidenum">
-              <a:rPr lang="en-US" smtClean="0"/>
-              <a:pPr/>
-              <a:t>26</a:t>
-            </a:fld>
-            <a:endParaRPr lang="en-US" dirty="0"/>
-          </a:p>
-        </p:txBody>
-      </p:sp>
-      <p:sp>
-        <p:nvSpPr>
-          <p:cNvPr id="4" name="TextBox 3">
-            <a:extLst>
-              <a:ext uri="{FF2B5EF4-FFF2-40B4-BE49-F238E27FC236}">
-                <a16:creationId xmlns:a16="http://schemas.microsoft.com/office/drawing/2014/main" id="{149142E3-D6EC-3546-AC5B-B447B2244533}"/>
-              </a:ext>
-            </a:extLst>
-          </p:cNvPr>
-          <p:cNvSpPr txBox="1"/>
-          <p:nvPr/>
-        </p:nvSpPr>
-        <p:spPr>
-          <a:xfrm>
-            <a:off x="2231136" y="2708476"/>
-            <a:ext cx="7630494" cy="369332"/>
-          </a:xfrm>
-          <a:prstGeom prst="rect">
-            <a:avLst/>
-          </a:prstGeom>
-          <a:solidFill>
-            <a:srgbClr val="002060"/>
-          </a:solidFill>
-        </p:spPr>
-        <p:txBody>
-          <a:bodyPr wrap="square" rtlCol="0">
-            <a:spAutoFit/>
-          </a:bodyPr>
-          <a:lstStyle/>
-          <a:p>
-            <a:r>
-              <a:rPr lang="en-US" dirty="0">
-                <a:solidFill>
-                  <a:schemeClr val="bg1"/>
-                </a:solidFill>
-              </a:rPr>
-              <a:t>d</a:t>
-            </a:r>
-            <a:r>
-              <a:rPr lang="en-CR" dirty="0">
-                <a:solidFill>
-                  <a:schemeClr val="bg1"/>
-                </a:solidFill>
-              </a:rPr>
-              <a:t>ocker run &lt;image&gt;:&lt;tag&gt; --name &lt;name&gt;</a:t>
-            </a:r>
-          </a:p>
-        </p:txBody>
-      </p:sp>
-      <p:sp>
-        <p:nvSpPr>
-          <p:cNvPr id="7" name="TextBox 6">
-            <a:extLst>
-              <a:ext uri="{FF2B5EF4-FFF2-40B4-BE49-F238E27FC236}">
-                <a16:creationId xmlns:a16="http://schemas.microsoft.com/office/drawing/2014/main" id="{2975A7F3-4B23-F844-8770-4BC3B31E51AB}"/>
-              </a:ext>
-            </a:extLst>
-          </p:cNvPr>
-          <p:cNvSpPr txBox="1"/>
-          <p:nvPr/>
-        </p:nvSpPr>
-        <p:spPr>
-          <a:xfrm>
-            <a:off x="2231136" y="3514115"/>
-            <a:ext cx="7630494" cy="369332"/>
-          </a:xfrm>
-          <a:prstGeom prst="rect">
-            <a:avLst/>
-          </a:prstGeom>
-          <a:solidFill>
-            <a:schemeClr val="accent3"/>
-          </a:solidFill>
-        </p:spPr>
-        <p:txBody>
-          <a:bodyPr wrap="square" rtlCol="0">
-            <a:spAutoFit/>
-          </a:bodyPr>
-          <a:lstStyle/>
-          <a:p>
-            <a:r>
-              <a:rPr lang="en-US" dirty="0">
-                <a:solidFill>
-                  <a:schemeClr val="bg1"/>
-                </a:solidFill>
-              </a:rPr>
-              <a:t>docker run </a:t>
-            </a:r>
-            <a:r>
-              <a:rPr lang="en-US" dirty="0" err="1">
-                <a:solidFill>
-                  <a:schemeClr val="bg1"/>
-                </a:solidFill>
-              </a:rPr>
-              <a:t>mysql</a:t>
-            </a:r>
-            <a:r>
-              <a:rPr lang="en-US" dirty="0">
-                <a:solidFill>
-                  <a:schemeClr val="bg1"/>
-                </a:solidFill>
-              </a:rPr>
-              <a:t> --name </a:t>
-            </a:r>
-            <a:r>
-              <a:rPr lang="en-US" dirty="0" err="1">
-                <a:solidFill>
-                  <a:schemeClr val="bg1"/>
-                </a:solidFill>
-              </a:rPr>
-              <a:t>mysql_server</a:t>
-            </a:r>
-            <a:r>
-              <a:rPr lang="en-US" dirty="0">
-                <a:solidFill>
-                  <a:schemeClr val="bg1"/>
-                </a:solidFill>
-              </a:rPr>
-              <a:t> </a:t>
-            </a:r>
-          </a:p>
-        </p:txBody>
-      </p:sp>
-    </p:spTree>
-    <p:extLst>
-      <p:ext uri="{BB962C8B-B14F-4D97-AF65-F5344CB8AC3E}">
-        <p14:creationId xmlns:p14="http://schemas.microsoft.com/office/powerpoint/2010/main" val="3420251463"/>
-      </p:ext>
-    </p:extLst>
-  </p:cSld>
-  <p:clrMapOvr>
-    <a:masterClrMapping/>
-  </p:clrMapOvr>
-</p:sld>
-</file>
-
-<file path=ppt/slides/slide27.xml><?xml version="1.0" encoding="utf-8"?>
-<p:sld xmlns:a="http://schemas.openxmlformats.org/drawingml/2006/main" xmlns:r="http://schemas.openxmlformats.org/officeDocument/2006/relationships" xmlns:p="http://schemas.openxmlformats.org/presentationml/2006/main">
-  <p:cSld>
-    <p:spTree>
-      <p:nvGrpSpPr>
-        <p:cNvPr id="1" name=""/>
-        <p:cNvGrpSpPr/>
-        <p:nvPr/>
-      </p:nvGrpSpPr>
-      <p:grpSpPr>
-        <a:xfrm>
-          <a:off x="0" y="0"/>
-          <a:ext cx="0" cy="0"/>
-          <a:chOff x="0" y="0"/>
-          <a:chExt cx="0" cy="0"/>
-        </a:xfrm>
-      </p:grpSpPr>
-      <p:sp>
-        <p:nvSpPr>
-          <p:cNvPr id="2" name="Title 1">
-            <a:extLst>
-              <a:ext uri="{FF2B5EF4-FFF2-40B4-BE49-F238E27FC236}">
-                <a16:creationId xmlns:a16="http://schemas.microsoft.com/office/drawing/2014/main" id="{5FCAE98A-1FA7-F640-BC7F-9C11658500D7}"/>
-              </a:ext>
-            </a:extLst>
-          </p:cNvPr>
-          <p:cNvSpPr>
-            <a:spLocks noGrp="1"/>
-          </p:cNvSpPr>
-          <p:nvPr>
-            <p:ph type="title"/>
-          </p:nvPr>
-        </p:nvSpPr>
-        <p:spPr/>
-        <p:txBody>
-          <a:bodyPr/>
-          <a:lstStyle/>
-          <a:p>
-            <a:r>
-              <a:rPr lang="en-US" dirty="0"/>
-              <a:t>COMANDO: LOGS</a:t>
-            </a:r>
-            <a:endParaRPr lang="en-CR" dirty="0"/>
-          </a:p>
-        </p:txBody>
-      </p:sp>
-      <p:sp>
-        <p:nvSpPr>
-          <p:cNvPr id="3" name="Slide Number Placeholder 2">
-            <a:extLst>
-              <a:ext uri="{FF2B5EF4-FFF2-40B4-BE49-F238E27FC236}">
-                <a16:creationId xmlns:a16="http://schemas.microsoft.com/office/drawing/2014/main" id="{1DECACD6-7120-4E4A-BB11-C58BCD3D0F9A}"/>
-              </a:ext>
-            </a:extLst>
-          </p:cNvPr>
-          <p:cNvSpPr>
-            <a:spLocks noGrp="1"/>
-          </p:cNvSpPr>
-          <p:nvPr>
-            <p:ph type="sldNum" sz="quarter" idx="12"/>
-          </p:nvPr>
-        </p:nvSpPr>
-        <p:spPr/>
-        <p:txBody>
-          <a:bodyPr/>
-          <a:lstStyle/>
-          <a:p>
-            <a:fld id="{4FAB73BC-B049-4115-A692-8D63A059BFB8}" type="slidenum">
-              <a:rPr lang="en-US" smtClean="0"/>
-              <a:pPr/>
-              <a:t>27</a:t>
-            </a:fld>
-            <a:endParaRPr lang="en-US" dirty="0"/>
-          </a:p>
-        </p:txBody>
-      </p:sp>
-      <p:sp>
-        <p:nvSpPr>
-          <p:cNvPr id="4" name="TextBox 3">
-            <a:extLst>
-              <a:ext uri="{FF2B5EF4-FFF2-40B4-BE49-F238E27FC236}">
-                <a16:creationId xmlns:a16="http://schemas.microsoft.com/office/drawing/2014/main" id="{149142E3-D6EC-3546-AC5B-B447B2244533}"/>
-              </a:ext>
-            </a:extLst>
-          </p:cNvPr>
-          <p:cNvSpPr txBox="1"/>
-          <p:nvPr/>
-        </p:nvSpPr>
-        <p:spPr>
-          <a:xfrm>
-            <a:off x="2231136" y="2708476"/>
-            <a:ext cx="7630494" cy="369332"/>
-          </a:xfrm>
-          <a:prstGeom prst="rect">
-            <a:avLst/>
-          </a:prstGeom>
-          <a:solidFill>
-            <a:srgbClr val="002060"/>
-          </a:solidFill>
-        </p:spPr>
-        <p:txBody>
-          <a:bodyPr wrap="square" rtlCol="0">
-            <a:spAutoFit/>
-          </a:bodyPr>
-          <a:lstStyle/>
-          <a:p>
-            <a:r>
-              <a:rPr lang="en-US" dirty="0">
-                <a:solidFill>
-                  <a:schemeClr val="bg1"/>
-                </a:solidFill>
-              </a:rPr>
-              <a:t>d</a:t>
-            </a:r>
-            <a:r>
-              <a:rPr lang="en-CR" dirty="0">
-                <a:solidFill>
-                  <a:schemeClr val="bg1"/>
-                </a:solidFill>
-              </a:rPr>
-              <a:t>ocker logs &lt;container_name&gt;</a:t>
-            </a:r>
-          </a:p>
-        </p:txBody>
-      </p:sp>
-      <p:sp>
-        <p:nvSpPr>
-          <p:cNvPr id="7" name="TextBox 6">
-            <a:extLst>
-              <a:ext uri="{FF2B5EF4-FFF2-40B4-BE49-F238E27FC236}">
-                <a16:creationId xmlns:a16="http://schemas.microsoft.com/office/drawing/2014/main" id="{2975A7F3-4B23-F844-8770-4BC3B31E51AB}"/>
-              </a:ext>
-            </a:extLst>
-          </p:cNvPr>
-          <p:cNvSpPr txBox="1"/>
-          <p:nvPr/>
-        </p:nvSpPr>
-        <p:spPr>
-          <a:xfrm>
-            <a:off x="2231136" y="3514115"/>
-            <a:ext cx="7630494" cy="369332"/>
-          </a:xfrm>
-          <a:prstGeom prst="rect">
-            <a:avLst/>
-          </a:prstGeom>
-          <a:solidFill>
-            <a:schemeClr val="accent3"/>
-          </a:solidFill>
-        </p:spPr>
-        <p:txBody>
-          <a:bodyPr wrap="square" rtlCol="0">
-            <a:spAutoFit/>
-          </a:bodyPr>
-          <a:lstStyle/>
-          <a:p>
-            <a:r>
-              <a:rPr lang="en-US" dirty="0">
-                <a:solidFill>
-                  <a:schemeClr val="bg1"/>
-                </a:solidFill>
-              </a:rPr>
-              <a:t>docker logs </a:t>
-            </a:r>
-            <a:r>
-              <a:rPr lang="en-US" dirty="0" err="1">
-                <a:solidFill>
-                  <a:schemeClr val="bg1"/>
-                </a:solidFill>
-              </a:rPr>
-              <a:t>mysql_server</a:t>
-            </a:r>
-            <a:r>
-              <a:rPr lang="en-US" dirty="0">
-                <a:solidFill>
-                  <a:schemeClr val="bg1"/>
-                </a:solidFill>
-              </a:rPr>
-              <a:t> </a:t>
-            </a:r>
-          </a:p>
-        </p:txBody>
-      </p:sp>
-    </p:spTree>
-    <p:extLst>
-      <p:ext uri="{BB962C8B-B14F-4D97-AF65-F5344CB8AC3E}">
-        <p14:creationId xmlns:p14="http://schemas.microsoft.com/office/powerpoint/2010/main" val="2349707175"/>
-      </p:ext>
-    </p:extLst>
-  </p:cSld>
-  <p:clrMapOvr>
-    <a:masterClrMapping/>
-  </p:clrMapOvr>
-</p:sld>
-</file>
-
-<file path=ppt/slides/slide28.xml><?xml version="1.0" encoding="utf-8"?>
-<p:sld xmlns:a="http://schemas.openxmlformats.org/drawingml/2006/main" xmlns:r="http://schemas.openxmlformats.org/officeDocument/2006/relationships" xmlns:p="http://schemas.openxmlformats.org/presentationml/2006/main">
-  <p:cSld>
-    <p:spTree>
-      <p:nvGrpSpPr>
-        <p:cNvPr id="1" name=""/>
-        <p:cNvGrpSpPr/>
-        <p:nvPr/>
-      </p:nvGrpSpPr>
-      <p:grpSpPr>
-        <a:xfrm>
-          <a:off x="0" y="0"/>
-          <a:ext cx="0" cy="0"/>
-          <a:chOff x="0" y="0"/>
-          <a:chExt cx="0" cy="0"/>
-        </a:xfrm>
-      </p:grpSpPr>
-      <p:sp>
-        <p:nvSpPr>
-          <p:cNvPr id="2" name="Title 1">
-            <a:extLst>
-              <a:ext uri="{FF2B5EF4-FFF2-40B4-BE49-F238E27FC236}">
-                <a16:creationId xmlns:a16="http://schemas.microsoft.com/office/drawing/2014/main" id="{5FCAE98A-1FA7-F640-BC7F-9C11658500D7}"/>
-              </a:ext>
-            </a:extLst>
-          </p:cNvPr>
-          <p:cNvSpPr>
-            <a:spLocks noGrp="1"/>
-          </p:cNvSpPr>
-          <p:nvPr>
-            <p:ph type="title"/>
-          </p:nvPr>
-        </p:nvSpPr>
-        <p:spPr/>
-        <p:txBody>
-          <a:bodyPr/>
-          <a:lstStyle/>
-          <a:p>
-            <a:r>
-              <a:rPr lang="en-US" dirty="0"/>
-              <a:t>Docker build kit</a:t>
-            </a:r>
-            <a:endParaRPr lang="en-CR" dirty="0"/>
-          </a:p>
-        </p:txBody>
-      </p:sp>
-      <p:sp>
-        <p:nvSpPr>
-          <p:cNvPr id="3" name="Slide Number Placeholder 2">
-            <a:extLst>
-              <a:ext uri="{FF2B5EF4-FFF2-40B4-BE49-F238E27FC236}">
-                <a16:creationId xmlns:a16="http://schemas.microsoft.com/office/drawing/2014/main" id="{1DECACD6-7120-4E4A-BB11-C58BCD3D0F9A}"/>
-              </a:ext>
-            </a:extLst>
-          </p:cNvPr>
-          <p:cNvSpPr>
-            <a:spLocks noGrp="1"/>
-          </p:cNvSpPr>
-          <p:nvPr>
-            <p:ph type="sldNum" sz="quarter" idx="12"/>
-          </p:nvPr>
-        </p:nvSpPr>
-        <p:spPr/>
-        <p:txBody>
-          <a:bodyPr/>
-          <a:lstStyle/>
-          <a:p>
-            <a:fld id="{4FAB73BC-B049-4115-A692-8D63A059BFB8}" type="slidenum">
-              <a:rPr lang="en-US" smtClean="0"/>
-              <a:pPr/>
-              <a:t>28</a:t>
-            </a:fld>
-            <a:endParaRPr lang="en-US" dirty="0"/>
-          </a:p>
-        </p:txBody>
-      </p:sp>
-      <p:sp>
-        <p:nvSpPr>
-          <p:cNvPr id="4" name="TextBox 3">
-            <a:extLst>
-              <a:ext uri="{FF2B5EF4-FFF2-40B4-BE49-F238E27FC236}">
-                <a16:creationId xmlns:a16="http://schemas.microsoft.com/office/drawing/2014/main" id="{DAD0A73E-BB2B-4D41-8529-C5C2D3838AE0}"/>
-              </a:ext>
-            </a:extLst>
-          </p:cNvPr>
-          <p:cNvSpPr txBox="1"/>
-          <p:nvPr/>
-        </p:nvSpPr>
-        <p:spPr>
-          <a:xfrm>
-            <a:off x="945267" y="2828835"/>
-            <a:ext cx="5150733" cy="1477328"/>
-          </a:xfrm>
-          <a:prstGeom prst="rect">
-            <a:avLst/>
-          </a:prstGeom>
-          <a:noFill/>
-        </p:spPr>
-        <p:txBody>
-          <a:bodyPr wrap="square" rtlCol="0">
-            <a:spAutoFit/>
-          </a:bodyPr>
-          <a:lstStyle/>
-          <a:p>
-            <a:pPr marL="285750" indent="-285750">
-              <a:buFont typeface="Arial" panose="020B0604020202020204" pitchFamily="34" charset="0"/>
-              <a:buChar char="•"/>
-            </a:pPr>
-            <a:r>
-              <a:rPr lang="en-CR" dirty="0"/>
-              <a:t>Contruir nuevas imágenes/ reutilizar imágenes</a:t>
-            </a:r>
-          </a:p>
-          <a:p>
-            <a:pPr marL="285750" indent="-285750">
-              <a:buFont typeface="Arial" panose="020B0604020202020204" pitchFamily="34" charset="0"/>
-              <a:buChar char="•"/>
-            </a:pPr>
-            <a:r>
-              <a:rPr lang="en-CR" dirty="0"/>
-              <a:t>Push al Docker Container Registry (Docker Hub)</a:t>
-            </a:r>
-          </a:p>
-          <a:p>
-            <a:pPr marL="285750" indent="-285750">
-              <a:buFont typeface="Arial" panose="020B0604020202020204" pitchFamily="34" charset="0"/>
-              <a:buChar char="•"/>
-            </a:pPr>
-            <a:r>
-              <a:rPr lang="en-CR" dirty="0"/>
-              <a:t>Archivos de configuración (Dockerfile)</a:t>
-            </a:r>
-          </a:p>
-          <a:p>
-            <a:pPr marL="285750" indent="-285750">
-              <a:buFont typeface="Arial" panose="020B0604020202020204" pitchFamily="34" charset="0"/>
-              <a:buChar char="•"/>
-            </a:pPr>
-            <a:r>
-              <a:rPr lang="en-CR" dirty="0"/>
-              <a:t>¿Cómo quiero que se vea mi imagen?</a:t>
-            </a:r>
-          </a:p>
-          <a:p>
-            <a:pPr marL="742950" lvl="1" indent="-285750">
-              <a:buFont typeface="Arial" panose="020B0604020202020204" pitchFamily="34" charset="0"/>
-              <a:buChar char="•"/>
-            </a:pPr>
-            <a:r>
-              <a:rPr lang="en-CR" dirty="0"/>
-              <a:t>Pipeline de la imagen</a:t>
-            </a:r>
-          </a:p>
-        </p:txBody>
-      </p:sp>
-      <p:pic>
-        <p:nvPicPr>
-          <p:cNvPr id="1026" name="Picture 2">
-            <a:extLst>
-              <a:ext uri="{FF2B5EF4-FFF2-40B4-BE49-F238E27FC236}">
-                <a16:creationId xmlns:a16="http://schemas.microsoft.com/office/drawing/2014/main" id="{EC277184-ED20-F24A-9966-900226ABF30C}"/>
-              </a:ext>
-            </a:extLst>
-          </p:cNvPr>
-          <p:cNvPicPr>
-            <a:picLocks noChangeAspect="1" noChangeArrowheads="1"/>
-          </p:cNvPicPr>
-          <p:nvPr/>
-        </p:nvPicPr>
-        <p:blipFill>
-          <a:blip r:embed="rId2">
-            <a:extLst>
-              <a:ext uri="{28A0092B-C50C-407E-A947-70E740481C1C}">
-                <a14:useLocalDpi xmlns:a14="http://schemas.microsoft.com/office/drawing/2010/main" val="0"/>
-              </a:ext>
-            </a:extLst>
-          </a:blip>
-          <a:srcRect/>
-          <a:stretch>
-            <a:fillRect/>
-          </a:stretch>
-        </p:blipFill>
         <p:spPr bwMode="auto">
           <a:xfrm>
-            <a:off x="5173884" y="3793860"/>
-            <a:ext cx="6308202" cy="2099448"/>
+            <a:off x="5943600" y="3276600"/>
+            <a:ext cx="304800" cy="304800"/>
           </a:xfrm>
           <a:prstGeom prst="rect">
             <a:avLst/>
@@ -8388,141 +8868,69 @@
             </a:ext>
           </a:extLst>
         </p:spPr>
-      </p:pic>
-      <p:sp>
-        <p:nvSpPr>
-          <p:cNvPr id="7" name="TextBox 6">
-            <a:extLst>
-              <a:ext uri="{FF2B5EF4-FFF2-40B4-BE49-F238E27FC236}">
-                <a16:creationId xmlns:a16="http://schemas.microsoft.com/office/drawing/2014/main" id="{9C38E5C3-58DD-AB4D-8C70-7C331ADA6BBE}"/>
-              </a:ext>
-            </a:extLst>
-          </p:cNvPr>
-          <p:cNvSpPr txBox="1"/>
+        <p:txBody>
+          <a:bodyPr vert="horz" wrap="square" lIns="91440" tIns="45720" rIns="91440" bIns="45720" numCol="1" anchor="t" anchorCtr="0" compatLnSpc="1">
+            <a:prstTxWarp prst="textNoShape">
+              <a:avLst/>
+            </a:prstTxWarp>
+          </a:bodyPr>
+          <a:lstStyle/>
+          <a:p>
+            <a:endParaRPr lang="en-CR"/>
+          </a:p>
+        </p:txBody>
+      </p:sp>
+      <p:sp>
+        <p:nvSpPr>
+          <p:cNvPr id="6" name="AutoShape 2" descr="Storage options for applications in an Azure Kubernetes Services (AKS) cluster">
+            <a:extLst>
+              <a:ext uri="{FF2B5EF4-FFF2-40B4-BE49-F238E27FC236}">
+                <a16:creationId xmlns:a16="http://schemas.microsoft.com/office/drawing/2014/main" id="{80A2ABCA-4DB9-0B25-5DB7-70722CDEC7EE}"/>
+              </a:ext>
+            </a:extLst>
+          </p:cNvPr>
+          <p:cNvSpPr>
+            <a:spLocks noChangeAspect="1" noChangeArrowheads="1"/>
+          </p:cNvSpPr>
           <p:nvPr/>
         </p:nvSpPr>
-        <p:spPr>
-          <a:xfrm>
-            <a:off x="121534" y="6445180"/>
-            <a:ext cx="6099858" cy="276999"/>
+        <p:spPr bwMode="auto">
+          <a:xfrm>
+            <a:off x="6096000" y="3429000"/>
+            <a:ext cx="304800" cy="304800"/>
           </a:xfrm>
           <a:prstGeom prst="rect">
             <a:avLst/>
           </a:prstGeom>
           <a:noFill/>
-        </p:spPr>
-        <p:txBody>
-          <a:bodyPr wrap="square">
-            <a:spAutoFit/>
+          <a:extLst>
+            <a:ext uri="{909E8E84-426E-40DD-AFC4-6F175D3DCCD1}">
+              <a14:hiddenFill xmlns:a14="http://schemas.microsoft.com/office/drawing/2010/main">
+                <a:solidFill>
+                  <a:srgbClr val="FFFFFF"/>
+                </a:solidFill>
+              </a14:hiddenFill>
+            </a:ext>
+          </a:extLst>
+        </p:spPr>
+        <p:txBody>
+          <a:bodyPr vert="horz" wrap="square" lIns="91440" tIns="45720" rIns="91440" bIns="45720" numCol="1" anchor="t" anchorCtr="0" compatLnSpc="1">
+            <a:prstTxWarp prst="textNoShape">
+              <a:avLst/>
+            </a:prstTxWarp>
           </a:bodyPr>
           <a:lstStyle/>
           <a:p>
-            <a:r>
-              <a:rPr lang="en-CR" sz="1200" dirty="0">
-                <a:solidFill>
-                  <a:schemeClr val="tx2"/>
-                </a:solidFill>
-              </a:rPr>
-              <a:t>https://miro.medium.com/max/1400/0*CP98BIIBgMG2K3u5.png</a:t>
-            </a:r>
-          </a:p>
-        </p:txBody>
-      </p:sp>
-    </p:spTree>
-    <p:extLst>
-      <p:ext uri="{BB962C8B-B14F-4D97-AF65-F5344CB8AC3E}">
-        <p14:creationId xmlns:p14="http://schemas.microsoft.com/office/powerpoint/2010/main" val="3899022406"/>
-      </p:ext>
-    </p:extLst>
-  </p:cSld>
-  <p:clrMapOvr>
-    <a:masterClrMapping/>
-  </p:clrMapOvr>
-</p:sld>
-</file>
-
-<file path=ppt/slides/slide29.xml><?xml version="1.0" encoding="utf-8"?>
-<p:sld xmlns:a="http://schemas.openxmlformats.org/drawingml/2006/main" xmlns:r="http://schemas.openxmlformats.org/officeDocument/2006/relationships" xmlns:p="http://schemas.openxmlformats.org/presentationml/2006/main">
-  <p:cSld>
-    <p:spTree>
-      <p:nvGrpSpPr>
-        <p:cNvPr id="1" name=""/>
-        <p:cNvGrpSpPr/>
-        <p:nvPr/>
-      </p:nvGrpSpPr>
-      <p:grpSpPr>
-        <a:xfrm>
-          <a:off x="0" y="0"/>
-          <a:ext cx="0" cy="0"/>
-          <a:chOff x="0" y="0"/>
-          <a:chExt cx="0" cy="0"/>
-        </a:xfrm>
-      </p:grpSpPr>
-      <p:sp>
-        <p:nvSpPr>
-          <p:cNvPr id="2" name="Title 1">
-            <a:extLst>
-              <a:ext uri="{FF2B5EF4-FFF2-40B4-BE49-F238E27FC236}">
-                <a16:creationId xmlns:a16="http://schemas.microsoft.com/office/drawing/2014/main" id="{5FCAE98A-1FA7-F640-BC7F-9C11658500D7}"/>
-              </a:ext>
-            </a:extLst>
-          </p:cNvPr>
-          <p:cNvSpPr>
-            <a:spLocks noGrp="1"/>
-          </p:cNvSpPr>
-          <p:nvPr>
-            <p:ph type="title"/>
-          </p:nvPr>
-        </p:nvSpPr>
-        <p:spPr/>
-        <p:txBody>
-          <a:bodyPr/>
-          <a:lstStyle/>
-          <a:p>
-            <a:r>
-              <a:rPr lang="en-US" dirty="0" err="1"/>
-              <a:t>Dockerfile</a:t>
-            </a:r>
-            <a:endParaRPr lang="en-CR" dirty="0"/>
-          </a:p>
-        </p:txBody>
-      </p:sp>
-      <p:sp>
-        <p:nvSpPr>
-          <p:cNvPr id="3" name="Slide Number Placeholder 2">
-            <a:extLst>
-              <a:ext uri="{FF2B5EF4-FFF2-40B4-BE49-F238E27FC236}">
-                <a16:creationId xmlns:a16="http://schemas.microsoft.com/office/drawing/2014/main" id="{1DECACD6-7120-4E4A-BB11-C58BCD3D0F9A}"/>
-              </a:ext>
-            </a:extLst>
-          </p:cNvPr>
-          <p:cNvSpPr>
-            <a:spLocks noGrp="1"/>
-          </p:cNvSpPr>
-          <p:nvPr>
-            <p:ph type="sldNum" sz="quarter" idx="12"/>
-          </p:nvPr>
-        </p:nvSpPr>
-        <p:spPr/>
-        <p:txBody>
-          <a:bodyPr/>
-          <a:lstStyle/>
-          <a:p>
-            <a:fld id="{4FAB73BC-B049-4115-A692-8D63A059BFB8}" type="slidenum">
-              <a:rPr lang="en-US" smtClean="0"/>
-              <a:pPr/>
-              <a:t>29</a:t>
-            </a:fld>
-            <a:endParaRPr lang="en-US" dirty="0"/>
-          </a:p>
-        </p:txBody>
-      </p:sp>
-      <p:sp>
-        <p:nvSpPr>
-          <p:cNvPr id="4" name="TextBox 3">
-            <a:extLst>
-              <a:ext uri="{FF2B5EF4-FFF2-40B4-BE49-F238E27FC236}">
-                <a16:creationId xmlns:a16="http://schemas.microsoft.com/office/drawing/2014/main" id="{DAD0A73E-BB2B-4D41-8529-C5C2D3838AE0}"/>
+            <a:endParaRPr lang="en-CR"/>
+          </a:p>
+        </p:txBody>
+      </p:sp>
+      <p:sp>
+        <p:nvSpPr>
+          <p:cNvPr id="13" name="TextBox 12">
+            <a:extLst>
+              <a:ext uri="{FF2B5EF4-FFF2-40B4-BE49-F238E27FC236}">
+                <a16:creationId xmlns:a16="http://schemas.microsoft.com/office/drawing/2014/main" id="{6313486A-996E-3CF7-7C67-A4A058CA16EF}"/>
               </a:ext>
             </a:extLst>
           </p:cNvPr>
@@ -8531,8 +8939,8 @@
         </p:nvSpPr>
         <p:spPr>
           <a:xfrm>
-            <a:off x="945267" y="2828835"/>
-            <a:ext cx="5150733" cy="646331"/>
+            <a:off x="2112378" y="2377197"/>
+            <a:ext cx="5885727" cy="1200329"/>
           </a:xfrm>
           <a:prstGeom prst="rect">
             <a:avLst/>
@@ -8540,628 +8948,61 @@
           <a:noFill/>
         </p:spPr>
         <p:txBody>
-          <a:bodyPr wrap="square" rtlCol="0">
+          <a:bodyPr wrap="square">
             <a:spAutoFit/>
           </a:bodyPr>
           <a:lstStyle/>
           <a:p>
-            <a:pPr marL="285750" indent="-285750">
-              <a:buFont typeface="Arial" panose="020B0604020202020204" pitchFamily="34" charset="0"/>
-              <a:buChar char="•"/>
-            </a:pPr>
-            <a:r>
-              <a:rPr lang="en-CR" dirty="0"/>
-              <a:t>Dockerfile: pipeline para creación de la imagen</a:t>
-            </a:r>
-          </a:p>
-          <a:p>
-            <a:pPr marL="285750" indent="-285750">
-              <a:buFont typeface="Arial" panose="020B0604020202020204" pitchFamily="34" charset="0"/>
-              <a:buChar char="•"/>
-            </a:pPr>
-            <a:r>
-              <a:rPr lang="en-CR" dirty="0"/>
-              <a:t>Arquitectura por capas y cache</a:t>
-            </a:r>
-          </a:p>
-        </p:txBody>
-      </p:sp>
-      <p:sp>
-        <p:nvSpPr>
-          <p:cNvPr id="8" name="TextBox 7">
-            <a:extLst>
-              <a:ext uri="{FF2B5EF4-FFF2-40B4-BE49-F238E27FC236}">
-                <a16:creationId xmlns:a16="http://schemas.microsoft.com/office/drawing/2014/main" id="{0B565E2E-6BB7-CD42-AEC6-19B9898B5310}"/>
-              </a:ext>
-            </a:extLst>
-          </p:cNvPr>
-          <p:cNvSpPr txBox="1"/>
-          <p:nvPr/>
-        </p:nvSpPr>
-        <p:spPr>
-          <a:xfrm>
-            <a:off x="2728986" y="3965923"/>
-            <a:ext cx="1446836" cy="369332"/>
-          </a:xfrm>
-          <a:prstGeom prst="rect">
-            <a:avLst/>
-          </a:prstGeom>
-          <a:solidFill>
-            <a:schemeClr val="accent1"/>
-          </a:solidFill>
-        </p:spPr>
-        <p:txBody>
-          <a:bodyPr wrap="square" rtlCol="0">
-            <a:spAutoFit/>
-          </a:bodyPr>
-          <a:lstStyle/>
-          <a:p>
-            <a:pPr algn="ctr"/>
-            <a:r>
-              <a:rPr lang="en-CR" dirty="0"/>
-              <a:t>Instrucción</a:t>
-            </a:r>
-            <a:r>
-              <a:rPr lang="en-CR" baseline="-25000" dirty="0"/>
-              <a:t>1</a:t>
-            </a:r>
-          </a:p>
-        </p:txBody>
-      </p:sp>
-      <p:sp>
-        <p:nvSpPr>
-          <p:cNvPr id="9" name="TextBox 8">
-            <a:extLst>
-              <a:ext uri="{FF2B5EF4-FFF2-40B4-BE49-F238E27FC236}">
-                <a16:creationId xmlns:a16="http://schemas.microsoft.com/office/drawing/2014/main" id="{FC9074CE-9908-5B4B-9B72-8ECE0B143FA8}"/>
-              </a:ext>
-            </a:extLst>
-          </p:cNvPr>
-          <p:cNvSpPr txBox="1"/>
-          <p:nvPr/>
-        </p:nvSpPr>
-        <p:spPr>
-          <a:xfrm>
-            <a:off x="4303143" y="3965923"/>
-            <a:ext cx="1446836" cy="369332"/>
-          </a:xfrm>
-          <a:prstGeom prst="rect">
-            <a:avLst/>
-          </a:prstGeom>
-          <a:solidFill>
-            <a:schemeClr val="accent2"/>
-          </a:solidFill>
-        </p:spPr>
-        <p:txBody>
-          <a:bodyPr wrap="square" rtlCol="0">
-            <a:spAutoFit/>
-          </a:bodyPr>
-          <a:lstStyle/>
-          <a:p>
-            <a:pPr algn="ctr"/>
-            <a:r>
-              <a:rPr lang="en-CR" dirty="0"/>
-              <a:t>Argumento</a:t>
-            </a:r>
-            <a:r>
-              <a:rPr lang="en-CR" baseline="-25000" dirty="0"/>
-              <a:t>1</a:t>
-            </a:r>
-          </a:p>
-        </p:txBody>
-      </p:sp>
-      <p:sp>
-        <p:nvSpPr>
-          <p:cNvPr id="10" name="TextBox 9">
-            <a:extLst>
-              <a:ext uri="{FF2B5EF4-FFF2-40B4-BE49-F238E27FC236}">
-                <a16:creationId xmlns:a16="http://schemas.microsoft.com/office/drawing/2014/main" id="{B84D5521-FB89-0D4F-ADA0-AB3BA5CFD205}"/>
-              </a:ext>
-            </a:extLst>
-          </p:cNvPr>
-          <p:cNvSpPr txBox="1"/>
-          <p:nvPr/>
-        </p:nvSpPr>
-        <p:spPr>
-          <a:xfrm>
-            <a:off x="2728986" y="5123934"/>
-            <a:ext cx="1446836" cy="369332"/>
-          </a:xfrm>
-          <a:prstGeom prst="rect">
-            <a:avLst/>
-          </a:prstGeom>
-          <a:solidFill>
-            <a:schemeClr val="accent1"/>
-          </a:solidFill>
-        </p:spPr>
-        <p:txBody>
-          <a:bodyPr wrap="square" rtlCol="0">
-            <a:spAutoFit/>
-          </a:bodyPr>
-          <a:lstStyle/>
-          <a:p>
-            <a:pPr algn="ctr"/>
-            <a:r>
-              <a:rPr lang="en-CR" dirty="0"/>
-              <a:t>Instrucción</a:t>
-            </a:r>
-            <a:r>
-              <a:rPr lang="en-CR" baseline="-25000" dirty="0"/>
-              <a:t>n</a:t>
-            </a:r>
-          </a:p>
-        </p:txBody>
-      </p:sp>
-      <p:sp>
-        <p:nvSpPr>
-          <p:cNvPr id="11" name="TextBox 10">
-            <a:extLst>
-              <a:ext uri="{FF2B5EF4-FFF2-40B4-BE49-F238E27FC236}">
-                <a16:creationId xmlns:a16="http://schemas.microsoft.com/office/drawing/2014/main" id="{33FF569A-4E7E-BD45-A2A3-A9B858DAC0D6}"/>
-              </a:ext>
-            </a:extLst>
-          </p:cNvPr>
-          <p:cNvSpPr txBox="1"/>
-          <p:nvPr/>
-        </p:nvSpPr>
-        <p:spPr>
-          <a:xfrm>
-            <a:off x="4303143" y="5123934"/>
-            <a:ext cx="1446836" cy="369332"/>
-          </a:xfrm>
-          <a:prstGeom prst="rect">
-            <a:avLst/>
-          </a:prstGeom>
-          <a:solidFill>
-            <a:schemeClr val="accent2"/>
-          </a:solidFill>
-        </p:spPr>
-        <p:txBody>
-          <a:bodyPr wrap="square" rtlCol="0">
-            <a:spAutoFit/>
-          </a:bodyPr>
-          <a:lstStyle/>
-          <a:p>
-            <a:pPr algn="ctr"/>
-            <a:r>
-              <a:rPr lang="en-CR" dirty="0"/>
-              <a:t>Argumento</a:t>
-            </a:r>
-            <a:r>
-              <a:rPr lang="en-CR" baseline="-25000" dirty="0"/>
-              <a:t>n</a:t>
-            </a:r>
-          </a:p>
-        </p:txBody>
-      </p:sp>
-      <p:cxnSp>
-        <p:nvCxnSpPr>
-          <p:cNvPr id="6" name="Straight Connector 5">
-            <a:extLst>
-              <a:ext uri="{FF2B5EF4-FFF2-40B4-BE49-F238E27FC236}">
-                <a16:creationId xmlns:a16="http://schemas.microsoft.com/office/drawing/2014/main" id="{32EE7EEF-6220-214F-96A5-2756C7DC3EBA}"/>
-              </a:ext>
-            </a:extLst>
-          </p:cNvPr>
-          <p:cNvCxnSpPr>
-            <a:cxnSpLocks/>
-          </p:cNvCxnSpPr>
-          <p:nvPr/>
-        </p:nvCxnSpPr>
-        <p:spPr>
-          <a:xfrm flipV="1">
-            <a:off x="4212107" y="4871644"/>
-            <a:ext cx="0" cy="131639"/>
-          </a:xfrm>
-          <a:prstGeom prst="line">
-            <a:avLst/>
-          </a:prstGeom>
-        </p:spPr>
-        <p:style>
-          <a:lnRef idx="3">
-            <a:schemeClr val="accent1"/>
-          </a:lnRef>
-          <a:fillRef idx="0">
-            <a:schemeClr val="accent1"/>
-          </a:fillRef>
-          <a:effectRef idx="2">
-            <a:schemeClr val="accent1"/>
-          </a:effectRef>
-          <a:fontRef idx="minor">
-            <a:schemeClr val="tx1"/>
-          </a:fontRef>
-        </p:style>
-      </p:cxnSp>
-      <p:cxnSp>
-        <p:nvCxnSpPr>
-          <p:cNvPr id="14" name="Straight Connector 13">
-            <a:extLst>
-              <a:ext uri="{FF2B5EF4-FFF2-40B4-BE49-F238E27FC236}">
-                <a16:creationId xmlns:a16="http://schemas.microsoft.com/office/drawing/2014/main" id="{B366DA46-6B2F-E04E-B0A7-A069B0C524D5}"/>
-              </a:ext>
-            </a:extLst>
-          </p:cNvPr>
-          <p:cNvCxnSpPr>
-            <a:cxnSpLocks/>
-          </p:cNvCxnSpPr>
-          <p:nvPr/>
-        </p:nvCxnSpPr>
-        <p:spPr>
-          <a:xfrm flipV="1">
-            <a:off x="4212107" y="4682958"/>
-            <a:ext cx="0" cy="131639"/>
-          </a:xfrm>
-          <a:prstGeom prst="line">
-            <a:avLst/>
-          </a:prstGeom>
-        </p:spPr>
-        <p:style>
-          <a:lnRef idx="3">
-            <a:schemeClr val="accent1"/>
-          </a:lnRef>
-          <a:fillRef idx="0">
-            <a:schemeClr val="accent1"/>
-          </a:fillRef>
-          <a:effectRef idx="2">
-            <a:schemeClr val="accent1"/>
-          </a:effectRef>
-          <a:fontRef idx="minor">
-            <a:schemeClr val="tx1"/>
-          </a:fontRef>
-        </p:style>
-      </p:cxnSp>
-      <p:cxnSp>
-        <p:nvCxnSpPr>
-          <p:cNvPr id="15" name="Straight Connector 14">
-            <a:extLst>
-              <a:ext uri="{FF2B5EF4-FFF2-40B4-BE49-F238E27FC236}">
-                <a16:creationId xmlns:a16="http://schemas.microsoft.com/office/drawing/2014/main" id="{933B0C20-FA85-6948-9194-0F1465A4B4AD}"/>
-              </a:ext>
-            </a:extLst>
-          </p:cNvPr>
-          <p:cNvCxnSpPr>
-            <a:cxnSpLocks/>
-          </p:cNvCxnSpPr>
-          <p:nvPr/>
-        </p:nvCxnSpPr>
-        <p:spPr>
-          <a:xfrm flipV="1">
-            <a:off x="4212107" y="4494273"/>
-            <a:ext cx="0" cy="131639"/>
-          </a:xfrm>
-          <a:prstGeom prst="line">
-            <a:avLst/>
-          </a:prstGeom>
-        </p:spPr>
-        <p:style>
-          <a:lnRef idx="3">
-            <a:schemeClr val="accent1"/>
-          </a:lnRef>
-          <a:fillRef idx="0">
-            <a:schemeClr val="accent1"/>
-          </a:fillRef>
-          <a:effectRef idx="2">
-            <a:schemeClr val="accent1"/>
-          </a:effectRef>
-          <a:fontRef idx="minor">
-            <a:schemeClr val="tx1"/>
-          </a:fontRef>
-        </p:style>
-      </p:cxnSp>
-      <p:cxnSp>
-        <p:nvCxnSpPr>
-          <p:cNvPr id="16" name="Straight Connector 15">
-            <a:extLst>
-              <a:ext uri="{FF2B5EF4-FFF2-40B4-BE49-F238E27FC236}">
-                <a16:creationId xmlns:a16="http://schemas.microsoft.com/office/drawing/2014/main" id="{A8B99019-CD93-3146-94CA-BD9D3CD259EC}"/>
-              </a:ext>
-            </a:extLst>
-          </p:cNvPr>
-          <p:cNvCxnSpPr/>
-          <p:nvPr/>
-        </p:nvCxnSpPr>
-        <p:spPr>
-          <a:xfrm>
-            <a:off x="5932714" y="4158343"/>
-            <a:ext cx="315686" cy="0"/>
-          </a:xfrm>
-          <a:prstGeom prst="line">
-            <a:avLst/>
-          </a:prstGeom>
-        </p:spPr>
-        <p:style>
-          <a:lnRef idx="3">
-            <a:schemeClr val="accent2"/>
-          </a:lnRef>
-          <a:fillRef idx="0">
-            <a:schemeClr val="accent2"/>
-          </a:fillRef>
-          <a:effectRef idx="2">
-            <a:schemeClr val="accent2"/>
-          </a:effectRef>
-          <a:fontRef idx="minor">
-            <a:schemeClr val="tx1"/>
-          </a:fontRef>
-        </p:style>
-      </p:cxnSp>
-      <p:cxnSp>
-        <p:nvCxnSpPr>
-          <p:cNvPr id="18" name="Straight Connector 17">
-            <a:extLst>
-              <a:ext uri="{FF2B5EF4-FFF2-40B4-BE49-F238E27FC236}">
-                <a16:creationId xmlns:a16="http://schemas.microsoft.com/office/drawing/2014/main" id="{5074603E-B85C-B24F-ABBE-ED6BEC22C617}"/>
-              </a:ext>
-            </a:extLst>
-          </p:cNvPr>
-          <p:cNvCxnSpPr/>
-          <p:nvPr/>
-        </p:nvCxnSpPr>
-        <p:spPr>
-          <a:xfrm>
-            <a:off x="6346371" y="4158343"/>
-            <a:ext cx="315686" cy="0"/>
-          </a:xfrm>
-          <a:prstGeom prst="line">
-            <a:avLst/>
-          </a:prstGeom>
-        </p:spPr>
-        <p:style>
-          <a:lnRef idx="3">
-            <a:schemeClr val="accent2"/>
-          </a:lnRef>
-          <a:fillRef idx="0">
-            <a:schemeClr val="accent2"/>
-          </a:fillRef>
-          <a:effectRef idx="2">
-            <a:schemeClr val="accent2"/>
-          </a:effectRef>
-          <a:fontRef idx="minor">
-            <a:schemeClr val="tx1"/>
-          </a:fontRef>
-        </p:style>
-      </p:cxnSp>
-      <p:cxnSp>
-        <p:nvCxnSpPr>
-          <p:cNvPr id="19" name="Straight Connector 18">
-            <a:extLst>
-              <a:ext uri="{FF2B5EF4-FFF2-40B4-BE49-F238E27FC236}">
-                <a16:creationId xmlns:a16="http://schemas.microsoft.com/office/drawing/2014/main" id="{5DDB1D7B-AD02-DC41-B35D-502B35DE1908}"/>
-              </a:ext>
-            </a:extLst>
-          </p:cNvPr>
-          <p:cNvCxnSpPr/>
-          <p:nvPr/>
-        </p:nvCxnSpPr>
-        <p:spPr>
-          <a:xfrm>
-            <a:off x="6749143" y="4158343"/>
-            <a:ext cx="315686" cy="0"/>
-          </a:xfrm>
-          <a:prstGeom prst="line">
-            <a:avLst/>
-          </a:prstGeom>
-        </p:spPr>
-        <p:style>
-          <a:lnRef idx="3">
-            <a:schemeClr val="accent2"/>
-          </a:lnRef>
-          <a:fillRef idx="0">
-            <a:schemeClr val="accent2"/>
-          </a:fillRef>
-          <a:effectRef idx="2">
-            <a:schemeClr val="accent2"/>
-          </a:effectRef>
-          <a:fontRef idx="minor">
-            <a:schemeClr val="tx1"/>
-          </a:fontRef>
-        </p:style>
-      </p:cxnSp>
-      <p:cxnSp>
-        <p:nvCxnSpPr>
-          <p:cNvPr id="20" name="Straight Connector 19">
-            <a:extLst>
-              <a:ext uri="{FF2B5EF4-FFF2-40B4-BE49-F238E27FC236}">
-                <a16:creationId xmlns:a16="http://schemas.microsoft.com/office/drawing/2014/main" id="{37C3AF4F-5532-4941-8CD2-8ABE6ECAD288}"/>
-              </a:ext>
-            </a:extLst>
-          </p:cNvPr>
-          <p:cNvCxnSpPr/>
-          <p:nvPr/>
-        </p:nvCxnSpPr>
-        <p:spPr>
-          <a:xfrm>
-            <a:off x="5932714" y="5334000"/>
-            <a:ext cx="315686" cy="0"/>
-          </a:xfrm>
-          <a:prstGeom prst="line">
-            <a:avLst/>
-          </a:prstGeom>
-        </p:spPr>
-        <p:style>
-          <a:lnRef idx="3">
-            <a:schemeClr val="accent2"/>
-          </a:lnRef>
-          <a:fillRef idx="0">
-            <a:schemeClr val="accent2"/>
-          </a:fillRef>
-          <a:effectRef idx="2">
-            <a:schemeClr val="accent2"/>
-          </a:effectRef>
-          <a:fontRef idx="minor">
-            <a:schemeClr val="tx1"/>
-          </a:fontRef>
-        </p:style>
-      </p:cxnSp>
-      <p:cxnSp>
-        <p:nvCxnSpPr>
-          <p:cNvPr id="21" name="Straight Connector 20">
-            <a:extLst>
-              <a:ext uri="{FF2B5EF4-FFF2-40B4-BE49-F238E27FC236}">
-                <a16:creationId xmlns:a16="http://schemas.microsoft.com/office/drawing/2014/main" id="{4F314BAC-C40F-D549-9920-62D06FD397D8}"/>
-              </a:ext>
-            </a:extLst>
-          </p:cNvPr>
-          <p:cNvCxnSpPr/>
-          <p:nvPr/>
-        </p:nvCxnSpPr>
-        <p:spPr>
-          <a:xfrm>
-            <a:off x="6346371" y="5334000"/>
-            <a:ext cx="315686" cy="0"/>
-          </a:xfrm>
-          <a:prstGeom prst="line">
-            <a:avLst/>
-          </a:prstGeom>
-        </p:spPr>
-        <p:style>
-          <a:lnRef idx="3">
-            <a:schemeClr val="accent2"/>
-          </a:lnRef>
-          <a:fillRef idx="0">
-            <a:schemeClr val="accent2"/>
-          </a:fillRef>
-          <a:effectRef idx="2">
-            <a:schemeClr val="accent2"/>
-          </a:effectRef>
-          <a:fontRef idx="minor">
-            <a:schemeClr val="tx1"/>
-          </a:fontRef>
-        </p:style>
-      </p:cxnSp>
-      <p:cxnSp>
-        <p:nvCxnSpPr>
-          <p:cNvPr id="22" name="Straight Connector 21">
-            <a:extLst>
-              <a:ext uri="{FF2B5EF4-FFF2-40B4-BE49-F238E27FC236}">
-                <a16:creationId xmlns:a16="http://schemas.microsoft.com/office/drawing/2014/main" id="{74B7541C-A92E-FE4C-82B7-DD192FD93BCC}"/>
-              </a:ext>
-            </a:extLst>
-          </p:cNvPr>
-          <p:cNvCxnSpPr/>
-          <p:nvPr/>
-        </p:nvCxnSpPr>
-        <p:spPr>
-          <a:xfrm>
-            <a:off x="6749143" y="5334000"/>
-            <a:ext cx="315686" cy="0"/>
-          </a:xfrm>
-          <a:prstGeom prst="line">
-            <a:avLst/>
-          </a:prstGeom>
-        </p:spPr>
-        <p:style>
-          <a:lnRef idx="3">
-            <a:schemeClr val="accent2"/>
-          </a:lnRef>
-          <a:fillRef idx="0">
-            <a:schemeClr val="accent2"/>
-          </a:fillRef>
-          <a:effectRef idx="2">
-            <a:schemeClr val="accent2"/>
-          </a:effectRef>
-          <a:fontRef idx="minor">
-            <a:schemeClr val="tx1"/>
-          </a:fontRef>
-        </p:style>
-      </p:cxnSp>
-      <p:sp>
-        <p:nvSpPr>
-          <p:cNvPr id="23" name="TextBox 22">
-            <a:extLst>
-              <a:ext uri="{FF2B5EF4-FFF2-40B4-BE49-F238E27FC236}">
-                <a16:creationId xmlns:a16="http://schemas.microsoft.com/office/drawing/2014/main" id="{7866906B-3EE5-324F-ABC3-A49F545091C7}"/>
-              </a:ext>
-            </a:extLst>
-          </p:cNvPr>
-          <p:cNvSpPr txBox="1"/>
-          <p:nvPr/>
-        </p:nvSpPr>
-        <p:spPr>
-          <a:xfrm>
-            <a:off x="7179293" y="3965923"/>
-            <a:ext cx="1529269" cy="369332"/>
-          </a:xfrm>
-          <a:prstGeom prst="rect">
-            <a:avLst/>
-          </a:prstGeom>
-          <a:solidFill>
-            <a:schemeClr val="accent4"/>
-          </a:solidFill>
-        </p:spPr>
-        <p:txBody>
-          <a:bodyPr wrap="square" rtlCol="0">
-            <a:spAutoFit/>
-          </a:bodyPr>
-          <a:lstStyle/>
-          <a:p>
-            <a:pPr algn="ctr"/>
-            <a:r>
-              <a:rPr lang="en-CR" dirty="0"/>
-              <a:t>Capa</a:t>
-            </a:r>
-            <a:r>
-              <a:rPr lang="en-CR" baseline="-25000" dirty="0"/>
-              <a:t>1</a:t>
-            </a:r>
-            <a:r>
-              <a:rPr lang="en-CR" dirty="0"/>
-              <a:t> (a MB)</a:t>
-            </a:r>
-            <a:endParaRPr lang="en-CR" baseline="-25000" dirty="0"/>
-          </a:p>
-        </p:txBody>
-      </p:sp>
-      <p:sp>
-        <p:nvSpPr>
-          <p:cNvPr id="25" name="TextBox 24">
-            <a:extLst>
-              <a:ext uri="{FF2B5EF4-FFF2-40B4-BE49-F238E27FC236}">
-                <a16:creationId xmlns:a16="http://schemas.microsoft.com/office/drawing/2014/main" id="{60C0838C-D60C-AA44-95A0-F2E54886AAAE}"/>
-              </a:ext>
-            </a:extLst>
-          </p:cNvPr>
-          <p:cNvSpPr txBox="1"/>
-          <p:nvPr/>
-        </p:nvSpPr>
-        <p:spPr>
-          <a:xfrm>
-            <a:off x="7179293" y="5149334"/>
-            <a:ext cx="1529269" cy="369332"/>
-          </a:xfrm>
-          <a:prstGeom prst="rect">
-            <a:avLst/>
-          </a:prstGeom>
-          <a:solidFill>
-            <a:schemeClr val="accent4"/>
-          </a:solidFill>
-        </p:spPr>
-        <p:txBody>
-          <a:bodyPr wrap="square" rtlCol="0">
-            <a:spAutoFit/>
-          </a:bodyPr>
-          <a:lstStyle/>
-          <a:p>
-            <a:pPr algn="ctr"/>
-            <a:r>
-              <a:rPr lang="en-CR" dirty="0"/>
-              <a:t>Capa</a:t>
-            </a:r>
-            <a:r>
-              <a:rPr lang="en-CR" baseline="-25000" dirty="0"/>
-              <a:t>n</a:t>
-            </a:r>
-            <a:r>
-              <a:rPr lang="en-CR" dirty="0"/>
-              <a:t> (b MB)</a:t>
-            </a:r>
-            <a:endParaRPr lang="en-CR" baseline="-25000" dirty="0"/>
+            <a:r>
+              <a:rPr lang="en-US" dirty="0">
+                <a:hlinkClick r:id="rId2"/>
+              </a:rPr>
+              <a:t>https://kubernetes.io/es/docs/home/</a:t>
+            </a:r>
+            <a:r>
+              <a:rPr lang="en-US" dirty="0"/>
+              <a:t> </a:t>
+            </a:r>
+          </a:p>
+          <a:p>
+            <a:r>
+              <a:rPr lang="en-US" dirty="0">
+                <a:hlinkClick r:id="rId3"/>
+              </a:rPr>
+              <a:t>https://www.youtube.com/watch?v=X48VuDVv0do</a:t>
+            </a:r>
+            <a:endParaRPr lang="en-CR" dirty="0"/>
+          </a:p>
+          <a:p>
+            <a:r>
+              <a:rPr lang="en-US" dirty="0">
+                <a:hlinkClick r:id="rId4"/>
+              </a:rPr>
+              <a:t>https://www.udemy.com/course/learn-kubernetes/</a:t>
+            </a:r>
+            <a:endParaRPr lang="en-US" dirty="0"/>
+          </a:p>
+          <a:p>
+            <a:r>
+              <a:rPr lang="en-US" dirty="0">
+                <a:hlinkClick r:id="rId5"/>
+              </a:rPr>
+              <a:t>https://helm.sh/docs/chart_template_guide</a:t>
+            </a:r>
+            <a:r>
+              <a:rPr lang="en-US">
+                <a:hlinkClick r:id="rId5"/>
+              </a:rPr>
+              <a:t>/</a:t>
+            </a:r>
+            <a:endParaRPr lang="en-US"/>
           </a:p>
         </p:txBody>
       </p:sp>
     </p:spTree>
     <p:extLst>
       <p:ext uri="{BB962C8B-B14F-4D97-AF65-F5344CB8AC3E}">
-        <p14:creationId xmlns:p14="http://schemas.microsoft.com/office/powerpoint/2010/main" val="140335876"/>
+        <p14:creationId xmlns:p14="http://schemas.microsoft.com/office/powerpoint/2010/main" val="2645959583"/>
       </p:ext>
     </p:extLst>
   </p:cSld>
@@ -9290,3112 +9131,6 @@
     <p:extLst>
       <p:ext uri="{BB962C8B-B14F-4D97-AF65-F5344CB8AC3E}">
         <p14:creationId xmlns:p14="http://schemas.microsoft.com/office/powerpoint/2010/main" val="4151360629"/>
-      </p:ext>
-    </p:extLst>
-  </p:cSld>
-  <p:clrMapOvr>
-    <a:masterClrMapping/>
-  </p:clrMapOvr>
-</p:sld>
-</file>
-
-<file path=ppt/slides/slide30.xml><?xml version="1.0" encoding="utf-8"?>
-<p:sld xmlns:a="http://schemas.openxmlformats.org/drawingml/2006/main" xmlns:r="http://schemas.openxmlformats.org/officeDocument/2006/relationships" xmlns:p="http://schemas.openxmlformats.org/presentationml/2006/main">
-  <p:cSld>
-    <p:spTree>
-      <p:nvGrpSpPr>
-        <p:cNvPr id="1" name=""/>
-        <p:cNvGrpSpPr/>
-        <p:nvPr/>
-      </p:nvGrpSpPr>
-      <p:grpSpPr>
-        <a:xfrm>
-          <a:off x="0" y="0"/>
-          <a:ext cx="0" cy="0"/>
-          <a:chOff x="0" y="0"/>
-          <a:chExt cx="0" cy="0"/>
-        </a:xfrm>
-      </p:grpSpPr>
-      <p:sp>
-        <p:nvSpPr>
-          <p:cNvPr id="2" name="Title 1">
-            <a:extLst>
-              <a:ext uri="{FF2B5EF4-FFF2-40B4-BE49-F238E27FC236}">
-                <a16:creationId xmlns:a16="http://schemas.microsoft.com/office/drawing/2014/main" id="{5FCAE98A-1FA7-F640-BC7F-9C11658500D7}"/>
-              </a:ext>
-            </a:extLst>
-          </p:cNvPr>
-          <p:cNvSpPr>
-            <a:spLocks noGrp="1"/>
-          </p:cNvSpPr>
-          <p:nvPr>
-            <p:ph type="title"/>
-          </p:nvPr>
-        </p:nvSpPr>
-        <p:spPr/>
-        <p:txBody>
-          <a:bodyPr/>
-          <a:lstStyle/>
-          <a:p>
-            <a:r>
-              <a:rPr lang="en-US" dirty="0" err="1"/>
-              <a:t>Dockerfile</a:t>
-            </a:r>
-            <a:r>
-              <a:rPr lang="en-US" dirty="0"/>
-              <a:t>: </a:t>
-            </a:r>
-            <a:r>
-              <a:rPr lang="en-US" dirty="0" err="1"/>
-              <a:t>Ejemplo</a:t>
-            </a:r>
-            <a:endParaRPr lang="en-CR" dirty="0"/>
-          </a:p>
-        </p:txBody>
-      </p:sp>
-      <p:sp>
-        <p:nvSpPr>
-          <p:cNvPr id="3" name="Slide Number Placeholder 2">
-            <a:extLst>
-              <a:ext uri="{FF2B5EF4-FFF2-40B4-BE49-F238E27FC236}">
-                <a16:creationId xmlns:a16="http://schemas.microsoft.com/office/drawing/2014/main" id="{1DECACD6-7120-4E4A-BB11-C58BCD3D0F9A}"/>
-              </a:ext>
-            </a:extLst>
-          </p:cNvPr>
-          <p:cNvSpPr>
-            <a:spLocks noGrp="1"/>
-          </p:cNvSpPr>
-          <p:nvPr>
-            <p:ph type="sldNum" sz="quarter" idx="12"/>
-          </p:nvPr>
-        </p:nvSpPr>
-        <p:spPr/>
-        <p:txBody>
-          <a:bodyPr/>
-          <a:lstStyle/>
-          <a:p>
-            <a:fld id="{4FAB73BC-B049-4115-A692-8D63A059BFB8}" type="slidenum">
-              <a:rPr lang="en-US" smtClean="0"/>
-              <a:pPr/>
-              <a:t>30</a:t>
-            </a:fld>
-            <a:endParaRPr lang="en-US" dirty="0"/>
-          </a:p>
-        </p:txBody>
-      </p:sp>
-      <p:sp>
-        <p:nvSpPr>
-          <p:cNvPr id="4" name="TextBox 3">
-            <a:extLst>
-              <a:ext uri="{FF2B5EF4-FFF2-40B4-BE49-F238E27FC236}">
-                <a16:creationId xmlns:a16="http://schemas.microsoft.com/office/drawing/2014/main" id="{DAD0A73E-BB2B-4D41-8529-C5C2D3838AE0}"/>
-              </a:ext>
-            </a:extLst>
-          </p:cNvPr>
-          <p:cNvSpPr txBox="1"/>
-          <p:nvPr/>
-        </p:nvSpPr>
-        <p:spPr>
-          <a:xfrm>
-            <a:off x="3520633" y="2805686"/>
-            <a:ext cx="5150733" cy="2585323"/>
-          </a:xfrm>
-          <a:prstGeom prst="rect">
-            <a:avLst/>
-          </a:prstGeom>
-          <a:noFill/>
-        </p:spPr>
-        <p:txBody>
-          <a:bodyPr wrap="square" rtlCol="0">
-            <a:spAutoFit/>
-          </a:bodyPr>
-          <a:lstStyle/>
-          <a:p>
-            <a:r>
-              <a:rPr lang="en-US" dirty="0">
-                <a:solidFill>
-                  <a:schemeClr val="accent1"/>
-                </a:solidFill>
-              </a:rPr>
-              <a:t>FROM</a:t>
-            </a:r>
-            <a:r>
-              <a:rPr lang="en-US" dirty="0"/>
-              <a:t> </a:t>
-            </a:r>
-            <a:r>
-              <a:rPr lang="en-US" dirty="0">
-                <a:solidFill>
-                  <a:schemeClr val="tx2"/>
-                </a:solidFill>
-              </a:rPr>
-              <a:t>ubuntu</a:t>
-            </a:r>
-            <a:r>
-              <a:rPr lang="en-US" dirty="0"/>
-              <a:t> </a:t>
-            </a:r>
-          </a:p>
-          <a:p>
-            <a:endParaRPr lang="en-US" dirty="0"/>
-          </a:p>
-          <a:p>
-            <a:r>
-              <a:rPr lang="en-US" dirty="0">
-                <a:solidFill>
-                  <a:schemeClr val="accent1"/>
-                </a:solidFill>
-              </a:rPr>
-              <a:t>MAINTAINER</a:t>
-            </a:r>
-            <a:r>
-              <a:rPr lang="en-US" dirty="0"/>
-              <a:t> ARSTECH </a:t>
-            </a:r>
-            <a:r>
-              <a:rPr lang="en-US" dirty="0" err="1"/>
-              <a:t>arstech@e-mail</a:t>
-            </a:r>
-            <a:r>
-              <a:rPr lang="en-US" dirty="0"/>
-              <a:t> </a:t>
-            </a:r>
-          </a:p>
-          <a:p>
-            <a:endParaRPr lang="en-US" dirty="0"/>
-          </a:p>
-          <a:p>
-            <a:r>
-              <a:rPr lang="en-US" dirty="0">
-                <a:solidFill>
-                  <a:schemeClr val="accent1"/>
-                </a:solidFill>
-              </a:rPr>
-              <a:t>RUN</a:t>
-            </a:r>
-            <a:r>
-              <a:rPr lang="en-US" dirty="0"/>
-              <a:t> </a:t>
-            </a:r>
-            <a:r>
-              <a:rPr lang="en-US" dirty="0">
-                <a:solidFill>
-                  <a:schemeClr val="tx2"/>
-                </a:solidFill>
-              </a:rPr>
-              <a:t>apt-get update &amp;&amp; apt-get upgrade –y</a:t>
-            </a:r>
-          </a:p>
-          <a:p>
-            <a:r>
-              <a:rPr lang="en-US" dirty="0"/>
-              <a:t> </a:t>
-            </a:r>
-          </a:p>
-          <a:p>
-            <a:r>
-              <a:rPr lang="en-US" dirty="0">
-                <a:solidFill>
-                  <a:schemeClr val="accent1"/>
-                </a:solidFill>
-              </a:rPr>
-              <a:t>RUN</a:t>
-            </a:r>
-            <a:r>
-              <a:rPr lang="en-US" dirty="0"/>
-              <a:t> </a:t>
-            </a:r>
-            <a:r>
-              <a:rPr lang="en-US" dirty="0">
-                <a:solidFill>
-                  <a:schemeClr val="tx2"/>
-                </a:solidFill>
-              </a:rPr>
-              <a:t>apt-get install -y apt-utils </a:t>
-            </a:r>
-            <a:r>
-              <a:rPr lang="en-US" dirty="0" err="1">
-                <a:solidFill>
-                  <a:schemeClr val="tx2"/>
-                </a:solidFill>
-              </a:rPr>
-              <a:t>htop</a:t>
-            </a:r>
-            <a:endParaRPr lang="en-US" dirty="0">
-              <a:solidFill>
-                <a:schemeClr val="tx2"/>
-              </a:solidFill>
-            </a:endParaRPr>
-          </a:p>
-          <a:p>
-            <a:r>
-              <a:rPr lang="en-US" dirty="0"/>
-              <a:t> </a:t>
-            </a:r>
-          </a:p>
-          <a:p>
-            <a:r>
-              <a:rPr lang="en-US" dirty="0">
-                <a:solidFill>
-                  <a:schemeClr val="accent1"/>
-                </a:solidFill>
-              </a:rPr>
-              <a:t>CMD</a:t>
-            </a:r>
-            <a:r>
-              <a:rPr lang="en-US" dirty="0"/>
-              <a:t> </a:t>
-            </a:r>
-            <a:r>
-              <a:rPr lang="en-US" dirty="0">
-                <a:solidFill>
-                  <a:schemeClr val="tx2"/>
-                </a:solidFill>
-              </a:rPr>
-              <a:t>["</a:t>
-            </a:r>
-            <a:r>
-              <a:rPr lang="en-US" dirty="0" err="1">
-                <a:solidFill>
-                  <a:schemeClr val="tx2"/>
-                </a:solidFill>
-              </a:rPr>
-              <a:t>echo","It's</a:t>
-            </a:r>
-            <a:r>
-              <a:rPr lang="en-US" dirty="0">
-                <a:solidFill>
-                  <a:schemeClr val="tx2"/>
-                </a:solidFill>
-              </a:rPr>
-              <a:t> my Docker Image "]</a:t>
-            </a:r>
-            <a:endParaRPr lang="en-CR" dirty="0">
-              <a:solidFill>
-                <a:schemeClr val="tx2"/>
-              </a:solidFill>
-            </a:endParaRPr>
-          </a:p>
-        </p:txBody>
-      </p:sp>
-    </p:spTree>
-    <p:extLst>
-      <p:ext uri="{BB962C8B-B14F-4D97-AF65-F5344CB8AC3E}">
-        <p14:creationId xmlns:p14="http://schemas.microsoft.com/office/powerpoint/2010/main" val="3556475362"/>
-      </p:ext>
-    </p:extLst>
-  </p:cSld>
-  <p:clrMapOvr>
-    <a:masterClrMapping/>
-  </p:clrMapOvr>
-</p:sld>
-</file>
-
-<file path=ppt/slides/slide31.xml><?xml version="1.0" encoding="utf-8"?>
-<p:sld xmlns:a="http://schemas.openxmlformats.org/drawingml/2006/main" xmlns:r="http://schemas.openxmlformats.org/officeDocument/2006/relationships" xmlns:p="http://schemas.openxmlformats.org/presentationml/2006/main">
-  <p:cSld>
-    <p:spTree>
-      <p:nvGrpSpPr>
-        <p:cNvPr id="1" name=""/>
-        <p:cNvGrpSpPr/>
-        <p:nvPr/>
-      </p:nvGrpSpPr>
-      <p:grpSpPr>
-        <a:xfrm>
-          <a:off x="0" y="0"/>
-          <a:ext cx="0" cy="0"/>
-          <a:chOff x="0" y="0"/>
-          <a:chExt cx="0" cy="0"/>
-        </a:xfrm>
-      </p:grpSpPr>
-      <p:sp>
-        <p:nvSpPr>
-          <p:cNvPr id="2" name="Title 1">
-            <a:extLst>
-              <a:ext uri="{FF2B5EF4-FFF2-40B4-BE49-F238E27FC236}">
-                <a16:creationId xmlns:a16="http://schemas.microsoft.com/office/drawing/2014/main" id="{5FCAE98A-1FA7-F640-BC7F-9C11658500D7}"/>
-              </a:ext>
-            </a:extLst>
-          </p:cNvPr>
-          <p:cNvSpPr>
-            <a:spLocks noGrp="1"/>
-          </p:cNvSpPr>
-          <p:nvPr>
-            <p:ph type="title"/>
-          </p:nvPr>
-        </p:nvSpPr>
-        <p:spPr/>
-        <p:txBody>
-          <a:bodyPr/>
-          <a:lstStyle/>
-          <a:p>
-            <a:r>
-              <a:rPr lang="en-US" dirty="0" err="1"/>
-              <a:t>Dockerfile</a:t>
-            </a:r>
-            <a:r>
-              <a:rPr lang="en-US" dirty="0"/>
-              <a:t>: ENTRYPOINT VS CMD</a:t>
-            </a:r>
-            <a:endParaRPr lang="en-CR" dirty="0"/>
-          </a:p>
-        </p:txBody>
-      </p:sp>
-      <p:sp>
-        <p:nvSpPr>
-          <p:cNvPr id="3" name="Slide Number Placeholder 2">
-            <a:extLst>
-              <a:ext uri="{FF2B5EF4-FFF2-40B4-BE49-F238E27FC236}">
-                <a16:creationId xmlns:a16="http://schemas.microsoft.com/office/drawing/2014/main" id="{1DECACD6-7120-4E4A-BB11-C58BCD3D0F9A}"/>
-              </a:ext>
-            </a:extLst>
-          </p:cNvPr>
-          <p:cNvSpPr>
-            <a:spLocks noGrp="1"/>
-          </p:cNvSpPr>
-          <p:nvPr>
-            <p:ph type="sldNum" sz="quarter" idx="12"/>
-          </p:nvPr>
-        </p:nvSpPr>
-        <p:spPr/>
-        <p:txBody>
-          <a:bodyPr/>
-          <a:lstStyle/>
-          <a:p>
-            <a:fld id="{4FAB73BC-B049-4115-A692-8D63A059BFB8}" type="slidenum">
-              <a:rPr lang="en-US" smtClean="0"/>
-              <a:pPr/>
-              <a:t>31</a:t>
-            </a:fld>
-            <a:endParaRPr lang="en-US" dirty="0"/>
-          </a:p>
-        </p:txBody>
-      </p:sp>
-      <p:sp>
-        <p:nvSpPr>
-          <p:cNvPr id="4" name="TextBox 3">
-            <a:extLst>
-              <a:ext uri="{FF2B5EF4-FFF2-40B4-BE49-F238E27FC236}">
-                <a16:creationId xmlns:a16="http://schemas.microsoft.com/office/drawing/2014/main" id="{DAD0A73E-BB2B-4D41-8529-C5C2D3838AE0}"/>
-              </a:ext>
-            </a:extLst>
-          </p:cNvPr>
-          <p:cNvSpPr txBox="1"/>
-          <p:nvPr/>
-        </p:nvSpPr>
-        <p:spPr>
-          <a:xfrm>
-            <a:off x="835308" y="2840410"/>
-            <a:ext cx="3505198" cy="2308324"/>
-          </a:xfrm>
-          <a:prstGeom prst="rect">
-            <a:avLst/>
-          </a:prstGeom>
-          <a:noFill/>
-        </p:spPr>
-        <p:txBody>
-          <a:bodyPr wrap="square" rtlCol="0">
-            <a:spAutoFit/>
-          </a:bodyPr>
-          <a:lstStyle/>
-          <a:p>
-            <a:r>
-              <a:rPr lang="en-US" dirty="0">
-                <a:solidFill>
-                  <a:schemeClr val="accent1"/>
-                </a:solidFill>
-              </a:rPr>
-              <a:t>ENTRYPOINT: </a:t>
-            </a:r>
-            <a:r>
-              <a:rPr lang="en-US" dirty="0" err="1">
-                <a:solidFill>
-                  <a:schemeClr val="tx2"/>
-                </a:solidFill>
-              </a:rPr>
-              <a:t>Ejecutable</a:t>
-            </a:r>
-            <a:r>
-              <a:rPr lang="en-US" dirty="0">
-                <a:solidFill>
-                  <a:schemeClr val="tx2"/>
-                </a:solidFill>
-              </a:rPr>
-              <a:t> </a:t>
-            </a:r>
-            <a:r>
-              <a:rPr lang="en-US" dirty="0" err="1">
-                <a:solidFill>
-                  <a:schemeClr val="tx2"/>
-                </a:solidFill>
-              </a:rPr>
-              <a:t>por</a:t>
-            </a:r>
-            <a:r>
-              <a:rPr lang="en-US" dirty="0">
-                <a:solidFill>
-                  <a:schemeClr val="tx2"/>
-                </a:solidFill>
-              </a:rPr>
-              <a:t> </a:t>
-            </a:r>
-            <a:r>
-              <a:rPr lang="en-US" dirty="0" err="1">
-                <a:solidFill>
-                  <a:schemeClr val="tx2"/>
-                </a:solidFill>
-              </a:rPr>
-              <a:t>defecto</a:t>
-            </a:r>
-            <a:r>
-              <a:rPr lang="en-US" dirty="0">
-                <a:solidFill>
-                  <a:schemeClr val="tx2"/>
-                </a:solidFill>
-              </a:rPr>
-              <a:t> a corer </a:t>
-            </a:r>
-            <a:r>
-              <a:rPr lang="en-US" dirty="0" err="1">
-                <a:solidFill>
-                  <a:schemeClr val="tx2"/>
-                </a:solidFill>
-              </a:rPr>
-              <a:t>cuando</a:t>
-            </a:r>
-            <a:r>
-              <a:rPr lang="en-US" dirty="0">
-                <a:solidFill>
-                  <a:schemeClr val="tx2"/>
-                </a:solidFill>
-              </a:rPr>
-              <a:t> la imagen </a:t>
-            </a:r>
-            <a:r>
-              <a:rPr lang="en-US" dirty="0" err="1">
-                <a:solidFill>
-                  <a:schemeClr val="tx2"/>
-                </a:solidFill>
-              </a:rPr>
-              <a:t>inicia</a:t>
-            </a:r>
-            <a:r>
-              <a:rPr lang="en-US" dirty="0">
-                <a:solidFill>
-                  <a:schemeClr val="tx2"/>
-                </a:solidFill>
-              </a:rPr>
-              <a:t>. </a:t>
-            </a:r>
-            <a:r>
-              <a:rPr lang="en-US" i="1" dirty="0">
-                <a:solidFill>
-                  <a:schemeClr val="tx2"/>
-                </a:solidFill>
-              </a:rPr>
-              <a:t>bin/bash –c </a:t>
-            </a:r>
-            <a:r>
-              <a:rPr lang="en-US" i="1" dirty="0" err="1">
-                <a:solidFill>
-                  <a:schemeClr val="tx2"/>
-                </a:solidFill>
-              </a:rPr>
-              <a:t>por</a:t>
-            </a:r>
-            <a:r>
-              <a:rPr lang="en-US" i="1" dirty="0">
-                <a:solidFill>
-                  <a:schemeClr val="tx2"/>
-                </a:solidFill>
-              </a:rPr>
-              <a:t> </a:t>
-            </a:r>
-            <a:r>
-              <a:rPr lang="en-US" i="1" dirty="0" err="1">
-                <a:solidFill>
-                  <a:schemeClr val="tx2"/>
-                </a:solidFill>
-              </a:rPr>
-              <a:t>defecto</a:t>
-            </a:r>
-            <a:r>
-              <a:rPr lang="en-US" dirty="0">
-                <a:solidFill>
-                  <a:schemeClr val="tx2"/>
-                </a:solidFill>
-              </a:rPr>
-              <a:t>.</a:t>
-            </a:r>
-          </a:p>
-          <a:p>
-            <a:endParaRPr lang="en-US" dirty="0">
-              <a:solidFill>
-                <a:schemeClr val="tx2"/>
-              </a:solidFill>
-            </a:endParaRPr>
-          </a:p>
-          <a:p>
-            <a:r>
-              <a:rPr lang="en-US" dirty="0">
-                <a:solidFill>
-                  <a:schemeClr val="accent1"/>
-                </a:solidFill>
-              </a:rPr>
-              <a:t>CMD</a:t>
-            </a:r>
-            <a:r>
-              <a:rPr lang="en-US" dirty="0">
-                <a:solidFill>
-                  <a:schemeClr val="tx2"/>
-                </a:solidFill>
-              </a:rPr>
-              <a:t>: </a:t>
-            </a:r>
-            <a:r>
-              <a:rPr lang="en-US" dirty="0" err="1">
-                <a:solidFill>
-                  <a:schemeClr val="tx2"/>
-                </a:solidFill>
-              </a:rPr>
-              <a:t>Comando</a:t>
-            </a:r>
-            <a:r>
-              <a:rPr lang="en-US" dirty="0">
-                <a:solidFill>
-                  <a:schemeClr val="tx2"/>
-                </a:solidFill>
-              </a:rPr>
-              <a:t> </a:t>
-            </a:r>
-            <a:r>
-              <a:rPr lang="en-US" dirty="0" err="1">
-                <a:solidFill>
-                  <a:schemeClr val="tx2"/>
-                </a:solidFill>
-              </a:rPr>
-              <a:t>por</a:t>
-            </a:r>
-            <a:r>
-              <a:rPr lang="en-US" dirty="0">
-                <a:solidFill>
-                  <a:schemeClr val="tx2"/>
-                </a:solidFill>
-              </a:rPr>
-              <a:t> </a:t>
-            </a:r>
-            <a:r>
-              <a:rPr lang="en-US" dirty="0" err="1">
-                <a:solidFill>
-                  <a:schemeClr val="tx2"/>
-                </a:solidFill>
-              </a:rPr>
-              <a:t>defecto</a:t>
-            </a:r>
-            <a:r>
-              <a:rPr lang="en-US" dirty="0">
-                <a:solidFill>
-                  <a:schemeClr val="tx2"/>
-                </a:solidFill>
-              </a:rPr>
-              <a:t> a </a:t>
-            </a:r>
-            <a:r>
-              <a:rPr lang="en-US" dirty="0" err="1">
-                <a:solidFill>
-                  <a:schemeClr val="tx2"/>
-                </a:solidFill>
-              </a:rPr>
-              <a:t>ejecutar</a:t>
-            </a:r>
-            <a:endParaRPr lang="en-US" dirty="0">
-              <a:solidFill>
-                <a:schemeClr val="accent1"/>
-              </a:solidFill>
-            </a:endParaRPr>
-          </a:p>
-          <a:p>
-            <a:endParaRPr lang="en-US" dirty="0">
-              <a:solidFill>
-                <a:schemeClr val="accent1"/>
-              </a:solidFill>
-            </a:endParaRPr>
-          </a:p>
-          <a:p>
-            <a:endParaRPr lang="en-CR" dirty="0">
-              <a:solidFill>
-                <a:schemeClr val="tx2"/>
-              </a:solidFill>
-            </a:endParaRPr>
-          </a:p>
-        </p:txBody>
-      </p:sp>
-      <p:sp>
-        <p:nvSpPr>
-          <p:cNvPr id="5" name="TextBox 4">
-            <a:extLst>
-              <a:ext uri="{FF2B5EF4-FFF2-40B4-BE49-F238E27FC236}">
-                <a16:creationId xmlns:a16="http://schemas.microsoft.com/office/drawing/2014/main" id="{5F5B7933-9D9E-7903-EF1C-3B03CF8FABFD}"/>
-              </a:ext>
-            </a:extLst>
-          </p:cNvPr>
-          <p:cNvSpPr txBox="1"/>
-          <p:nvPr/>
-        </p:nvSpPr>
-        <p:spPr>
-          <a:xfrm>
-            <a:off x="5868301" y="3374020"/>
-            <a:ext cx="4313630" cy="1477328"/>
-          </a:xfrm>
-          <a:prstGeom prst="rect">
-            <a:avLst/>
-          </a:prstGeom>
-          <a:noFill/>
-        </p:spPr>
-        <p:txBody>
-          <a:bodyPr wrap="square" rtlCol="0">
-            <a:spAutoFit/>
-          </a:bodyPr>
-          <a:lstStyle/>
-          <a:p>
-            <a:r>
-              <a:rPr lang="en-US" dirty="0">
-                <a:solidFill>
-                  <a:schemeClr val="accent1"/>
-                </a:solidFill>
-              </a:rPr>
-              <a:t>FROM</a:t>
-            </a:r>
-            <a:r>
-              <a:rPr lang="en-US" dirty="0"/>
-              <a:t> </a:t>
-            </a:r>
-            <a:r>
-              <a:rPr lang="en-US" dirty="0" err="1"/>
-              <a:t>debian:wheezy</a:t>
-            </a:r>
-            <a:r>
-              <a:rPr lang="en-US" dirty="0"/>
-              <a:t> </a:t>
-            </a:r>
-          </a:p>
-          <a:p>
-            <a:r>
-              <a:rPr lang="en-US" dirty="0">
-                <a:solidFill>
-                  <a:schemeClr val="accent1"/>
-                </a:solidFill>
-              </a:rPr>
-              <a:t>ENTRYPOINT</a:t>
-            </a:r>
-            <a:r>
-              <a:rPr lang="en-US" dirty="0"/>
-              <a:t> ["/bin/ping"] </a:t>
-            </a:r>
-          </a:p>
-          <a:p>
-            <a:r>
-              <a:rPr lang="en-US" dirty="0">
-                <a:solidFill>
-                  <a:schemeClr val="accent1"/>
-                </a:solidFill>
-              </a:rPr>
-              <a:t>CMD</a:t>
-            </a:r>
-            <a:r>
-              <a:rPr lang="en-US" dirty="0"/>
-              <a:t> ["localhost"]</a:t>
-            </a:r>
-          </a:p>
-          <a:p>
-            <a:endParaRPr lang="en-US" dirty="0">
-              <a:solidFill>
-                <a:schemeClr val="tx2"/>
-              </a:solidFill>
-            </a:endParaRPr>
-          </a:p>
-          <a:p>
-            <a:r>
-              <a:rPr lang="en-US" i="1" dirty="0">
-                <a:solidFill>
-                  <a:schemeClr val="tx2"/>
-                </a:solidFill>
-              </a:rPr>
-              <a:t>#docker run -it &lt;image&gt;</a:t>
-            </a:r>
-          </a:p>
-        </p:txBody>
-      </p:sp>
-      <p:sp>
-        <p:nvSpPr>
-          <p:cNvPr id="6" name="TextBox 5">
-            <a:extLst>
-              <a:ext uri="{FF2B5EF4-FFF2-40B4-BE49-F238E27FC236}">
-                <a16:creationId xmlns:a16="http://schemas.microsoft.com/office/drawing/2014/main" id="{9235754A-6ED6-EFA3-9268-7F9012C563C3}"/>
-              </a:ext>
-            </a:extLst>
-          </p:cNvPr>
-          <p:cNvSpPr txBox="1"/>
-          <p:nvPr/>
-        </p:nvSpPr>
-        <p:spPr>
-          <a:xfrm>
-            <a:off x="835308" y="6217920"/>
-            <a:ext cx="4867294" cy="369332"/>
-          </a:xfrm>
-          <a:prstGeom prst="rect">
-            <a:avLst/>
-          </a:prstGeom>
-          <a:noFill/>
-        </p:spPr>
-        <p:txBody>
-          <a:bodyPr wrap="none" rtlCol="0">
-            <a:spAutoFit/>
-          </a:bodyPr>
-          <a:lstStyle/>
-          <a:p>
-            <a:r>
-              <a:rPr lang="en-US" dirty="0">
-                <a:solidFill>
-                  <a:srgbClr val="0070C0"/>
-                </a:solidFill>
-                <a:hlinkClick r:id="rId2"/>
-              </a:rPr>
-              <a:t>https://docs.docker.com/engine/reference/builder/</a:t>
-            </a:r>
-            <a:r>
-              <a:rPr lang="en-US" dirty="0">
-                <a:solidFill>
-                  <a:srgbClr val="0070C0"/>
-                </a:solidFill>
-              </a:rPr>
-              <a:t> </a:t>
-            </a:r>
-            <a:endParaRPr lang="en-CR" dirty="0">
-              <a:solidFill>
-                <a:srgbClr val="0070C0"/>
-              </a:solidFill>
-            </a:endParaRPr>
-          </a:p>
-        </p:txBody>
-      </p:sp>
-    </p:spTree>
-    <p:extLst>
-      <p:ext uri="{BB962C8B-B14F-4D97-AF65-F5344CB8AC3E}">
-        <p14:creationId xmlns:p14="http://schemas.microsoft.com/office/powerpoint/2010/main" val="3176269918"/>
-      </p:ext>
-    </p:extLst>
-  </p:cSld>
-  <p:clrMapOvr>
-    <a:masterClrMapping/>
-  </p:clrMapOvr>
-</p:sld>
-</file>
-
-<file path=ppt/slides/slide32.xml><?xml version="1.0" encoding="utf-8"?>
-<p:sld xmlns:a="http://schemas.openxmlformats.org/drawingml/2006/main" xmlns:r="http://schemas.openxmlformats.org/officeDocument/2006/relationships" xmlns:p="http://schemas.openxmlformats.org/presentationml/2006/main">
-  <p:cSld>
-    <p:spTree>
-      <p:nvGrpSpPr>
-        <p:cNvPr id="1" name=""/>
-        <p:cNvGrpSpPr/>
-        <p:nvPr/>
-      </p:nvGrpSpPr>
-      <p:grpSpPr>
-        <a:xfrm>
-          <a:off x="0" y="0"/>
-          <a:ext cx="0" cy="0"/>
-          <a:chOff x="0" y="0"/>
-          <a:chExt cx="0" cy="0"/>
-        </a:xfrm>
-      </p:grpSpPr>
-      <p:sp>
-        <p:nvSpPr>
-          <p:cNvPr id="2" name="Title 1">
-            <a:extLst>
-              <a:ext uri="{FF2B5EF4-FFF2-40B4-BE49-F238E27FC236}">
-                <a16:creationId xmlns:a16="http://schemas.microsoft.com/office/drawing/2014/main" id="{5FCAE98A-1FA7-F640-BC7F-9C11658500D7}"/>
-              </a:ext>
-            </a:extLst>
-          </p:cNvPr>
-          <p:cNvSpPr>
-            <a:spLocks noGrp="1"/>
-          </p:cNvSpPr>
-          <p:nvPr>
-            <p:ph type="title"/>
-          </p:nvPr>
-        </p:nvSpPr>
-        <p:spPr/>
-        <p:txBody>
-          <a:bodyPr/>
-          <a:lstStyle/>
-          <a:p>
-            <a:r>
-              <a:rPr lang="en-US" dirty="0"/>
-              <a:t>Caso de </a:t>
-            </a:r>
-            <a:r>
-              <a:rPr lang="en-US" dirty="0" err="1"/>
-              <a:t>estudio</a:t>
-            </a:r>
-            <a:endParaRPr lang="en-CR" dirty="0"/>
-          </a:p>
-        </p:txBody>
-      </p:sp>
-      <p:sp>
-        <p:nvSpPr>
-          <p:cNvPr id="3" name="Slide Number Placeholder 2">
-            <a:extLst>
-              <a:ext uri="{FF2B5EF4-FFF2-40B4-BE49-F238E27FC236}">
-                <a16:creationId xmlns:a16="http://schemas.microsoft.com/office/drawing/2014/main" id="{1DECACD6-7120-4E4A-BB11-C58BCD3D0F9A}"/>
-              </a:ext>
-            </a:extLst>
-          </p:cNvPr>
-          <p:cNvSpPr>
-            <a:spLocks noGrp="1"/>
-          </p:cNvSpPr>
-          <p:nvPr>
-            <p:ph type="sldNum" sz="quarter" idx="12"/>
-          </p:nvPr>
-        </p:nvSpPr>
-        <p:spPr/>
-        <p:txBody>
-          <a:bodyPr/>
-          <a:lstStyle/>
-          <a:p>
-            <a:fld id="{4FAB73BC-B049-4115-A692-8D63A059BFB8}" type="slidenum">
-              <a:rPr lang="en-US" smtClean="0"/>
-              <a:pPr/>
-              <a:t>32</a:t>
-            </a:fld>
-            <a:endParaRPr lang="en-US" dirty="0"/>
-          </a:p>
-        </p:txBody>
-      </p:sp>
-      <p:sp>
-        <p:nvSpPr>
-          <p:cNvPr id="7" name="Rounded Rectangle 6">
-            <a:extLst>
-              <a:ext uri="{FF2B5EF4-FFF2-40B4-BE49-F238E27FC236}">
-                <a16:creationId xmlns:a16="http://schemas.microsoft.com/office/drawing/2014/main" id="{9E8E9905-D70B-231A-413C-97CE25FB409F}"/>
-              </a:ext>
-            </a:extLst>
-          </p:cNvPr>
-          <p:cNvSpPr/>
-          <p:nvPr/>
-        </p:nvSpPr>
-        <p:spPr>
-          <a:xfrm>
-            <a:off x="983846" y="3653260"/>
-            <a:ext cx="1655180" cy="1192192"/>
-          </a:xfrm>
-          <a:prstGeom prst="roundRect">
-            <a:avLst/>
-          </a:prstGeom>
-        </p:spPr>
-        <p:style>
-          <a:lnRef idx="2">
-            <a:schemeClr val="accent1">
-              <a:shade val="50000"/>
-            </a:schemeClr>
-          </a:lnRef>
-          <a:fillRef idx="1">
-            <a:schemeClr val="accent1"/>
-          </a:fillRef>
-          <a:effectRef idx="0">
-            <a:schemeClr val="accent1"/>
-          </a:effectRef>
-          <a:fontRef idx="minor">
-            <a:schemeClr val="lt1"/>
-          </a:fontRef>
-        </p:style>
-        <p:txBody>
-          <a:bodyPr rtlCol="0" anchor="ctr"/>
-          <a:lstStyle/>
-          <a:p>
-            <a:pPr algn="ctr"/>
-            <a:r>
-              <a:rPr lang="en-CR" dirty="0"/>
-              <a:t>Compañía ABC</a:t>
-            </a:r>
-          </a:p>
-        </p:txBody>
-      </p:sp>
-      <p:sp>
-        <p:nvSpPr>
-          <p:cNvPr id="8" name="Oval 7">
-            <a:extLst>
-              <a:ext uri="{FF2B5EF4-FFF2-40B4-BE49-F238E27FC236}">
-                <a16:creationId xmlns:a16="http://schemas.microsoft.com/office/drawing/2014/main" id="{3066D971-2C2B-63B6-0E85-DF4BF318F27F}"/>
-              </a:ext>
-            </a:extLst>
-          </p:cNvPr>
-          <p:cNvSpPr/>
-          <p:nvPr/>
-        </p:nvSpPr>
-        <p:spPr>
-          <a:xfrm>
-            <a:off x="3981690" y="2426343"/>
-            <a:ext cx="1875099" cy="523754"/>
-          </a:xfrm>
-          <a:prstGeom prst="ellipse">
-            <a:avLst/>
-          </a:prstGeom>
-        </p:spPr>
-        <p:style>
-          <a:lnRef idx="2">
-            <a:schemeClr val="accent4">
-              <a:shade val="50000"/>
-            </a:schemeClr>
-          </a:lnRef>
-          <a:fillRef idx="1">
-            <a:schemeClr val="accent4"/>
-          </a:fillRef>
-          <a:effectRef idx="0">
-            <a:schemeClr val="accent4"/>
-          </a:effectRef>
-          <a:fontRef idx="minor">
-            <a:schemeClr val="lt1"/>
-          </a:fontRef>
-        </p:style>
-        <p:txBody>
-          <a:bodyPr rtlCol="0" anchor="ctr"/>
-          <a:lstStyle/>
-          <a:p>
-            <a:pPr algn="ctr"/>
-            <a:r>
-              <a:rPr lang="en-CR" dirty="0"/>
-              <a:t>Producto Z</a:t>
-            </a:r>
-          </a:p>
-        </p:txBody>
-      </p:sp>
-      <p:sp>
-        <p:nvSpPr>
-          <p:cNvPr id="9" name="Triangle 8">
-            <a:extLst>
-              <a:ext uri="{FF2B5EF4-FFF2-40B4-BE49-F238E27FC236}">
-                <a16:creationId xmlns:a16="http://schemas.microsoft.com/office/drawing/2014/main" id="{A29031E9-6AB6-FD11-8AF3-E165FF03A5DA}"/>
-              </a:ext>
-            </a:extLst>
-          </p:cNvPr>
-          <p:cNvSpPr/>
-          <p:nvPr/>
-        </p:nvSpPr>
-        <p:spPr>
-          <a:xfrm>
-            <a:off x="3553428" y="5212081"/>
-            <a:ext cx="2731625" cy="1188719"/>
-          </a:xfrm>
-          <a:prstGeom prst="triangle">
-            <a:avLst/>
-          </a:prstGeom>
-        </p:spPr>
-        <p:style>
-          <a:lnRef idx="3">
-            <a:schemeClr val="lt1"/>
-          </a:lnRef>
-          <a:fillRef idx="1">
-            <a:schemeClr val="accent3"/>
-          </a:fillRef>
-          <a:effectRef idx="1">
-            <a:schemeClr val="accent3"/>
-          </a:effectRef>
-          <a:fontRef idx="minor">
-            <a:schemeClr val="lt1"/>
-          </a:fontRef>
-        </p:style>
-        <p:txBody>
-          <a:bodyPr rtlCol="0" anchor="ctr"/>
-          <a:lstStyle/>
-          <a:p>
-            <a:pPr algn="ctr"/>
-            <a:r>
-              <a:rPr lang="en-CR" dirty="0"/>
-              <a:t>Producto X</a:t>
-            </a:r>
-          </a:p>
-        </p:txBody>
-      </p:sp>
-      <p:sp>
-        <p:nvSpPr>
-          <p:cNvPr id="11" name="Hexagon 10">
-            <a:extLst>
-              <a:ext uri="{FF2B5EF4-FFF2-40B4-BE49-F238E27FC236}">
-                <a16:creationId xmlns:a16="http://schemas.microsoft.com/office/drawing/2014/main" id="{3F6E77BF-162F-D059-0B99-44C8EE306DC8}"/>
-              </a:ext>
-            </a:extLst>
-          </p:cNvPr>
-          <p:cNvSpPr/>
-          <p:nvPr/>
-        </p:nvSpPr>
-        <p:spPr>
-          <a:xfrm>
-            <a:off x="3981690" y="3614195"/>
-            <a:ext cx="1782502" cy="1270322"/>
-          </a:xfrm>
-          <a:prstGeom prst="hexagon">
-            <a:avLst/>
-          </a:prstGeom>
-          <a:solidFill>
-            <a:srgbClr val="92D050"/>
-          </a:solidFill>
-        </p:spPr>
-        <p:style>
-          <a:lnRef idx="2">
-            <a:schemeClr val="accent1">
-              <a:shade val="50000"/>
-            </a:schemeClr>
-          </a:lnRef>
-          <a:fillRef idx="1">
-            <a:schemeClr val="accent1"/>
-          </a:fillRef>
-          <a:effectRef idx="0">
-            <a:schemeClr val="accent1"/>
-          </a:effectRef>
-          <a:fontRef idx="minor">
-            <a:schemeClr val="lt1"/>
-          </a:fontRef>
-        </p:style>
-        <p:txBody>
-          <a:bodyPr rtlCol="0" anchor="ctr"/>
-          <a:lstStyle/>
-          <a:p>
-            <a:pPr algn="ctr"/>
-            <a:r>
-              <a:rPr lang="en-CR" dirty="0"/>
-              <a:t>Producto W</a:t>
-            </a:r>
-          </a:p>
-        </p:txBody>
-      </p:sp>
-      <p:cxnSp>
-        <p:nvCxnSpPr>
-          <p:cNvPr id="13" name="Straight Arrow Connector 12">
-            <a:extLst>
-              <a:ext uri="{FF2B5EF4-FFF2-40B4-BE49-F238E27FC236}">
-                <a16:creationId xmlns:a16="http://schemas.microsoft.com/office/drawing/2014/main" id="{0F77F3D4-2041-9D8D-AABE-9BD5987A49EB}"/>
-              </a:ext>
-            </a:extLst>
-          </p:cNvPr>
-          <p:cNvCxnSpPr>
-            <a:stCxn id="7" idx="3"/>
-            <a:endCxn id="8" idx="2"/>
-          </p:cNvCxnSpPr>
-          <p:nvPr/>
-        </p:nvCxnSpPr>
-        <p:spPr>
-          <a:xfrm flipV="1">
-            <a:off x="2639026" y="2688220"/>
-            <a:ext cx="1342664" cy="1561136"/>
-          </a:xfrm>
-          <a:prstGeom prst="straightConnector1">
-            <a:avLst/>
-          </a:prstGeom>
-          <a:ln>
-            <a:solidFill>
-              <a:srgbClr val="C00000"/>
-            </a:solidFill>
-            <a:tailEnd type="triangle"/>
-          </a:ln>
-        </p:spPr>
-        <p:style>
-          <a:lnRef idx="1">
-            <a:schemeClr val="accent1"/>
-          </a:lnRef>
-          <a:fillRef idx="0">
-            <a:schemeClr val="accent1"/>
-          </a:fillRef>
-          <a:effectRef idx="0">
-            <a:schemeClr val="accent1"/>
-          </a:effectRef>
-          <a:fontRef idx="minor">
-            <a:schemeClr val="tx1"/>
-          </a:fontRef>
-        </p:style>
-      </p:cxnSp>
-      <p:cxnSp>
-        <p:nvCxnSpPr>
-          <p:cNvPr id="15" name="Straight Arrow Connector 14">
-            <a:extLst>
-              <a:ext uri="{FF2B5EF4-FFF2-40B4-BE49-F238E27FC236}">
-                <a16:creationId xmlns:a16="http://schemas.microsoft.com/office/drawing/2014/main" id="{51AA28F5-6AC2-3FA4-AE97-A36573C8772F}"/>
-              </a:ext>
-            </a:extLst>
-          </p:cNvPr>
-          <p:cNvCxnSpPr>
-            <a:stCxn id="7" idx="3"/>
-            <a:endCxn id="11" idx="3"/>
-          </p:cNvCxnSpPr>
-          <p:nvPr/>
-        </p:nvCxnSpPr>
-        <p:spPr>
-          <a:xfrm>
-            <a:off x="2639026" y="4249356"/>
-            <a:ext cx="1342664" cy="0"/>
-          </a:xfrm>
-          <a:prstGeom prst="straightConnector1">
-            <a:avLst/>
-          </a:prstGeom>
-          <a:ln>
-            <a:solidFill>
-              <a:srgbClr val="C00000"/>
-            </a:solidFill>
-            <a:tailEnd type="triangle"/>
-          </a:ln>
-        </p:spPr>
-        <p:style>
-          <a:lnRef idx="1">
-            <a:schemeClr val="accent1"/>
-          </a:lnRef>
-          <a:fillRef idx="0">
-            <a:schemeClr val="accent1"/>
-          </a:fillRef>
-          <a:effectRef idx="0">
-            <a:schemeClr val="accent1"/>
-          </a:effectRef>
-          <a:fontRef idx="minor">
-            <a:schemeClr val="tx1"/>
-          </a:fontRef>
-        </p:style>
-      </p:cxnSp>
-      <p:cxnSp>
-        <p:nvCxnSpPr>
-          <p:cNvPr id="17" name="Straight Arrow Connector 16">
-            <a:extLst>
-              <a:ext uri="{FF2B5EF4-FFF2-40B4-BE49-F238E27FC236}">
-                <a16:creationId xmlns:a16="http://schemas.microsoft.com/office/drawing/2014/main" id="{23F0A0D7-586B-69C5-FD48-C24813551171}"/>
-              </a:ext>
-            </a:extLst>
-          </p:cNvPr>
-          <p:cNvCxnSpPr>
-            <a:cxnSpLocks/>
-            <a:endCxn id="9" idx="2"/>
-          </p:cNvCxnSpPr>
-          <p:nvPr/>
-        </p:nvCxnSpPr>
-        <p:spPr>
-          <a:xfrm>
-            <a:off x="2639026" y="4247041"/>
-            <a:ext cx="914402" cy="2153759"/>
-          </a:xfrm>
-          <a:prstGeom prst="straightConnector1">
-            <a:avLst/>
-          </a:prstGeom>
-          <a:ln>
-            <a:solidFill>
-              <a:srgbClr val="C00000"/>
-            </a:solidFill>
-            <a:tailEnd type="triangle"/>
-          </a:ln>
-        </p:spPr>
-        <p:style>
-          <a:lnRef idx="1">
-            <a:schemeClr val="accent1"/>
-          </a:lnRef>
-          <a:fillRef idx="0">
-            <a:schemeClr val="accent1"/>
-          </a:fillRef>
-          <a:effectRef idx="0">
-            <a:schemeClr val="accent1"/>
-          </a:effectRef>
-          <a:fontRef idx="minor">
-            <a:schemeClr val="tx1"/>
-          </a:fontRef>
-        </p:style>
-      </p:cxnSp>
-      <p:pic>
-        <p:nvPicPr>
-          <p:cNvPr id="19" name="Picture 18">
-            <a:extLst>
-              <a:ext uri="{FF2B5EF4-FFF2-40B4-BE49-F238E27FC236}">
-                <a16:creationId xmlns:a16="http://schemas.microsoft.com/office/drawing/2014/main" id="{89322878-F4D7-73FE-2857-B8E7B82E8E53}"/>
-              </a:ext>
-            </a:extLst>
-          </p:cNvPr>
-          <p:cNvPicPr>
-            <a:picLocks noChangeAspect="1"/>
-          </p:cNvPicPr>
-          <p:nvPr/>
-        </p:nvPicPr>
-        <p:blipFill>
-          <a:blip r:embed="rId2">
-            <a:extLst>
-              <a:ext uri="{837473B0-CC2E-450A-ABE3-18F120FF3D39}">
-                <a1611:picAttrSrcUrl xmlns:a1611="http://schemas.microsoft.com/office/drawing/2016/11/main" r:id="rId3"/>
-              </a:ext>
-            </a:extLst>
-          </a:blip>
-          <a:stretch>
-            <a:fillRect/>
-          </a:stretch>
-        </p:blipFill>
-        <p:spPr>
-          <a:xfrm flipH="1">
-            <a:off x="8895137" y="3350870"/>
-            <a:ext cx="902826" cy="902826"/>
-          </a:xfrm>
-          <a:prstGeom prst="rect">
-            <a:avLst/>
-          </a:prstGeom>
-        </p:spPr>
-      </p:pic>
-      <p:pic>
-        <p:nvPicPr>
-          <p:cNvPr id="20" name="Picture 19">
-            <a:extLst>
-              <a:ext uri="{FF2B5EF4-FFF2-40B4-BE49-F238E27FC236}">
-                <a16:creationId xmlns:a16="http://schemas.microsoft.com/office/drawing/2014/main" id="{CE9D9D4D-76BA-1157-178A-1D3F57CD53D9}"/>
-              </a:ext>
-            </a:extLst>
-          </p:cNvPr>
-          <p:cNvPicPr>
-            <a:picLocks noChangeAspect="1"/>
-          </p:cNvPicPr>
-          <p:nvPr/>
-        </p:nvPicPr>
-        <p:blipFill>
-          <a:blip r:embed="rId2">
-            <a:extLst>
-              <a:ext uri="{837473B0-CC2E-450A-ABE3-18F120FF3D39}">
-                <a1611:picAttrSrcUrl xmlns:a1611="http://schemas.microsoft.com/office/drawing/2016/11/main" r:id="rId3"/>
-              </a:ext>
-            </a:extLst>
-          </a:blip>
-          <a:stretch>
-            <a:fillRect/>
-          </a:stretch>
-        </p:blipFill>
-        <p:spPr>
-          <a:xfrm flipH="1">
-            <a:off x="9269385" y="3587602"/>
-            <a:ext cx="902826" cy="902826"/>
-          </a:xfrm>
-          <a:prstGeom prst="rect">
-            <a:avLst/>
-          </a:prstGeom>
-        </p:spPr>
-      </p:pic>
-      <p:pic>
-        <p:nvPicPr>
-          <p:cNvPr id="21" name="Picture 20">
-            <a:extLst>
-              <a:ext uri="{FF2B5EF4-FFF2-40B4-BE49-F238E27FC236}">
-                <a16:creationId xmlns:a16="http://schemas.microsoft.com/office/drawing/2014/main" id="{AB94374B-2877-7C11-B7CE-839E354E7065}"/>
-              </a:ext>
-            </a:extLst>
-          </p:cNvPr>
-          <p:cNvPicPr>
-            <a:picLocks noChangeAspect="1"/>
-          </p:cNvPicPr>
-          <p:nvPr/>
-        </p:nvPicPr>
-        <p:blipFill>
-          <a:blip r:embed="rId2">
-            <a:extLst>
-              <a:ext uri="{837473B0-CC2E-450A-ABE3-18F120FF3D39}">
-                <a1611:picAttrSrcUrl xmlns:a1611="http://schemas.microsoft.com/office/drawing/2016/11/main" r:id="rId3"/>
-              </a:ext>
-            </a:extLst>
-          </a:blip>
-          <a:stretch>
-            <a:fillRect/>
-          </a:stretch>
-        </p:blipFill>
-        <p:spPr>
-          <a:xfrm flipH="1">
-            <a:off x="9541398" y="4064161"/>
-            <a:ext cx="902826" cy="902826"/>
-          </a:xfrm>
-          <a:prstGeom prst="rect">
-            <a:avLst/>
-          </a:prstGeom>
-        </p:spPr>
-      </p:pic>
-      <p:pic>
-        <p:nvPicPr>
-          <p:cNvPr id="22" name="Picture 21">
-            <a:extLst>
-              <a:ext uri="{FF2B5EF4-FFF2-40B4-BE49-F238E27FC236}">
-                <a16:creationId xmlns:a16="http://schemas.microsoft.com/office/drawing/2014/main" id="{4577ABDB-E417-5C15-5447-29C751C034B6}"/>
-              </a:ext>
-            </a:extLst>
-          </p:cNvPr>
-          <p:cNvPicPr>
-            <a:picLocks noChangeAspect="1"/>
-          </p:cNvPicPr>
-          <p:nvPr/>
-        </p:nvPicPr>
-        <p:blipFill>
-          <a:blip r:embed="rId2">
-            <a:extLst>
-              <a:ext uri="{837473B0-CC2E-450A-ABE3-18F120FF3D39}">
-                <a1611:picAttrSrcUrl xmlns:a1611="http://schemas.microsoft.com/office/drawing/2016/11/main" r:id="rId3"/>
-              </a:ext>
-            </a:extLst>
-          </a:blip>
-          <a:stretch>
-            <a:fillRect/>
-          </a:stretch>
-        </p:blipFill>
-        <p:spPr>
-          <a:xfrm flipH="1">
-            <a:off x="8817972" y="4111357"/>
-            <a:ext cx="902826" cy="902826"/>
-          </a:xfrm>
-          <a:prstGeom prst="rect">
-            <a:avLst/>
-          </a:prstGeom>
-        </p:spPr>
-      </p:pic>
-      <p:sp>
-        <p:nvSpPr>
-          <p:cNvPr id="23" name="TextBox 22">
-            <a:extLst>
-              <a:ext uri="{FF2B5EF4-FFF2-40B4-BE49-F238E27FC236}">
-                <a16:creationId xmlns:a16="http://schemas.microsoft.com/office/drawing/2014/main" id="{6ECB2F3F-D6F5-9C25-3C2F-081277C47A84}"/>
-              </a:ext>
-            </a:extLst>
-          </p:cNvPr>
-          <p:cNvSpPr txBox="1"/>
-          <p:nvPr/>
-        </p:nvSpPr>
-        <p:spPr>
-          <a:xfrm>
-            <a:off x="6820380" y="4065057"/>
-            <a:ext cx="1560645" cy="369332"/>
-          </a:xfrm>
-          <a:prstGeom prst="rect">
-            <a:avLst/>
-          </a:prstGeom>
-          <a:noFill/>
-        </p:spPr>
-        <p:txBody>
-          <a:bodyPr wrap="square" rtlCol="0">
-            <a:spAutoFit/>
-          </a:bodyPr>
-          <a:lstStyle/>
-          <a:p>
-            <a:r>
-              <a:rPr lang="en-CR" dirty="0"/>
-              <a:t>Subscripciones</a:t>
-            </a:r>
-          </a:p>
-        </p:txBody>
-      </p:sp>
-      <p:cxnSp>
-        <p:nvCxnSpPr>
-          <p:cNvPr id="25" name="Straight Arrow Connector 24">
-            <a:extLst>
-              <a:ext uri="{FF2B5EF4-FFF2-40B4-BE49-F238E27FC236}">
-                <a16:creationId xmlns:a16="http://schemas.microsoft.com/office/drawing/2014/main" id="{D5F7A17F-5334-DB88-2648-C63B9531BA14}"/>
-              </a:ext>
-            </a:extLst>
-          </p:cNvPr>
-          <p:cNvCxnSpPr>
-            <a:cxnSpLocks/>
-            <a:stCxn id="8" idx="6"/>
-          </p:cNvCxnSpPr>
-          <p:nvPr/>
-        </p:nvCxnSpPr>
-        <p:spPr>
-          <a:xfrm>
-            <a:off x="5856789" y="2688220"/>
-            <a:ext cx="1056188" cy="1413398"/>
-          </a:xfrm>
-          <a:prstGeom prst="straightConnector1">
-            <a:avLst/>
-          </a:prstGeom>
-          <a:ln>
-            <a:tailEnd type="triangle"/>
-          </a:ln>
-        </p:spPr>
-        <p:style>
-          <a:lnRef idx="1">
-            <a:schemeClr val="accent1"/>
-          </a:lnRef>
-          <a:fillRef idx="0">
-            <a:schemeClr val="accent1"/>
-          </a:fillRef>
-          <a:effectRef idx="0">
-            <a:schemeClr val="accent1"/>
-          </a:effectRef>
-          <a:fontRef idx="minor">
-            <a:schemeClr val="tx1"/>
-          </a:fontRef>
-        </p:style>
-      </p:cxnSp>
-      <p:cxnSp>
-        <p:nvCxnSpPr>
-          <p:cNvPr id="27" name="Straight Arrow Connector 26">
-            <a:extLst>
-              <a:ext uri="{FF2B5EF4-FFF2-40B4-BE49-F238E27FC236}">
-                <a16:creationId xmlns:a16="http://schemas.microsoft.com/office/drawing/2014/main" id="{F84EB4E6-AD62-EB4D-1C54-5BBEFE9C26D4}"/>
-              </a:ext>
-            </a:extLst>
-          </p:cNvPr>
-          <p:cNvCxnSpPr>
-            <a:cxnSpLocks/>
-            <a:stCxn id="11" idx="0"/>
-            <a:endCxn id="23" idx="1"/>
-          </p:cNvCxnSpPr>
-          <p:nvPr/>
-        </p:nvCxnSpPr>
-        <p:spPr>
-          <a:xfrm>
-            <a:off x="5764192" y="4249356"/>
-            <a:ext cx="1056188" cy="367"/>
-          </a:xfrm>
-          <a:prstGeom prst="straightConnector1">
-            <a:avLst/>
-          </a:prstGeom>
-          <a:ln>
-            <a:tailEnd type="triangle"/>
-          </a:ln>
-        </p:spPr>
-        <p:style>
-          <a:lnRef idx="1">
-            <a:schemeClr val="accent1"/>
-          </a:lnRef>
-          <a:fillRef idx="0">
-            <a:schemeClr val="accent1"/>
-          </a:fillRef>
-          <a:effectRef idx="0">
-            <a:schemeClr val="accent1"/>
-          </a:effectRef>
-          <a:fontRef idx="minor">
-            <a:schemeClr val="tx1"/>
-          </a:fontRef>
-        </p:style>
-      </p:cxnSp>
-      <p:cxnSp>
-        <p:nvCxnSpPr>
-          <p:cNvPr id="29" name="Straight Arrow Connector 28">
-            <a:extLst>
-              <a:ext uri="{FF2B5EF4-FFF2-40B4-BE49-F238E27FC236}">
-                <a16:creationId xmlns:a16="http://schemas.microsoft.com/office/drawing/2014/main" id="{C2399CA1-D933-611E-9251-34C5DDBD014F}"/>
-              </a:ext>
-            </a:extLst>
-          </p:cNvPr>
-          <p:cNvCxnSpPr>
-            <a:stCxn id="9" idx="4"/>
-          </p:cNvCxnSpPr>
-          <p:nvPr/>
-        </p:nvCxnSpPr>
-        <p:spPr>
-          <a:xfrm flipV="1">
-            <a:off x="6285053" y="4490428"/>
-            <a:ext cx="659757" cy="1910372"/>
-          </a:xfrm>
-          <a:prstGeom prst="straightConnector1">
-            <a:avLst/>
-          </a:prstGeom>
-          <a:ln>
-            <a:tailEnd type="triangle"/>
-          </a:ln>
-        </p:spPr>
-        <p:style>
-          <a:lnRef idx="1">
-            <a:schemeClr val="accent1"/>
-          </a:lnRef>
-          <a:fillRef idx="0">
-            <a:schemeClr val="accent1"/>
-          </a:fillRef>
-          <a:effectRef idx="0">
-            <a:schemeClr val="accent1"/>
-          </a:effectRef>
-          <a:fontRef idx="minor">
-            <a:schemeClr val="tx1"/>
-          </a:fontRef>
-        </p:style>
-      </p:cxnSp>
-      <p:cxnSp>
-        <p:nvCxnSpPr>
-          <p:cNvPr id="32" name="Straight Arrow Connector 31">
-            <a:extLst>
-              <a:ext uri="{FF2B5EF4-FFF2-40B4-BE49-F238E27FC236}">
-                <a16:creationId xmlns:a16="http://schemas.microsoft.com/office/drawing/2014/main" id="{FFAF8B79-CB49-0239-F6AE-8CCB3B191947}"/>
-              </a:ext>
-            </a:extLst>
-          </p:cNvPr>
-          <p:cNvCxnSpPr>
-            <a:cxnSpLocks/>
-            <a:endCxn id="23" idx="3"/>
-          </p:cNvCxnSpPr>
-          <p:nvPr/>
-        </p:nvCxnSpPr>
-        <p:spPr>
-          <a:xfrm flipH="1">
-            <a:off x="8381025" y="4249723"/>
-            <a:ext cx="495298" cy="0"/>
-          </a:xfrm>
-          <a:prstGeom prst="straightConnector1">
-            <a:avLst/>
-          </a:prstGeom>
-          <a:ln>
-            <a:headEnd type="triangle"/>
-            <a:tailEnd type="triangle"/>
-          </a:ln>
-        </p:spPr>
-        <p:style>
-          <a:lnRef idx="1">
-            <a:schemeClr val="accent1"/>
-          </a:lnRef>
-          <a:fillRef idx="0">
-            <a:schemeClr val="accent1"/>
-          </a:fillRef>
-          <a:effectRef idx="0">
-            <a:schemeClr val="accent1"/>
-          </a:effectRef>
-          <a:fontRef idx="minor">
-            <a:schemeClr val="tx1"/>
-          </a:fontRef>
-        </p:style>
-      </p:cxnSp>
-    </p:spTree>
-    <p:extLst>
-      <p:ext uri="{BB962C8B-B14F-4D97-AF65-F5344CB8AC3E}">
-        <p14:creationId xmlns:p14="http://schemas.microsoft.com/office/powerpoint/2010/main" val="3799237881"/>
-      </p:ext>
-    </p:extLst>
-  </p:cSld>
-  <p:clrMapOvr>
-    <a:masterClrMapping/>
-  </p:clrMapOvr>
-</p:sld>
-</file>
-
-<file path=ppt/slides/slide33.xml><?xml version="1.0" encoding="utf-8"?>
-<p:sld xmlns:a="http://schemas.openxmlformats.org/drawingml/2006/main" xmlns:r="http://schemas.openxmlformats.org/officeDocument/2006/relationships" xmlns:p="http://schemas.openxmlformats.org/presentationml/2006/main">
-  <p:cSld>
-    <p:spTree>
-      <p:nvGrpSpPr>
-        <p:cNvPr id="1" name=""/>
-        <p:cNvGrpSpPr/>
-        <p:nvPr/>
-      </p:nvGrpSpPr>
-      <p:grpSpPr>
-        <a:xfrm>
-          <a:off x="0" y="0"/>
-          <a:ext cx="0" cy="0"/>
-          <a:chOff x="0" y="0"/>
-          <a:chExt cx="0" cy="0"/>
-        </a:xfrm>
-      </p:grpSpPr>
-      <p:sp>
-        <p:nvSpPr>
-          <p:cNvPr id="2" name="Title 1">
-            <a:extLst>
-              <a:ext uri="{FF2B5EF4-FFF2-40B4-BE49-F238E27FC236}">
-                <a16:creationId xmlns:a16="http://schemas.microsoft.com/office/drawing/2014/main" id="{5FCAE98A-1FA7-F640-BC7F-9C11658500D7}"/>
-              </a:ext>
-            </a:extLst>
-          </p:cNvPr>
-          <p:cNvSpPr>
-            <a:spLocks noGrp="1"/>
-          </p:cNvSpPr>
-          <p:nvPr>
-            <p:ph type="title"/>
-          </p:nvPr>
-        </p:nvSpPr>
-        <p:spPr/>
-        <p:txBody>
-          <a:bodyPr/>
-          <a:lstStyle/>
-          <a:p>
-            <a:r>
-              <a:rPr lang="en-US" dirty="0"/>
-              <a:t>Caso de </a:t>
-            </a:r>
-            <a:r>
-              <a:rPr lang="en-US" dirty="0" err="1"/>
-              <a:t>estudio</a:t>
-            </a:r>
-            <a:endParaRPr lang="en-CR" dirty="0"/>
-          </a:p>
-        </p:txBody>
-      </p:sp>
-      <p:sp>
-        <p:nvSpPr>
-          <p:cNvPr id="3" name="Slide Number Placeholder 2">
-            <a:extLst>
-              <a:ext uri="{FF2B5EF4-FFF2-40B4-BE49-F238E27FC236}">
-                <a16:creationId xmlns:a16="http://schemas.microsoft.com/office/drawing/2014/main" id="{1DECACD6-7120-4E4A-BB11-C58BCD3D0F9A}"/>
-              </a:ext>
-            </a:extLst>
-          </p:cNvPr>
-          <p:cNvSpPr>
-            <a:spLocks noGrp="1"/>
-          </p:cNvSpPr>
-          <p:nvPr>
-            <p:ph type="sldNum" sz="quarter" idx="12"/>
-          </p:nvPr>
-        </p:nvSpPr>
-        <p:spPr/>
-        <p:txBody>
-          <a:bodyPr/>
-          <a:lstStyle/>
-          <a:p>
-            <a:fld id="{4FAB73BC-B049-4115-A692-8D63A059BFB8}" type="slidenum">
-              <a:rPr lang="en-US" smtClean="0"/>
-              <a:pPr/>
-              <a:t>33</a:t>
-            </a:fld>
-            <a:endParaRPr lang="en-US" dirty="0"/>
-          </a:p>
-        </p:txBody>
-      </p:sp>
-      <p:sp>
-        <p:nvSpPr>
-          <p:cNvPr id="4" name="Rounded Rectangle 3">
-            <a:extLst>
-              <a:ext uri="{FF2B5EF4-FFF2-40B4-BE49-F238E27FC236}">
-                <a16:creationId xmlns:a16="http://schemas.microsoft.com/office/drawing/2014/main" id="{9DCA2A4D-FDF4-0658-469A-D8724D73E9E5}"/>
-              </a:ext>
-            </a:extLst>
-          </p:cNvPr>
-          <p:cNvSpPr/>
-          <p:nvPr/>
-        </p:nvSpPr>
-        <p:spPr>
-          <a:xfrm>
-            <a:off x="4826643" y="3625770"/>
-            <a:ext cx="1805650" cy="876782"/>
-          </a:xfrm>
-          <a:prstGeom prst="roundRect">
-            <a:avLst/>
-          </a:prstGeom>
-        </p:spPr>
-        <p:style>
-          <a:lnRef idx="2">
-            <a:schemeClr val="accent4">
-              <a:shade val="50000"/>
-            </a:schemeClr>
-          </a:lnRef>
-          <a:fillRef idx="1">
-            <a:schemeClr val="accent4"/>
-          </a:fillRef>
-          <a:effectRef idx="0">
-            <a:schemeClr val="accent4"/>
-          </a:effectRef>
-          <a:fontRef idx="minor">
-            <a:schemeClr val="lt1"/>
-          </a:fontRef>
-        </p:style>
-        <p:txBody>
-          <a:bodyPr rtlCol="0" anchor="ctr"/>
-          <a:lstStyle/>
-          <a:p>
-            <a:pPr algn="ctr"/>
-            <a:r>
-              <a:rPr lang="en-CR" dirty="0"/>
-              <a:t>Subscription Manager</a:t>
-            </a:r>
-          </a:p>
-        </p:txBody>
-      </p:sp>
-      <p:sp>
-        <p:nvSpPr>
-          <p:cNvPr id="24" name="Rounded Rectangle 23">
-            <a:extLst>
-              <a:ext uri="{FF2B5EF4-FFF2-40B4-BE49-F238E27FC236}">
-                <a16:creationId xmlns:a16="http://schemas.microsoft.com/office/drawing/2014/main" id="{9E55CDC8-87F6-FCD6-7DDA-97B100767C1C}"/>
-              </a:ext>
-            </a:extLst>
-          </p:cNvPr>
-          <p:cNvSpPr/>
-          <p:nvPr/>
-        </p:nvSpPr>
-        <p:spPr>
-          <a:xfrm>
-            <a:off x="1564511" y="3625770"/>
-            <a:ext cx="2104664" cy="876782"/>
-          </a:xfrm>
-          <a:prstGeom prst="roundRect">
-            <a:avLst/>
-          </a:prstGeom>
-        </p:spPr>
-        <p:style>
-          <a:lnRef idx="2">
-            <a:schemeClr val="accent1">
-              <a:shade val="50000"/>
-            </a:schemeClr>
-          </a:lnRef>
-          <a:fillRef idx="1">
-            <a:schemeClr val="accent1"/>
-          </a:fillRef>
-          <a:effectRef idx="0">
-            <a:schemeClr val="accent1"/>
-          </a:effectRef>
-          <a:fontRef idx="minor">
-            <a:schemeClr val="lt1"/>
-          </a:fontRef>
-        </p:style>
-        <p:txBody>
-          <a:bodyPr rtlCol="0" anchor="ctr"/>
-          <a:lstStyle/>
-          <a:p>
-            <a:pPr algn="ctr"/>
-            <a:r>
-              <a:rPr lang="en-CR" dirty="0"/>
-              <a:t>Persistance Storage</a:t>
-            </a:r>
-          </a:p>
-        </p:txBody>
-      </p:sp>
-      <p:sp>
-        <p:nvSpPr>
-          <p:cNvPr id="26" name="Rounded Rectangle 25">
-            <a:extLst>
-              <a:ext uri="{FF2B5EF4-FFF2-40B4-BE49-F238E27FC236}">
-                <a16:creationId xmlns:a16="http://schemas.microsoft.com/office/drawing/2014/main" id="{502A7936-3B33-04D5-9A78-7D5201DB1F77}"/>
-              </a:ext>
-            </a:extLst>
-          </p:cNvPr>
-          <p:cNvSpPr/>
-          <p:nvPr/>
-        </p:nvSpPr>
-        <p:spPr>
-          <a:xfrm>
-            <a:off x="7881279" y="3625770"/>
-            <a:ext cx="2104664" cy="876782"/>
-          </a:xfrm>
-          <a:prstGeom prst="roundRect">
-            <a:avLst/>
-          </a:prstGeom>
-        </p:spPr>
-        <p:style>
-          <a:lnRef idx="2">
-            <a:schemeClr val="accent3">
-              <a:shade val="50000"/>
-            </a:schemeClr>
-          </a:lnRef>
-          <a:fillRef idx="1">
-            <a:schemeClr val="accent3"/>
-          </a:fillRef>
-          <a:effectRef idx="0">
-            <a:schemeClr val="accent3"/>
-          </a:effectRef>
-          <a:fontRef idx="minor">
-            <a:schemeClr val="lt1"/>
-          </a:fontRef>
-        </p:style>
-        <p:txBody>
-          <a:bodyPr rtlCol="0" anchor="ctr"/>
-          <a:lstStyle/>
-          <a:p>
-            <a:pPr algn="ctr"/>
-            <a:r>
-              <a:rPr lang="en-CR" dirty="0"/>
-              <a:t>Access Intefaces</a:t>
-            </a:r>
-          </a:p>
-        </p:txBody>
-      </p:sp>
-      <p:cxnSp>
-        <p:nvCxnSpPr>
-          <p:cNvPr id="6" name="Straight Arrow Connector 5">
-            <a:extLst>
-              <a:ext uri="{FF2B5EF4-FFF2-40B4-BE49-F238E27FC236}">
-                <a16:creationId xmlns:a16="http://schemas.microsoft.com/office/drawing/2014/main" id="{B4750DF3-978C-06E9-0C0E-02A66B81F5C6}"/>
-              </a:ext>
-            </a:extLst>
-          </p:cNvPr>
-          <p:cNvCxnSpPr>
-            <a:stCxn id="24" idx="3"/>
-            <a:endCxn id="4" idx="1"/>
-          </p:cNvCxnSpPr>
-          <p:nvPr/>
-        </p:nvCxnSpPr>
-        <p:spPr>
-          <a:xfrm>
-            <a:off x="3669175" y="4064161"/>
-            <a:ext cx="1157468" cy="0"/>
-          </a:xfrm>
-          <a:prstGeom prst="straightConnector1">
-            <a:avLst/>
-          </a:prstGeom>
-          <a:ln>
-            <a:solidFill>
-              <a:srgbClr val="C00000"/>
-            </a:solidFill>
-            <a:headEnd type="triangle"/>
-            <a:tailEnd type="triangle"/>
-          </a:ln>
-        </p:spPr>
-        <p:style>
-          <a:lnRef idx="1">
-            <a:schemeClr val="accent1"/>
-          </a:lnRef>
-          <a:fillRef idx="0">
-            <a:schemeClr val="accent1"/>
-          </a:fillRef>
-          <a:effectRef idx="0">
-            <a:schemeClr val="accent1"/>
-          </a:effectRef>
-          <a:fontRef idx="minor">
-            <a:schemeClr val="tx1"/>
-          </a:fontRef>
-        </p:style>
-      </p:cxnSp>
-      <p:cxnSp>
-        <p:nvCxnSpPr>
-          <p:cNvPr id="12" name="Straight Arrow Connector 11">
-            <a:extLst>
-              <a:ext uri="{FF2B5EF4-FFF2-40B4-BE49-F238E27FC236}">
-                <a16:creationId xmlns:a16="http://schemas.microsoft.com/office/drawing/2014/main" id="{00A1F756-D60B-71F1-6A1D-3AED7EDCC366}"/>
-              </a:ext>
-            </a:extLst>
-          </p:cNvPr>
-          <p:cNvCxnSpPr>
-            <a:stCxn id="4" idx="3"/>
-            <a:endCxn id="26" idx="1"/>
-          </p:cNvCxnSpPr>
-          <p:nvPr/>
-        </p:nvCxnSpPr>
-        <p:spPr>
-          <a:xfrm>
-            <a:off x="6632293" y="4064161"/>
-            <a:ext cx="1248986" cy="0"/>
-          </a:xfrm>
-          <a:prstGeom prst="straightConnector1">
-            <a:avLst/>
-          </a:prstGeom>
-          <a:ln>
-            <a:solidFill>
-              <a:srgbClr val="C00000"/>
-            </a:solidFill>
-            <a:headEnd type="triangle"/>
-            <a:tailEnd type="triangle"/>
-          </a:ln>
-        </p:spPr>
-        <p:style>
-          <a:lnRef idx="1">
-            <a:schemeClr val="accent1"/>
-          </a:lnRef>
-          <a:fillRef idx="0">
-            <a:schemeClr val="accent1"/>
-          </a:fillRef>
-          <a:effectRef idx="0">
-            <a:schemeClr val="accent1"/>
-          </a:effectRef>
-          <a:fontRef idx="minor">
-            <a:schemeClr val="tx1"/>
-          </a:fontRef>
-        </p:style>
-      </p:cxnSp>
-    </p:spTree>
-    <p:extLst>
-      <p:ext uri="{BB962C8B-B14F-4D97-AF65-F5344CB8AC3E}">
-        <p14:creationId xmlns:p14="http://schemas.microsoft.com/office/powerpoint/2010/main" val="2121785855"/>
-      </p:ext>
-    </p:extLst>
-  </p:cSld>
-  <p:clrMapOvr>
-    <a:masterClrMapping/>
-  </p:clrMapOvr>
-</p:sld>
-</file>
-
-<file path=ppt/slides/slide34.xml><?xml version="1.0" encoding="utf-8"?>
-<p:sld xmlns:a="http://schemas.openxmlformats.org/drawingml/2006/main" xmlns:r="http://schemas.openxmlformats.org/officeDocument/2006/relationships" xmlns:p="http://schemas.openxmlformats.org/presentationml/2006/main">
-  <p:cSld>
-    <p:spTree>
-      <p:nvGrpSpPr>
-        <p:cNvPr id="1" name=""/>
-        <p:cNvGrpSpPr/>
-        <p:nvPr/>
-      </p:nvGrpSpPr>
-      <p:grpSpPr>
-        <a:xfrm>
-          <a:off x="0" y="0"/>
-          <a:ext cx="0" cy="0"/>
-          <a:chOff x="0" y="0"/>
-          <a:chExt cx="0" cy="0"/>
-        </a:xfrm>
-      </p:grpSpPr>
-      <p:sp>
-        <p:nvSpPr>
-          <p:cNvPr id="2" name="Title 1">
-            <a:extLst>
-              <a:ext uri="{FF2B5EF4-FFF2-40B4-BE49-F238E27FC236}">
-                <a16:creationId xmlns:a16="http://schemas.microsoft.com/office/drawing/2014/main" id="{5FCAE98A-1FA7-F640-BC7F-9C11658500D7}"/>
-              </a:ext>
-            </a:extLst>
-          </p:cNvPr>
-          <p:cNvSpPr>
-            <a:spLocks noGrp="1"/>
-          </p:cNvSpPr>
-          <p:nvPr>
-            <p:ph type="title"/>
-          </p:nvPr>
-        </p:nvSpPr>
-        <p:spPr/>
-        <p:txBody>
-          <a:bodyPr/>
-          <a:lstStyle/>
-          <a:p>
-            <a:r>
-              <a:rPr lang="en-US" dirty="0"/>
-              <a:t>Caso de </a:t>
-            </a:r>
-            <a:r>
-              <a:rPr lang="en-US" dirty="0" err="1"/>
-              <a:t>estudio</a:t>
-            </a:r>
-            <a:endParaRPr lang="en-CR" dirty="0"/>
-          </a:p>
-        </p:txBody>
-      </p:sp>
-      <p:sp>
-        <p:nvSpPr>
-          <p:cNvPr id="3" name="Slide Number Placeholder 2">
-            <a:extLst>
-              <a:ext uri="{FF2B5EF4-FFF2-40B4-BE49-F238E27FC236}">
-                <a16:creationId xmlns:a16="http://schemas.microsoft.com/office/drawing/2014/main" id="{1DECACD6-7120-4E4A-BB11-C58BCD3D0F9A}"/>
-              </a:ext>
-            </a:extLst>
-          </p:cNvPr>
-          <p:cNvSpPr>
-            <a:spLocks noGrp="1"/>
-          </p:cNvSpPr>
-          <p:nvPr>
-            <p:ph type="sldNum" sz="quarter" idx="12"/>
-          </p:nvPr>
-        </p:nvSpPr>
-        <p:spPr/>
-        <p:txBody>
-          <a:bodyPr/>
-          <a:lstStyle/>
-          <a:p>
-            <a:fld id="{4FAB73BC-B049-4115-A692-8D63A059BFB8}" type="slidenum">
-              <a:rPr lang="en-US" smtClean="0"/>
-              <a:pPr/>
-              <a:t>34</a:t>
-            </a:fld>
-            <a:endParaRPr lang="en-US" dirty="0"/>
-          </a:p>
-        </p:txBody>
-      </p:sp>
-      <p:sp>
-        <p:nvSpPr>
-          <p:cNvPr id="4" name="Rounded Rectangle 3">
-            <a:extLst>
-              <a:ext uri="{FF2B5EF4-FFF2-40B4-BE49-F238E27FC236}">
-                <a16:creationId xmlns:a16="http://schemas.microsoft.com/office/drawing/2014/main" id="{9DCA2A4D-FDF4-0658-469A-D8724D73E9E5}"/>
-              </a:ext>
-            </a:extLst>
-          </p:cNvPr>
-          <p:cNvSpPr/>
-          <p:nvPr/>
-        </p:nvSpPr>
-        <p:spPr>
-          <a:xfrm>
-            <a:off x="4826643" y="3625770"/>
-            <a:ext cx="1805650" cy="876782"/>
-          </a:xfrm>
-          <a:prstGeom prst="roundRect">
-            <a:avLst/>
-          </a:prstGeom>
-        </p:spPr>
-        <p:style>
-          <a:lnRef idx="2">
-            <a:schemeClr val="accent4">
-              <a:shade val="50000"/>
-            </a:schemeClr>
-          </a:lnRef>
-          <a:fillRef idx="1">
-            <a:schemeClr val="accent4"/>
-          </a:fillRef>
-          <a:effectRef idx="0">
-            <a:schemeClr val="accent4"/>
-          </a:effectRef>
-          <a:fontRef idx="minor">
-            <a:schemeClr val="lt1"/>
-          </a:fontRef>
-        </p:style>
-        <p:txBody>
-          <a:bodyPr rtlCol="0" anchor="ctr"/>
-          <a:lstStyle/>
-          <a:p>
-            <a:pPr algn="ctr"/>
-            <a:r>
-              <a:rPr lang="en-CR" dirty="0"/>
-              <a:t>Subscription Manager</a:t>
-            </a:r>
-          </a:p>
-        </p:txBody>
-      </p:sp>
-      <p:sp>
-        <p:nvSpPr>
-          <p:cNvPr id="24" name="Rounded Rectangle 23">
-            <a:extLst>
-              <a:ext uri="{FF2B5EF4-FFF2-40B4-BE49-F238E27FC236}">
-                <a16:creationId xmlns:a16="http://schemas.microsoft.com/office/drawing/2014/main" id="{9E55CDC8-87F6-FCD6-7DDA-97B100767C1C}"/>
-              </a:ext>
-            </a:extLst>
-          </p:cNvPr>
-          <p:cNvSpPr/>
-          <p:nvPr/>
-        </p:nvSpPr>
-        <p:spPr>
-          <a:xfrm>
-            <a:off x="1564511" y="3625770"/>
-            <a:ext cx="2104664" cy="876782"/>
-          </a:xfrm>
-          <a:prstGeom prst="roundRect">
-            <a:avLst/>
-          </a:prstGeom>
-        </p:spPr>
-        <p:style>
-          <a:lnRef idx="2">
-            <a:schemeClr val="accent1">
-              <a:shade val="50000"/>
-            </a:schemeClr>
-          </a:lnRef>
-          <a:fillRef idx="1">
-            <a:schemeClr val="accent1"/>
-          </a:fillRef>
-          <a:effectRef idx="0">
-            <a:schemeClr val="accent1"/>
-          </a:effectRef>
-          <a:fontRef idx="minor">
-            <a:schemeClr val="lt1"/>
-          </a:fontRef>
-        </p:style>
-        <p:txBody>
-          <a:bodyPr rtlCol="0" anchor="ctr"/>
-          <a:lstStyle/>
-          <a:p>
-            <a:pPr algn="ctr"/>
-            <a:r>
-              <a:rPr lang="en-CR" dirty="0"/>
-              <a:t>Persistance Storage</a:t>
-            </a:r>
-          </a:p>
-        </p:txBody>
-      </p:sp>
-      <p:sp>
-        <p:nvSpPr>
-          <p:cNvPr id="26" name="Rounded Rectangle 25">
-            <a:extLst>
-              <a:ext uri="{FF2B5EF4-FFF2-40B4-BE49-F238E27FC236}">
-                <a16:creationId xmlns:a16="http://schemas.microsoft.com/office/drawing/2014/main" id="{502A7936-3B33-04D5-9A78-7D5201DB1F77}"/>
-              </a:ext>
-            </a:extLst>
-          </p:cNvPr>
-          <p:cNvSpPr/>
-          <p:nvPr/>
-        </p:nvSpPr>
-        <p:spPr>
-          <a:xfrm>
-            <a:off x="7881279" y="3625770"/>
-            <a:ext cx="2104664" cy="876782"/>
-          </a:xfrm>
-          <a:prstGeom prst="roundRect">
-            <a:avLst/>
-          </a:prstGeom>
-        </p:spPr>
-        <p:style>
-          <a:lnRef idx="2">
-            <a:schemeClr val="accent3">
-              <a:shade val="50000"/>
-            </a:schemeClr>
-          </a:lnRef>
-          <a:fillRef idx="1">
-            <a:schemeClr val="accent3"/>
-          </a:fillRef>
-          <a:effectRef idx="0">
-            <a:schemeClr val="accent3"/>
-          </a:effectRef>
-          <a:fontRef idx="minor">
-            <a:schemeClr val="lt1"/>
-          </a:fontRef>
-        </p:style>
-        <p:txBody>
-          <a:bodyPr rtlCol="0" anchor="ctr"/>
-          <a:lstStyle/>
-          <a:p>
-            <a:pPr algn="ctr"/>
-            <a:r>
-              <a:rPr lang="en-CR" dirty="0"/>
-              <a:t>Access Intefaces</a:t>
-            </a:r>
-          </a:p>
-        </p:txBody>
-      </p:sp>
-      <p:cxnSp>
-        <p:nvCxnSpPr>
-          <p:cNvPr id="6" name="Straight Arrow Connector 5">
-            <a:extLst>
-              <a:ext uri="{FF2B5EF4-FFF2-40B4-BE49-F238E27FC236}">
-                <a16:creationId xmlns:a16="http://schemas.microsoft.com/office/drawing/2014/main" id="{B4750DF3-978C-06E9-0C0E-02A66B81F5C6}"/>
-              </a:ext>
-            </a:extLst>
-          </p:cNvPr>
-          <p:cNvCxnSpPr>
-            <a:stCxn id="24" idx="3"/>
-            <a:endCxn id="4" idx="1"/>
-          </p:cNvCxnSpPr>
-          <p:nvPr/>
-        </p:nvCxnSpPr>
-        <p:spPr>
-          <a:xfrm>
-            <a:off x="3669175" y="4064161"/>
-            <a:ext cx="1157468" cy="0"/>
-          </a:xfrm>
-          <a:prstGeom prst="straightConnector1">
-            <a:avLst/>
-          </a:prstGeom>
-          <a:ln>
-            <a:solidFill>
-              <a:srgbClr val="C00000"/>
-            </a:solidFill>
-            <a:headEnd type="triangle"/>
-            <a:tailEnd type="triangle"/>
-          </a:ln>
-        </p:spPr>
-        <p:style>
-          <a:lnRef idx="1">
-            <a:schemeClr val="accent1"/>
-          </a:lnRef>
-          <a:fillRef idx="0">
-            <a:schemeClr val="accent1"/>
-          </a:fillRef>
-          <a:effectRef idx="0">
-            <a:schemeClr val="accent1"/>
-          </a:effectRef>
-          <a:fontRef idx="minor">
-            <a:schemeClr val="tx1"/>
-          </a:fontRef>
-        </p:style>
-      </p:cxnSp>
-      <p:cxnSp>
-        <p:nvCxnSpPr>
-          <p:cNvPr id="12" name="Straight Arrow Connector 11">
-            <a:extLst>
-              <a:ext uri="{FF2B5EF4-FFF2-40B4-BE49-F238E27FC236}">
-                <a16:creationId xmlns:a16="http://schemas.microsoft.com/office/drawing/2014/main" id="{00A1F756-D60B-71F1-6A1D-3AED7EDCC366}"/>
-              </a:ext>
-            </a:extLst>
-          </p:cNvPr>
-          <p:cNvCxnSpPr>
-            <a:stCxn id="4" idx="3"/>
-            <a:endCxn id="26" idx="1"/>
-          </p:cNvCxnSpPr>
-          <p:nvPr/>
-        </p:nvCxnSpPr>
-        <p:spPr>
-          <a:xfrm>
-            <a:off x="6632293" y="4064161"/>
-            <a:ext cx="1248986" cy="0"/>
-          </a:xfrm>
-          <a:prstGeom prst="straightConnector1">
-            <a:avLst/>
-          </a:prstGeom>
-          <a:ln>
-            <a:solidFill>
-              <a:srgbClr val="C00000"/>
-            </a:solidFill>
-            <a:headEnd type="triangle"/>
-            <a:tailEnd type="triangle"/>
-          </a:ln>
-        </p:spPr>
-        <p:style>
-          <a:lnRef idx="1">
-            <a:schemeClr val="accent1"/>
-          </a:lnRef>
-          <a:fillRef idx="0">
-            <a:schemeClr val="accent1"/>
-          </a:fillRef>
-          <a:effectRef idx="0">
-            <a:schemeClr val="accent1"/>
-          </a:effectRef>
-          <a:fontRef idx="minor">
-            <a:schemeClr val="tx1"/>
-          </a:fontRef>
-        </p:style>
-      </p:cxnSp>
-      <p:pic>
-        <p:nvPicPr>
-          <p:cNvPr id="7" name="Picture 6">
-            <a:extLst>
-              <a:ext uri="{FF2B5EF4-FFF2-40B4-BE49-F238E27FC236}">
-                <a16:creationId xmlns:a16="http://schemas.microsoft.com/office/drawing/2014/main" id="{9FBB5717-FFB8-1B36-88B0-33478CCA1782}"/>
-              </a:ext>
-            </a:extLst>
-          </p:cNvPr>
-          <p:cNvPicPr>
-            <a:picLocks noChangeAspect="1"/>
-          </p:cNvPicPr>
-          <p:nvPr/>
-        </p:nvPicPr>
-        <p:blipFill>
-          <a:blip r:embed="rId2">
-            <a:extLst>
-              <a:ext uri="{837473B0-CC2E-450A-ABE3-18F120FF3D39}">
-                <a1611:picAttrSrcUrl xmlns:a1611="http://schemas.microsoft.com/office/drawing/2016/11/main" r:id="rId3"/>
-              </a:ext>
-            </a:extLst>
-          </a:blip>
-          <a:stretch>
-            <a:fillRect/>
-          </a:stretch>
-        </p:blipFill>
-        <p:spPr>
-          <a:xfrm>
-            <a:off x="1472993" y="4502552"/>
-            <a:ext cx="2104664" cy="701555"/>
-          </a:xfrm>
-          <a:prstGeom prst="rect">
-            <a:avLst/>
-          </a:prstGeom>
-        </p:spPr>
-      </p:pic>
-      <p:pic>
-        <p:nvPicPr>
-          <p:cNvPr id="10" name="Picture 9">
-            <a:extLst>
-              <a:ext uri="{FF2B5EF4-FFF2-40B4-BE49-F238E27FC236}">
-                <a16:creationId xmlns:a16="http://schemas.microsoft.com/office/drawing/2014/main" id="{26FA43A1-D918-4FB8-F018-9273CBAB1073}"/>
-              </a:ext>
-            </a:extLst>
-          </p:cNvPr>
-          <p:cNvPicPr>
-            <a:picLocks noChangeAspect="1"/>
-          </p:cNvPicPr>
-          <p:nvPr/>
-        </p:nvPicPr>
-        <p:blipFill>
-          <a:blip r:embed="rId4">
-            <a:extLst>
-              <a:ext uri="{837473B0-CC2E-450A-ABE3-18F120FF3D39}">
-                <a1611:picAttrSrcUrl xmlns:a1611="http://schemas.microsoft.com/office/drawing/2016/11/main" r:id="rId5"/>
-              </a:ext>
-            </a:extLst>
-          </a:blip>
-          <a:stretch>
-            <a:fillRect/>
-          </a:stretch>
-        </p:blipFill>
-        <p:spPr>
-          <a:xfrm>
-            <a:off x="4682973" y="4528388"/>
-            <a:ext cx="1949320" cy="825109"/>
-          </a:xfrm>
-          <a:prstGeom prst="rect">
-            <a:avLst/>
-          </a:prstGeom>
-        </p:spPr>
-      </p:pic>
-      <p:pic>
-        <p:nvPicPr>
-          <p:cNvPr id="14" name="Picture 13">
-            <a:extLst>
-              <a:ext uri="{FF2B5EF4-FFF2-40B4-BE49-F238E27FC236}">
-                <a16:creationId xmlns:a16="http://schemas.microsoft.com/office/drawing/2014/main" id="{1322A017-9747-114F-E198-858384E06E44}"/>
-              </a:ext>
-            </a:extLst>
-          </p:cNvPr>
-          <p:cNvPicPr>
-            <a:picLocks noChangeAspect="1"/>
-          </p:cNvPicPr>
-          <p:nvPr/>
-        </p:nvPicPr>
-        <p:blipFill>
-          <a:blip r:embed="rId6">
-            <a:extLst>
-              <a:ext uri="{837473B0-CC2E-450A-ABE3-18F120FF3D39}">
-                <a1611:picAttrSrcUrl xmlns:a1611="http://schemas.microsoft.com/office/drawing/2016/11/main" r:id="rId7"/>
-              </a:ext>
-            </a:extLst>
-          </a:blip>
-          <a:stretch>
-            <a:fillRect/>
-          </a:stretch>
-        </p:blipFill>
-        <p:spPr>
-          <a:xfrm>
-            <a:off x="4422349" y="5245542"/>
-            <a:ext cx="1307119" cy="470665"/>
-          </a:xfrm>
-          <a:prstGeom prst="rect">
-            <a:avLst/>
-          </a:prstGeom>
-        </p:spPr>
-      </p:pic>
-      <p:pic>
-        <p:nvPicPr>
-          <p:cNvPr id="1026" name="Picture 2" descr="ASP.NET Core Swagger UI Authorization using IdentityServer4">
-            <a:extLst>
-              <a:ext uri="{FF2B5EF4-FFF2-40B4-BE49-F238E27FC236}">
-                <a16:creationId xmlns:a16="http://schemas.microsoft.com/office/drawing/2014/main" id="{B2801583-882F-0CF8-65C2-696EF09474BC}"/>
-              </a:ext>
-            </a:extLst>
-          </p:cNvPr>
-          <p:cNvPicPr>
-            <a:picLocks noChangeAspect="1" noChangeArrowheads="1"/>
-          </p:cNvPicPr>
-          <p:nvPr/>
-        </p:nvPicPr>
-        <p:blipFill>
-          <a:blip r:embed="rId8">
-            <a:extLst>
-              <a:ext uri="{28A0092B-C50C-407E-A947-70E740481C1C}">
-                <a14:useLocalDpi xmlns:a14="http://schemas.microsoft.com/office/drawing/2010/main" val="0"/>
-              </a:ext>
-            </a:extLst>
-          </a:blip>
-          <a:srcRect/>
-          <a:stretch>
-            <a:fillRect/>
-          </a:stretch>
-        </p:blipFill>
-        <p:spPr bwMode="auto">
-          <a:xfrm>
-            <a:off x="4077306" y="6006341"/>
-            <a:ext cx="1211333" cy="339110"/>
-          </a:xfrm>
-          <a:prstGeom prst="rect">
-            <a:avLst/>
-          </a:prstGeom>
-          <a:noFill/>
-          <a:extLst>
-            <a:ext uri="{909E8E84-426E-40DD-AFC4-6F175D3DCCD1}">
-              <a14:hiddenFill xmlns:a14="http://schemas.microsoft.com/office/drawing/2010/main">
-                <a:solidFill>
-                  <a:srgbClr val="FFFFFF"/>
-                </a:solidFill>
-              </a14:hiddenFill>
-            </a:ext>
-          </a:extLst>
-        </p:spPr>
-      </p:pic>
-      <p:pic>
-        <p:nvPicPr>
-          <p:cNvPr id="1028" name="Picture 4" descr="Uvicorn">
-            <a:extLst>
-              <a:ext uri="{FF2B5EF4-FFF2-40B4-BE49-F238E27FC236}">
-                <a16:creationId xmlns:a16="http://schemas.microsoft.com/office/drawing/2014/main" id="{6AE93329-191D-F7D3-0413-5640B666C312}"/>
-              </a:ext>
-            </a:extLst>
-          </p:cNvPr>
-          <p:cNvPicPr>
-            <a:picLocks noChangeAspect="1" noChangeArrowheads="1"/>
-          </p:cNvPicPr>
-          <p:nvPr/>
-        </p:nvPicPr>
-        <p:blipFill>
-          <a:blip r:embed="rId9">
-            <a:extLst>
-              <a:ext uri="{28A0092B-C50C-407E-A947-70E740481C1C}">
-                <a14:useLocalDpi xmlns:a14="http://schemas.microsoft.com/office/drawing/2010/main" val="0"/>
-              </a:ext>
-            </a:extLst>
-          </a:blip>
-          <a:srcRect/>
-          <a:stretch>
-            <a:fillRect/>
-          </a:stretch>
-        </p:blipFill>
-        <p:spPr bwMode="auto">
-          <a:xfrm>
-            <a:off x="5832609" y="5343276"/>
-            <a:ext cx="1002175" cy="1002175"/>
-          </a:xfrm>
-          <a:prstGeom prst="rect">
-            <a:avLst/>
-          </a:prstGeom>
-          <a:noFill/>
-          <a:extLst>
-            <a:ext uri="{909E8E84-426E-40DD-AFC4-6F175D3DCCD1}">
-              <a14:hiddenFill xmlns:a14="http://schemas.microsoft.com/office/drawing/2010/main">
-                <a:solidFill>
-                  <a:srgbClr val="FFFFFF"/>
-                </a:solidFill>
-              </a14:hiddenFill>
-            </a:ext>
-          </a:extLst>
-        </p:spPr>
-      </p:pic>
-      <p:pic>
-        <p:nvPicPr>
-          <p:cNvPr id="17" name="Picture 16">
-            <a:extLst>
-              <a:ext uri="{FF2B5EF4-FFF2-40B4-BE49-F238E27FC236}">
-                <a16:creationId xmlns:a16="http://schemas.microsoft.com/office/drawing/2014/main" id="{8ABFBB73-59F9-F52E-8CAB-42AB47C53B87}"/>
-              </a:ext>
-            </a:extLst>
-          </p:cNvPr>
-          <p:cNvPicPr>
-            <a:picLocks noChangeAspect="1"/>
-          </p:cNvPicPr>
-          <p:nvPr/>
-        </p:nvPicPr>
-        <p:blipFill>
-          <a:blip r:embed="rId10">
-            <a:extLst>
-              <a:ext uri="{837473B0-CC2E-450A-ABE3-18F120FF3D39}">
-                <a1611:picAttrSrcUrl xmlns:a1611="http://schemas.microsoft.com/office/drawing/2016/11/main" r:id="rId11"/>
-              </a:ext>
-            </a:extLst>
-          </a:blip>
-          <a:stretch>
-            <a:fillRect/>
-          </a:stretch>
-        </p:blipFill>
-        <p:spPr>
-          <a:xfrm>
-            <a:off x="7794677" y="4602785"/>
-            <a:ext cx="1002175" cy="1002175"/>
-          </a:xfrm>
-          <a:prstGeom prst="rect">
-            <a:avLst/>
-          </a:prstGeom>
-        </p:spPr>
-      </p:pic>
-      <p:pic>
-        <p:nvPicPr>
-          <p:cNvPr id="20" name="Picture 19">
-            <a:extLst>
-              <a:ext uri="{FF2B5EF4-FFF2-40B4-BE49-F238E27FC236}">
-                <a16:creationId xmlns:a16="http://schemas.microsoft.com/office/drawing/2014/main" id="{0B297013-2CBB-F79B-2FC0-C17C833EFFCE}"/>
-              </a:ext>
-            </a:extLst>
-          </p:cNvPr>
-          <p:cNvPicPr>
-            <a:picLocks noChangeAspect="1"/>
-          </p:cNvPicPr>
-          <p:nvPr/>
-        </p:nvPicPr>
-        <p:blipFill>
-          <a:blip r:embed="rId12">
-            <a:extLst>
-              <a:ext uri="{837473B0-CC2E-450A-ABE3-18F120FF3D39}">
-                <a1611:picAttrSrcUrl xmlns:a1611="http://schemas.microsoft.com/office/drawing/2016/11/main" r:id="rId13"/>
-              </a:ext>
-            </a:extLst>
-          </a:blip>
-          <a:stretch>
-            <a:fillRect/>
-          </a:stretch>
-        </p:blipFill>
-        <p:spPr>
-          <a:xfrm>
-            <a:off x="8513383" y="4488946"/>
-            <a:ext cx="2114106" cy="1321316"/>
-          </a:xfrm>
-          <a:prstGeom prst="rect">
-            <a:avLst/>
-          </a:prstGeom>
-        </p:spPr>
-      </p:pic>
-    </p:spTree>
-    <p:extLst>
-      <p:ext uri="{BB962C8B-B14F-4D97-AF65-F5344CB8AC3E}">
-        <p14:creationId xmlns:p14="http://schemas.microsoft.com/office/powerpoint/2010/main" val="731463829"/>
-      </p:ext>
-    </p:extLst>
-  </p:cSld>
-  <p:clrMapOvr>
-    <a:masterClrMapping/>
-  </p:clrMapOvr>
-</p:sld>
-</file>
-
-<file path=ppt/slides/slide35.xml><?xml version="1.0" encoding="utf-8"?>
-<p:sld xmlns:a="http://schemas.openxmlformats.org/drawingml/2006/main" xmlns:r="http://schemas.openxmlformats.org/officeDocument/2006/relationships" xmlns:p="http://schemas.openxmlformats.org/presentationml/2006/main">
-  <p:cSld>
-    <p:spTree>
-      <p:nvGrpSpPr>
-        <p:cNvPr id="1" name=""/>
-        <p:cNvGrpSpPr/>
-        <p:nvPr/>
-      </p:nvGrpSpPr>
-      <p:grpSpPr>
-        <a:xfrm>
-          <a:off x="0" y="0"/>
-          <a:ext cx="0" cy="0"/>
-          <a:chOff x="0" y="0"/>
-          <a:chExt cx="0" cy="0"/>
-        </a:xfrm>
-      </p:grpSpPr>
-      <p:sp>
-        <p:nvSpPr>
-          <p:cNvPr id="2" name="Title 1">
-            <a:extLst>
-              <a:ext uri="{FF2B5EF4-FFF2-40B4-BE49-F238E27FC236}">
-                <a16:creationId xmlns:a16="http://schemas.microsoft.com/office/drawing/2014/main" id="{5FCAE98A-1FA7-F640-BC7F-9C11658500D7}"/>
-              </a:ext>
-            </a:extLst>
-          </p:cNvPr>
-          <p:cNvSpPr>
-            <a:spLocks noGrp="1"/>
-          </p:cNvSpPr>
-          <p:nvPr>
-            <p:ph type="title"/>
-          </p:nvPr>
-        </p:nvSpPr>
-        <p:spPr>
-          <a:xfrm>
-            <a:off x="2231136" y="2834640"/>
-            <a:ext cx="7729728" cy="1188720"/>
-          </a:xfrm>
-        </p:spPr>
-        <p:txBody>
-          <a:bodyPr/>
-          <a:lstStyle/>
-          <a:p>
-            <a:r>
-              <a:rPr lang="en-US" dirty="0" err="1"/>
-              <a:t>Revisión</a:t>
-            </a:r>
-            <a:r>
-              <a:rPr lang="en-US" dirty="0"/>
-              <a:t> del </a:t>
-            </a:r>
-            <a:r>
-              <a:rPr lang="en-US" dirty="0" err="1"/>
-              <a:t>código</a:t>
-            </a:r>
-            <a:endParaRPr lang="en-CR" dirty="0"/>
-          </a:p>
-        </p:txBody>
-      </p:sp>
-      <p:sp>
-        <p:nvSpPr>
-          <p:cNvPr id="3" name="Slide Number Placeholder 2">
-            <a:extLst>
-              <a:ext uri="{FF2B5EF4-FFF2-40B4-BE49-F238E27FC236}">
-                <a16:creationId xmlns:a16="http://schemas.microsoft.com/office/drawing/2014/main" id="{1DECACD6-7120-4E4A-BB11-C58BCD3D0F9A}"/>
-              </a:ext>
-            </a:extLst>
-          </p:cNvPr>
-          <p:cNvSpPr>
-            <a:spLocks noGrp="1"/>
-          </p:cNvSpPr>
-          <p:nvPr>
-            <p:ph type="sldNum" sz="quarter" idx="12"/>
-          </p:nvPr>
-        </p:nvSpPr>
-        <p:spPr/>
-        <p:txBody>
-          <a:bodyPr/>
-          <a:lstStyle/>
-          <a:p>
-            <a:fld id="{4FAB73BC-B049-4115-A692-8D63A059BFB8}" type="slidenum">
-              <a:rPr lang="en-US" smtClean="0"/>
-              <a:pPr/>
-              <a:t>35</a:t>
-            </a:fld>
-            <a:endParaRPr lang="en-US" dirty="0"/>
-          </a:p>
-        </p:txBody>
-      </p:sp>
-    </p:spTree>
-    <p:extLst>
-      <p:ext uri="{BB962C8B-B14F-4D97-AF65-F5344CB8AC3E}">
-        <p14:creationId xmlns:p14="http://schemas.microsoft.com/office/powerpoint/2010/main" val="1257853938"/>
-      </p:ext>
-    </p:extLst>
-  </p:cSld>
-  <p:clrMapOvr>
-    <a:masterClrMapping/>
-  </p:clrMapOvr>
-</p:sld>
-</file>
-
-<file path=ppt/slides/slide36.xml><?xml version="1.0" encoding="utf-8"?>
-<p:sld xmlns:a="http://schemas.openxmlformats.org/drawingml/2006/main" xmlns:r="http://schemas.openxmlformats.org/officeDocument/2006/relationships" xmlns:p="http://schemas.openxmlformats.org/presentationml/2006/main">
-  <p:cSld>
-    <p:spTree>
-      <p:nvGrpSpPr>
-        <p:cNvPr id="1" name=""/>
-        <p:cNvGrpSpPr/>
-        <p:nvPr/>
-      </p:nvGrpSpPr>
-      <p:grpSpPr>
-        <a:xfrm>
-          <a:off x="0" y="0"/>
-          <a:ext cx="0" cy="0"/>
-          <a:chOff x="0" y="0"/>
-          <a:chExt cx="0" cy="0"/>
-        </a:xfrm>
-      </p:grpSpPr>
-      <p:sp>
-        <p:nvSpPr>
-          <p:cNvPr id="2" name="Title 1">
-            <a:extLst>
-              <a:ext uri="{FF2B5EF4-FFF2-40B4-BE49-F238E27FC236}">
-                <a16:creationId xmlns:a16="http://schemas.microsoft.com/office/drawing/2014/main" id="{5FCAE98A-1FA7-F640-BC7F-9C11658500D7}"/>
-              </a:ext>
-            </a:extLst>
-          </p:cNvPr>
-          <p:cNvSpPr>
-            <a:spLocks noGrp="1"/>
-          </p:cNvSpPr>
-          <p:nvPr>
-            <p:ph type="title"/>
-          </p:nvPr>
-        </p:nvSpPr>
-        <p:spPr/>
-        <p:txBody>
-          <a:bodyPr/>
-          <a:lstStyle/>
-          <a:p>
-            <a:r>
-              <a:rPr lang="en-US" dirty="0"/>
-              <a:t>Docker Compose</a:t>
-            </a:r>
-            <a:endParaRPr lang="en-CR" dirty="0"/>
-          </a:p>
-        </p:txBody>
-      </p:sp>
-      <p:sp>
-        <p:nvSpPr>
-          <p:cNvPr id="3" name="Slide Number Placeholder 2">
-            <a:extLst>
-              <a:ext uri="{FF2B5EF4-FFF2-40B4-BE49-F238E27FC236}">
-                <a16:creationId xmlns:a16="http://schemas.microsoft.com/office/drawing/2014/main" id="{1DECACD6-7120-4E4A-BB11-C58BCD3D0F9A}"/>
-              </a:ext>
-            </a:extLst>
-          </p:cNvPr>
-          <p:cNvSpPr>
-            <a:spLocks noGrp="1"/>
-          </p:cNvSpPr>
-          <p:nvPr>
-            <p:ph type="sldNum" sz="quarter" idx="12"/>
-          </p:nvPr>
-        </p:nvSpPr>
-        <p:spPr/>
-        <p:txBody>
-          <a:bodyPr/>
-          <a:lstStyle/>
-          <a:p>
-            <a:fld id="{4FAB73BC-B049-4115-A692-8D63A059BFB8}" type="slidenum">
-              <a:rPr lang="en-US" smtClean="0"/>
-              <a:pPr/>
-              <a:t>36</a:t>
-            </a:fld>
-            <a:endParaRPr lang="en-US" dirty="0"/>
-          </a:p>
-        </p:txBody>
-      </p:sp>
-      <p:sp>
-        <p:nvSpPr>
-          <p:cNvPr id="4" name="TextBox 3">
-            <a:extLst>
-              <a:ext uri="{FF2B5EF4-FFF2-40B4-BE49-F238E27FC236}">
-                <a16:creationId xmlns:a16="http://schemas.microsoft.com/office/drawing/2014/main" id="{DAD0A73E-BB2B-4D41-8529-C5C2D3838AE0}"/>
-              </a:ext>
-            </a:extLst>
-          </p:cNvPr>
-          <p:cNvSpPr txBox="1"/>
-          <p:nvPr/>
-        </p:nvSpPr>
-        <p:spPr>
-          <a:xfrm>
-            <a:off x="945267" y="2828835"/>
-            <a:ext cx="4066571" cy="1477328"/>
-          </a:xfrm>
-          <a:prstGeom prst="rect">
-            <a:avLst/>
-          </a:prstGeom>
-          <a:noFill/>
-        </p:spPr>
-        <p:txBody>
-          <a:bodyPr wrap="square" rtlCol="0">
-            <a:spAutoFit/>
-          </a:bodyPr>
-          <a:lstStyle/>
-          <a:p>
-            <a:pPr marL="285750" indent="-285750">
-              <a:buFont typeface="Arial" panose="020B0604020202020204" pitchFamily="34" charset="0"/>
-              <a:buChar char="•"/>
-            </a:pPr>
-            <a:r>
-              <a:rPr lang="en-CR" dirty="0"/>
-              <a:t>Contruir y desplegar aplicaciones con múltiples contenedores</a:t>
-            </a:r>
-          </a:p>
-          <a:p>
-            <a:pPr marL="285750" indent="-285750">
-              <a:buFont typeface="Arial" panose="020B0604020202020204" pitchFamily="34" charset="0"/>
-              <a:buChar char="•"/>
-            </a:pPr>
-            <a:r>
-              <a:rPr lang="en-CR" dirty="0"/>
-              <a:t>Definición del la arquitectura de servicios en un solo archivo YAML</a:t>
-            </a:r>
-          </a:p>
-          <a:p>
-            <a:pPr marL="285750" indent="-285750">
-              <a:buFont typeface="Arial" panose="020B0604020202020204" pitchFamily="34" charset="0"/>
-              <a:buChar char="•"/>
-            </a:pPr>
-            <a:r>
-              <a:rPr lang="en-CR" dirty="0"/>
-              <a:t>Promueve la seguridad y el aislamiento</a:t>
-            </a:r>
-          </a:p>
-        </p:txBody>
-      </p:sp>
-      <p:sp>
-        <p:nvSpPr>
-          <p:cNvPr id="7" name="TextBox 6">
-            <a:extLst>
-              <a:ext uri="{FF2B5EF4-FFF2-40B4-BE49-F238E27FC236}">
-                <a16:creationId xmlns:a16="http://schemas.microsoft.com/office/drawing/2014/main" id="{9C38E5C3-58DD-AB4D-8C70-7C331ADA6BBE}"/>
-              </a:ext>
-            </a:extLst>
-          </p:cNvPr>
-          <p:cNvSpPr txBox="1"/>
-          <p:nvPr/>
-        </p:nvSpPr>
-        <p:spPr>
-          <a:xfrm>
-            <a:off x="5593647" y="6490590"/>
-            <a:ext cx="5679191" cy="276999"/>
-          </a:xfrm>
-          <a:prstGeom prst="rect">
-            <a:avLst/>
-          </a:prstGeom>
-          <a:noFill/>
-        </p:spPr>
-        <p:txBody>
-          <a:bodyPr wrap="square">
-            <a:spAutoFit/>
-          </a:bodyPr>
-          <a:lstStyle/>
-          <a:p>
-            <a:r>
-              <a:rPr lang="en-US" sz="1200" dirty="0">
-                <a:solidFill>
-                  <a:schemeClr val="tx2"/>
-                </a:solidFill>
-              </a:rPr>
-              <a:t>http://</a:t>
-            </a:r>
-            <a:r>
-              <a:rPr lang="en-US" sz="1200" dirty="0" err="1">
-                <a:solidFill>
-                  <a:schemeClr val="tx2"/>
-                </a:solidFill>
-              </a:rPr>
-              <a:t>img.scoop.it</a:t>
-            </a:r>
-            <a:r>
-              <a:rPr lang="en-US" sz="1200" dirty="0">
-                <a:solidFill>
-                  <a:schemeClr val="tx2"/>
-                </a:solidFill>
-              </a:rPr>
-              <a:t>/bmExZyvGWidultcwx9hCb7nTzqrqzN7Y9aBZTaXoQ8Q=</a:t>
-            </a:r>
-            <a:endParaRPr lang="en-CR" sz="1200" dirty="0">
-              <a:solidFill>
-                <a:schemeClr val="tx2"/>
-              </a:solidFill>
-            </a:endParaRPr>
-          </a:p>
-        </p:txBody>
-      </p:sp>
-      <p:pic>
-        <p:nvPicPr>
-          <p:cNvPr id="3074" name="Picture 2" descr="Docker Bridge Network Driver">
-            <a:extLst>
-              <a:ext uri="{FF2B5EF4-FFF2-40B4-BE49-F238E27FC236}">
-                <a16:creationId xmlns:a16="http://schemas.microsoft.com/office/drawing/2014/main" id="{B3E9E4B2-D939-C074-54AE-B189235398FA}"/>
-              </a:ext>
-            </a:extLst>
-          </p:cNvPr>
-          <p:cNvPicPr>
-            <a:picLocks noChangeAspect="1" noChangeArrowheads="1"/>
-          </p:cNvPicPr>
-          <p:nvPr/>
-        </p:nvPicPr>
-        <p:blipFill>
-          <a:blip r:embed="rId2">
-            <a:extLst>
-              <a:ext uri="{28A0092B-C50C-407E-A947-70E740481C1C}">
-                <a14:useLocalDpi xmlns:a14="http://schemas.microsoft.com/office/drawing/2010/main" val="0"/>
-              </a:ext>
-            </a:extLst>
-          </a:blip>
-          <a:srcRect/>
-          <a:stretch>
-            <a:fillRect/>
-          </a:stretch>
-        </p:blipFill>
-        <p:spPr bwMode="auto">
-          <a:xfrm>
-            <a:off x="6096000" y="2426082"/>
-            <a:ext cx="4066570" cy="3791838"/>
-          </a:xfrm>
-          <a:prstGeom prst="rect">
-            <a:avLst/>
-          </a:prstGeom>
-          <a:noFill/>
-          <a:extLst>
-            <a:ext uri="{909E8E84-426E-40DD-AFC4-6F175D3DCCD1}">
-              <a14:hiddenFill xmlns:a14="http://schemas.microsoft.com/office/drawing/2010/main">
-                <a:solidFill>
-                  <a:srgbClr val="FFFFFF"/>
-                </a:solidFill>
-              </a14:hiddenFill>
-            </a:ext>
-          </a:extLst>
-        </p:spPr>
-      </p:pic>
-      <p:sp>
-        <p:nvSpPr>
-          <p:cNvPr id="10" name="TextBox 9">
-            <a:extLst>
-              <a:ext uri="{FF2B5EF4-FFF2-40B4-BE49-F238E27FC236}">
-                <a16:creationId xmlns:a16="http://schemas.microsoft.com/office/drawing/2014/main" id="{8D154070-1890-C394-0775-95D3E5722A3F}"/>
-              </a:ext>
-            </a:extLst>
-          </p:cNvPr>
-          <p:cNvSpPr txBox="1"/>
-          <p:nvPr/>
-        </p:nvSpPr>
-        <p:spPr>
-          <a:xfrm>
-            <a:off x="192881" y="6400800"/>
-            <a:ext cx="6100762" cy="323165"/>
-          </a:xfrm>
-          <a:prstGeom prst="rect">
-            <a:avLst/>
-          </a:prstGeom>
-          <a:noFill/>
-        </p:spPr>
-        <p:txBody>
-          <a:bodyPr wrap="square">
-            <a:spAutoFit/>
-          </a:bodyPr>
-          <a:lstStyle/>
-          <a:p>
-            <a:r>
-              <a:rPr lang="en-CR" sz="1500" dirty="0">
-                <a:hlinkClick r:id="rId3"/>
-              </a:rPr>
-              <a:t>https://docs.docker.com/compose/</a:t>
-            </a:r>
-            <a:r>
-              <a:rPr lang="en-CR" sz="1500" dirty="0"/>
-              <a:t> </a:t>
-            </a:r>
-          </a:p>
-        </p:txBody>
-      </p:sp>
-    </p:spTree>
-    <p:extLst>
-      <p:ext uri="{BB962C8B-B14F-4D97-AF65-F5344CB8AC3E}">
-        <p14:creationId xmlns:p14="http://schemas.microsoft.com/office/powerpoint/2010/main" val="3744451892"/>
-      </p:ext>
-    </p:extLst>
-  </p:cSld>
-  <p:clrMapOvr>
-    <a:masterClrMapping/>
-  </p:clrMapOvr>
-</p:sld>
-</file>
-
-<file path=ppt/slides/slide37.xml><?xml version="1.0" encoding="utf-8"?>
-<p:sld xmlns:a="http://schemas.openxmlformats.org/drawingml/2006/main" xmlns:r="http://schemas.openxmlformats.org/officeDocument/2006/relationships" xmlns:p="http://schemas.openxmlformats.org/presentationml/2006/main">
-  <p:cSld>
-    <p:spTree>
-      <p:nvGrpSpPr>
-        <p:cNvPr id="1" name=""/>
-        <p:cNvGrpSpPr/>
-        <p:nvPr/>
-      </p:nvGrpSpPr>
-      <p:grpSpPr>
-        <a:xfrm>
-          <a:off x="0" y="0"/>
-          <a:ext cx="0" cy="0"/>
-          <a:chOff x="0" y="0"/>
-          <a:chExt cx="0" cy="0"/>
-        </a:xfrm>
-      </p:grpSpPr>
-      <p:sp>
-        <p:nvSpPr>
-          <p:cNvPr id="2" name="Title 1">
-            <a:extLst>
-              <a:ext uri="{FF2B5EF4-FFF2-40B4-BE49-F238E27FC236}">
-                <a16:creationId xmlns:a16="http://schemas.microsoft.com/office/drawing/2014/main" id="{5FCAE98A-1FA7-F640-BC7F-9C11658500D7}"/>
-              </a:ext>
-            </a:extLst>
-          </p:cNvPr>
-          <p:cNvSpPr>
-            <a:spLocks noGrp="1"/>
-          </p:cNvSpPr>
-          <p:nvPr>
-            <p:ph type="title"/>
-          </p:nvPr>
-        </p:nvSpPr>
-        <p:spPr>
-          <a:xfrm>
-            <a:off x="2231136" y="2834640"/>
-            <a:ext cx="7729728" cy="1188720"/>
-          </a:xfrm>
-        </p:spPr>
-        <p:txBody>
-          <a:bodyPr/>
-          <a:lstStyle/>
-          <a:p>
-            <a:r>
-              <a:rPr lang="en-US" dirty="0" err="1"/>
-              <a:t>Volvamos</a:t>
-            </a:r>
-            <a:r>
-              <a:rPr lang="en-US" dirty="0"/>
-              <a:t> al </a:t>
-            </a:r>
-            <a:r>
-              <a:rPr lang="en-US" dirty="0" err="1"/>
-              <a:t>código</a:t>
-            </a:r>
-            <a:endParaRPr lang="en-CR" dirty="0"/>
-          </a:p>
-        </p:txBody>
-      </p:sp>
-      <p:sp>
-        <p:nvSpPr>
-          <p:cNvPr id="3" name="Slide Number Placeholder 2">
-            <a:extLst>
-              <a:ext uri="{FF2B5EF4-FFF2-40B4-BE49-F238E27FC236}">
-                <a16:creationId xmlns:a16="http://schemas.microsoft.com/office/drawing/2014/main" id="{1DECACD6-7120-4E4A-BB11-C58BCD3D0F9A}"/>
-              </a:ext>
-            </a:extLst>
-          </p:cNvPr>
-          <p:cNvSpPr>
-            <a:spLocks noGrp="1"/>
-          </p:cNvSpPr>
-          <p:nvPr>
-            <p:ph type="sldNum" sz="quarter" idx="12"/>
-          </p:nvPr>
-        </p:nvSpPr>
-        <p:spPr/>
-        <p:txBody>
-          <a:bodyPr/>
-          <a:lstStyle/>
-          <a:p>
-            <a:fld id="{4FAB73BC-B049-4115-A692-8D63A059BFB8}" type="slidenum">
-              <a:rPr lang="en-US" smtClean="0"/>
-              <a:pPr/>
-              <a:t>37</a:t>
-            </a:fld>
-            <a:endParaRPr lang="en-US" dirty="0"/>
-          </a:p>
-        </p:txBody>
-      </p:sp>
-    </p:spTree>
-    <p:extLst>
-      <p:ext uri="{BB962C8B-B14F-4D97-AF65-F5344CB8AC3E}">
-        <p14:creationId xmlns:p14="http://schemas.microsoft.com/office/powerpoint/2010/main" val="1687947566"/>
-      </p:ext>
-    </p:extLst>
-  </p:cSld>
-  <p:clrMapOvr>
-    <a:masterClrMapping/>
-  </p:clrMapOvr>
-</p:sld>
-</file>
-
-<file path=ppt/slides/slide38.xml><?xml version="1.0" encoding="utf-8"?>
-<p:sld xmlns:a="http://schemas.openxmlformats.org/drawingml/2006/main" xmlns:r="http://schemas.openxmlformats.org/officeDocument/2006/relationships" xmlns:p="http://schemas.openxmlformats.org/presentationml/2006/main">
-  <p:cSld>
-    <p:spTree>
-      <p:nvGrpSpPr>
-        <p:cNvPr id="1" name=""/>
-        <p:cNvGrpSpPr/>
-        <p:nvPr/>
-      </p:nvGrpSpPr>
-      <p:grpSpPr>
-        <a:xfrm>
-          <a:off x="0" y="0"/>
-          <a:ext cx="0" cy="0"/>
-          <a:chOff x="0" y="0"/>
-          <a:chExt cx="0" cy="0"/>
-        </a:xfrm>
-      </p:grpSpPr>
-      <p:sp>
-        <p:nvSpPr>
-          <p:cNvPr id="2" name="Title 1">
-            <a:extLst>
-              <a:ext uri="{FF2B5EF4-FFF2-40B4-BE49-F238E27FC236}">
-                <a16:creationId xmlns:a16="http://schemas.microsoft.com/office/drawing/2014/main" id="{5FCAE98A-1FA7-F640-BC7F-9C11658500D7}"/>
-              </a:ext>
-            </a:extLst>
-          </p:cNvPr>
-          <p:cNvSpPr>
-            <a:spLocks noGrp="1"/>
-          </p:cNvSpPr>
-          <p:nvPr>
-            <p:ph type="title"/>
-          </p:nvPr>
-        </p:nvSpPr>
-        <p:spPr>
-          <a:xfrm>
-            <a:off x="2231136" y="2834640"/>
-            <a:ext cx="7729728" cy="1188720"/>
-          </a:xfrm>
-        </p:spPr>
-        <p:txBody>
-          <a:bodyPr/>
-          <a:lstStyle/>
-          <a:p>
-            <a:r>
-              <a:rPr lang="en-US" dirty="0"/>
-              <a:t>¡</a:t>
-            </a:r>
-            <a:r>
-              <a:rPr lang="en-US" dirty="0" err="1"/>
-              <a:t>Muchas</a:t>
-            </a:r>
-            <a:r>
-              <a:rPr lang="en-US" dirty="0"/>
-              <a:t> gracias!</a:t>
-            </a:r>
-            <a:endParaRPr lang="en-CR" dirty="0"/>
-          </a:p>
-        </p:txBody>
-      </p:sp>
-      <p:sp>
-        <p:nvSpPr>
-          <p:cNvPr id="3" name="Slide Number Placeholder 2">
-            <a:extLst>
-              <a:ext uri="{FF2B5EF4-FFF2-40B4-BE49-F238E27FC236}">
-                <a16:creationId xmlns:a16="http://schemas.microsoft.com/office/drawing/2014/main" id="{1DECACD6-7120-4E4A-BB11-C58BCD3D0F9A}"/>
-              </a:ext>
-            </a:extLst>
-          </p:cNvPr>
-          <p:cNvSpPr>
-            <a:spLocks noGrp="1"/>
-          </p:cNvSpPr>
-          <p:nvPr>
-            <p:ph type="sldNum" sz="quarter" idx="12"/>
-          </p:nvPr>
-        </p:nvSpPr>
-        <p:spPr/>
-        <p:txBody>
-          <a:bodyPr/>
-          <a:lstStyle/>
-          <a:p>
-            <a:fld id="{4FAB73BC-B049-4115-A692-8D63A059BFB8}" type="slidenum">
-              <a:rPr lang="en-US" smtClean="0"/>
-              <a:pPr/>
-              <a:t>38</a:t>
-            </a:fld>
-            <a:endParaRPr lang="en-US" dirty="0"/>
-          </a:p>
-        </p:txBody>
-      </p:sp>
-    </p:spTree>
-    <p:extLst>
-      <p:ext uri="{BB962C8B-B14F-4D97-AF65-F5344CB8AC3E}">
-        <p14:creationId xmlns:p14="http://schemas.microsoft.com/office/powerpoint/2010/main" val="1990433902"/>
       </p:ext>
     </p:extLst>
   </p:cSld>
